--- a/trunk/data/gdd/AHR_image_gdd.pptx
+++ b/trunk/data/gdd/AHR_image_gdd.pptx
@@ -13,6 +13,15 @@
     <p:sldId id="261" r:id="rId7"/>
     <p:sldId id="262" r:id="rId8"/>
     <p:sldId id="263" r:id="rId9"/>
+    <p:sldId id="264" r:id="rId10"/>
+    <p:sldId id="265" r:id="rId11"/>
+    <p:sldId id="266" r:id="rId12"/>
+    <p:sldId id="267" r:id="rId13"/>
+    <p:sldId id="268" r:id="rId14"/>
+    <p:sldId id="269" r:id="rId15"/>
+    <p:sldId id="270" r:id="rId16"/>
+    <p:sldId id="271" r:id="rId17"/>
+    <p:sldId id="272" r:id="rId18"/>
   </p:sldIdLst>
   <p:sldSz cx="9144000" cy="6858000" type="screen4x3"/>
   <p:notesSz cx="6858000" cy="9144000"/>
@@ -20,93 +29,123 @@
     <a:defPPr>
       <a:defRPr lang="ko-KR"/>
     </a:defPPr>
-    <a:lvl1pPr marL="0" algn="l" defTabSz="914400" rtl="0" eaLnBrk="1" latinLnBrk="1" hangingPunct="1">
-      <a:defRPr sz="1800" kern="1200">
+    <a:lvl1pPr algn="l" rtl="0" fontAlgn="base" latinLnBrk="1">
+      <a:spcBef>
+        <a:spcPct val="0"/>
+      </a:spcBef>
+      <a:spcAft>
+        <a:spcPct val="0"/>
+      </a:spcAft>
+      <a:defRPr kumimoji="1" kern="1200">
         <a:solidFill>
           <a:schemeClr val="tx1"/>
         </a:solidFill>
-        <a:latin typeface="+mn-lt"/>
-        <a:ea typeface="+mn-ea"/>
+        <a:latin typeface="굴림" charset="-127"/>
+        <a:ea typeface="굴림" charset="-127"/>
         <a:cs typeface="+mn-cs"/>
       </a:defRPr>
     </a:lvl1pPr>
-    <a:lvl2pPr marL="457200" algn="l" defTabSz="914400" rtl="0" eaLnBrk="1" latinLnBrk="1" hangingPunct="1">
-      <a:defRPr sz="1800" kern="1200">
+    <a:lvl2pPr marL="457200" algn="l" rtl="0" fontAlgn="base" latinLnBrk="1">
+      <a:spcBef>
+        <a:spcPct val="0"/>
+      </a:spcBef>
+      <a:spcAft>
+        <a:spcPct val="0"/>
+      </a:spcAft>
+      <a:defRPr kumimoji="1" kern="1200">
         <a:solidFill>
           <a:schemeClr val="tx1"/>
         </a:solidFill>
-        <a:latin typeface="+mn-lt"/>
-        <a:ea typeface="+mn-ea"/>
+        <a:latin typeface="굴림" charset="-127"/>
+        <a:ea typeface="굴림" charset="-127"/>
         <a:cs typeface="+mn-cs"/>
       </a:defRPr>
     </a:lvl2pPr>
-    <a:lvl3pPr marL="914400" algn="l" defTabSz="914400" rtl="0" eaLnBrk="1" latinLnBrk="1" hangingPunct="1">
-      <a:defRPr sz="1800" kern="1200">
+    <a:lvl3pPr marL="914400" algn="l" rtl="0" fontAlgn="base" latinLnBrk="1">
+      <a:spcBef>
+        <a:spcPct val="0"/>
+      </a:spcBef>
+      <a:spcAft>
+        <a:spcPct val="0"/>
+      </a:spcAft>
+      <a:defRPr kumimoji="1" kern="1200">
         <a:solidFill>
           <a:schemeClr val="tx1"/>
         </a:solidFill>
-        <a:latin typeface="+mn-lt"/>
-        <a:ea typeface="+mn-ea"/>
+        <a:latin typeface="굴림" charset="-127"/>
+        <a:ea typeface="굴림" charset="-127"/>
         <a:cs typeface="+mn-cs"/>
       </a:defRPr>
     </a:lvl3pPr>
-    <a:lvl4pPr marL="1371600" algn="l" defTabSz="914400" rtl="0" eaLnBrk="1" latinLnBrk="1" hangingPunct="1">
-      <a:defRPr sz="1800" kern="1200">
+    <a:lvl4pPr marL="1371600" algn="l" rtl="0" fontAlgn="base" latinLnBrk="1">
+      <a:spcBef>
+        <a:spcPct val="0"/>
+      </a:spcBef>
+      <a:spcAft>
+        <a:spcPct val="0"/>
+      </a:spcAft>
+      <a:defRPr kumimoji="1" kern="1200">
         <a:solidFill>
           <a:schemeClr val="tx1"/>
         </a:solidFill>
-        <a:latin typeface="+mn-lt"/>
-        <a:ea typeface="+mn-ea"/>
+        <a:latin typeface="굴림" charset="-127"/>
+        <a:ea typeface="굴림" charset="-127"/>
         <a:cs typeface="+mn-cs"/>
       </a:defRPr>
     </a:lvl4pPr>
-    <a:lvl5pPr marL="1828800" algn="l" defTabSz="914400" rtl="0" eaLnBrk="1" latinLnBrk="1" hangingPunct="1">
-      <a:defRPr sz="1800" kern="1200">
+    <a:lvl5pPr marL="1828800" algn="l" rtl="0" fontAlgn="base" latinLnBrk="1">
+      <a:spcBef>
+        <a:spcPct val="0"/>
+      </a:spcBef>
+      <a:spcAft>
+        <a:spcPct val="0"/>
+      </a:spcAft>
+      <a:defRPr kumimoji="1" kern="1200">
         <a:solidFill>
           <a:schemeClr val="tx1"/>
         </a:solidFill>
-        <a:latin typeface="+mn-lt"/>
-        <a:ea typeface="+mn-ea"/>
+        <a:latin typeface="굴림" charset="-127"/>
+        <a:ea typeface="굴림" charset="-127"/>
         <a:cs typeface="+mn-cs"/>
       </a:defRPr>
     </a:lvl5pPr>
     <a:lvl6pPr marL="2286000" algn="l" defTabSz="914400" rtl="0" eaLnBrk="1" latinLnBrk="1" hangingPunct="1">
-      <a:defRPr sz="1800" kern="1200">
+      <a:defRPr kumimoji="1" kern="1200">
         <a:solidFill>
           <a:schemeClr val="tx1"/>
         </a:solidFill>
-        <a:latin typeface="+mn-lt"/>
-        <a:ea typeface="+mn-ea"/>
+        <a:latin typeface="굴림" charset="-127"/>
+        <a:ea typeface="굴림" charset="-127"/>
         <a:cs typeface="+mn-cs"/>
       </a:defRPr>
     </a:lvl6pPr>
     <a:lvl7pPr marL="2743200" algn="l" defTabSz="914400" rtl="0" eaLnBrk="1" latinLnBrk="1" hangingPunct="1">
-      <a:defRPr sz="1800" kern="1200">
+      <a:defRPr kumimoji="1" kern="1200">
         <a:solidFill>
           <a:schemeClr val="tx1"/>
         </a:solidFill>
-        <a:latin typeface="+mn-lt"/>
-        <a:ea typeface="+mn-ea"/>
+        <a:latin typeface="굴림" charset="-127"/>
+        <a:ea typeface="굴림" charset="-127"/>
         <a:cs typeface="+mn-cs"/>
       </a:defRPr>
     </a:lvl7pPr>
     <a:lvl8pPr marL="3200400" algn="l" defTabSz="914400" rtl="0" eaLnBrk="1" latinLnBrk="1" hangingPunct="1">
-      <a:defRPr sz="1800" kern="1200">
+      <a:defRPr kumimoji="1" kern="1200">
         <a:solidFill>
           <a:schemeClr val="tx1"/>
         </a:solidFill>
-        <a:latin typeface="+mn-lt"/>
-        <a:ea typeface="+mn-ea"/>
+        <a:latin typeface="굴림" charset="-127"/>
+        <a:ea typeface="굴림" charset="-127"/>
         <a:cs typeface="+mn-cs"/>
       </a:defRPr>
     </a:lvl8pPr>
     <a:lvl9pPr marL="3657600" algn="l" defTabSz="914400" rtl="0" eaLnBrk="1" latinLnBrk="1" hangingPunct="1">
-      <a:defRPr sz="1800" kern="1200">
+      <a:defRPr kumimoji="1" kern="1200">
         <a:solidFill>
           <a:schemeClr val="tx1"/>
         </a:solidFill>
-        <a:latin typeface="+mn-lt"/>
-        <a:ea typeface="+mn-ea"/>
+        <a:latin typeface="굴림" charset="-127"/>
+        <a:ea typeface="굴림" charset="-127"/>
         <a:cs typeface="+mn-cs"/>
       </a:defRPr>
     </a:lvl9pPr>
@@ -291,11 +330,21 @@
         <p:spPr/>
         <p:txBody>
           <a:bodyPr/>
-          <a:lstStyle/>
-          <a:p>
-            <a:fld id="{FD59702D-5126-48BF-BF7D-A36A68D42D52}" type="datetimeFigureOut">
-              <a:rPr lang="ko-KR" altLang="en-US" smtClean="0"/>
-              <a:t>2009-07-30</a:t>
+          <a:lstStyle>
+            <a:lvl1pPr>
+              <a:defRPr/>
+            </a:lvl1pPr>
+          </a:lstStyle>
+          <a:p>
+            <a:pPr>
+              <a:defRPr/>
+            </a:pPr>
+            <a:fld id="{67D83D43-D7A5-4CBB-8D45-CCA5408F11B0}" type="datetimeFigureOut">
+              <a:rPr lang="ko-KR" altLang="en-US"/>
+              <a:pPr>
+                <a:defRPr/>
+              </a:pPr>
+              <a:t>2009-08-12</a:t>
             </a:fld>
             <a:endParaRPr lang="ko-KR" altLang="en-US"/>
           </a:p>
@@ -314,8 +363,15 @@
         <p:spPr/>
         <p:txBody>
           <a:bodyPr/>
-          <a:lstStyle/>
-          <a:p>
+          <a:lstStyle>
+            <a:lvl1pPr>
+              <a:defRPr/>
+            </a:lvl1pPr>
+          </a:lstStyle>
+          <a:p>
+            <a:pPr>
+              <a:defRPr/>
+            </a:pPr>
             <a:endParaRPr lang="ko-KR" altLang="en-US"/>
           </a:p>
         </p:txBody>
@@ -333,10 +389,20 @@
         <p:spPr/>
         <p:txBody>
           <a:bodyPr/>
-          <a:lstStyle/>
-          <a:p>
-            <a:fld id="{EFE9C189-7AAE-4196-9930-107C621B340A}" type="slidenum">
-              <a:rPr lang="ko-KR" altLang="en-US" smtClean="0"/>
+          <a:lstStyle>
+            <a:lvl1pPr>
+              <a:defRPr/>
+            </a:lvl1pPr>
+          </a:lstStyle>
+          <a:p>
+            <a:pPr>
+              <a:defRPr/>
+            </a:pPr>
+            <a:fld id="{31981F9B-5026-4A76-92C2-89EB1F975E79}" type="slidenum">
+              <a:rPr lang="ko-KR" altLang="en-US"/>
+              <a:pPr>
+                <a:defRPr/>
+              </a:pPr>
               <a:t>‹#›</a:t>
             </a:fld>
             <a:endParaRPr lang="ko-KR" altLang="en-US"/>
@@ -456,11 +522,21 @@
         <p:spPr/>
         <p:txBody>
           <a:bodyPr/>
-          <a:lstStyle/>
-          <a:p>
-            <a:fld id="{FD59702D-5126-48BF-BF7D-A36A68D42D52}" type="datetimeFigureOut">
-              <a:rPr lang="ko-KR" altLang="en-US" smtClean="0"/>
-              <a:t>2009-07-30</a:t>
+          <a:lstStyle>
+            <a:lvl1pPr>
+              <a:defRPr/>
+            </a:lvl1pPr>
+          </a:lstStyle>
+          <a:p>
+            <a:pPr>
+              <a:defRPr/>
+            </a:pPr>
+            <a:fld id="{2482210F-C6F9-458B-A846-7DE22E293B4A}" type="datetimeFigureOut">
+              <a:rPr lang="ko-KR" altLang="en-US"/>
+              <a:pPr>
+                <a:defRPr/>
+              </a:pPr>
+              <a:t>2009-08-12</a:t>
             </a:fld>
             <a:endParaRPr lang="ko-KR" altLang="en-US"/>
           </a:p>
@@ -479,8 +555,15 @@
         <p:spPr/>
         <p:txBody>
           <a:bodyPr/>
-          <a:lstStyle/>
-          <a:p>
+          <a:lstStyle>
+            <a:lvl1pPr>
+              <a:defRPr/>
+            </a:lvl1pPr>
+          </a:lstStyle>
+          <a:p>
+            <a:pPr>
+              <a:defRPr/>
+            </a:pPr>
             <a:endParaRPr lang="ko-KR" altLang="en-US"/>
           </a:p>
         </p:txBody>
@@ -498,10 +581,20 @@
         <p:spPr/>
         <p:txBody>
           <a:bodyPr/>
-          <a:lstStyle/>
-          <a:p>
-            <a:fld id="{EFE9C189-7AAE-4196-9930-107C621B340A}" type="slidenum">
-              <a:rPr lang="ko-KR" altLang="en-US" smtClean="0"/>
+          <a:lstStyle>
+            <a:lvl1pPr>
+              <a:defRPr/>
+            </a:lvl1pPr>
+          </a:lstStyle>
+          <a:p>
+            <a:pPr>
+              <a:defRPr/>
+            </a:pPr>
+            <a:fld id="{0B0A55C9-5ABB-40EA-9645-6CE7C58D9B7B}" type="slidenum">
+              <a:rPr lang="ko-KR" altLang="en-US"/>
+              <a:pPr>
+                <a:defRPr/>
+              </a:pPr>
               <a:t>‹#›</a:t>
             </a:fld>
             <a:endParaRPr lang="ko-KR" altLang="en-US"/>
@@ -631,11 +724,21 @@
         <p:spPr/>
         <p:txBody>
           <a:bodyPr/>
-          <a:lstStyle/>
-          <a:p>
-            <a:fld id="{FD59702D-5126-48BF-BF7D-A36A68D42D52}" type="datetimeFigureOut">
-              <a:rPr lang="ko-KR" altLang="en-US" smtClean="0"/>
-              <a:t>2009-07-30</a:t>
+          <a:lstStyle>
+            <a:lvl1pPr>
+              <a:defRPr/>
+            </a:lvl1pPr>
+          </a:lstStyle>
+          <a:p>
+            <a:pPr>
+              <a:defRPr/>
+            </a:pPr>
+            <a:fld id="{231B0536-089A-42D1-AB3B-9702FF7DD708}" type="datetimeFigureOut">
+              <a:rPr lang="ko-KR" altLang="en-US"/>
+              <a:pPr>
+                <a:defRPr/>
+              </a:pPr>
+              <a:t>2009-08-12</a:t>
             </a:fld>
             <a:endParaRPr lang="ko-KR" altLang="en-US"/>
           </a:p>
@@ -654,8 +757,15 @@
         <p:spPr/>
         <p:txBody>
           <a:bodyPr/>
-          <a:lstStyle/>
-          <a:p>
+          <a:lstStyle>
+            <a:lvl1pPr>
+              <a:defRPr/>
+            </a:lvl1pPr>
+          </a:lstStyle>
+          <a:p>
+            <a:pPr>
+              <a:defRPr/>
+            </a:pPr>
             <a:endParaRPr lang="ko-KR" altLang="en-US"/>
           </a:p>
         </p:txBody>
@@ -673,10 +783,20 @@
         <p:spPr/>
         <p:txBody>
           <a:bodyPr/>
-          <a:lstStyle/>
-          <a:p>
-            <a:fld id="{EFE9C189-7AAE-4196-9930-107C621B340A}" type="slidenum">
-              <a:rPr lang="ko-KR" altLang="en-US" smtClean="0"/>
+          <a:lstStyle>
+            <a:lvl1pPr>
+              <a:defRPr/>
+            </a:lvl1pPr>
+          </a:lstStyle>
+          <a:p>
+            <a:pPr>
+              <a:defRPr/>
+            </a:pPr>
+            <a:fld id="{06406A12-0396-4B79-B20C-FB7A4AE4E429}" type="slidenum">
+              <a:rPr lang="ko-KR" altLang="en-US"/>
+              <a:pPr>
+                <a:defRPr/>
+              </a:pPr>
               <a:t>‹#›</a:t>
             </a:fld>
             <a:endParaRPr lang="ko-KR" altLang="en-US"/>
@@ -796,11 +916,21 @@
         <p:spPr/>
         <p:txBody>
           <a:bodyPr/>
-          <a:lstStyle/>
-          <a:p>
-            <a:fld id="{FD59702D-5126-48BF-BF7D-A36A68D42D52}" type="datetimeFigureOut">
-              <a:rPr lang="ko-KR" altLang="en-US" smtClean="0"/>
-              <a:t>2009-07-30</a:t>
+          <a:lstStyle>
+            <a:lvl1pPr>
+              <a:defRPr/>
+            </a:lvl1pPr>
+          </a:lstStyle>
+          <a:p>
+            <a:pPr>
+              <a:defRPr/>
+            </a:pPr>
+            <a:fld id="{7F7200F5-689B-46E5-9E22-4F716CE10065}" type="datetimeFigureOut">
+              <a:rPr lang="ko-KR" altLang="en-US"/>
+              <a:pPr>
+                <a:defRPr/>
+              </a:pPr>
+              <a:t>2009-08-12</a:t>
             </a:fld>
             <a:endParaRPr lang="ko-KR" altLang="en-US"/>
           </a:p>
@@ -819,8 +949,15 @@
         <p:spPr/>
         <p:txBody>
           <a:bodyPr/>
-          <a:lstStyle/>
-          <a:p>
+          <a:lstStyle>
+            <a:lvl1pPr>
+              <a:defRPr/>
+            </a:lvl1pPr>
+          </a:lstStyle>
+          <a:p>
+            <a:pPr>
+              <a:defRPr/>
+            </a:pPr>
             <a:endParaRPr lang="ko-KR" altLang="en-US"/>
           </a:p>
         </p:txBody>
@@ -838,10 +975,20 @@
         <p:spPr/>
         <p:txBody>
           <a:bodyPr/>
-          <a:lstStyle/>
-          <a:p>
-            <a:fld id="{EFE9C189-7AAE-4196-9930-107C621B340A}" type="slidenum">
-              <a:rPr lang="ko-KR" altLang="en-US" smtClean="0"/>
+          <a:lstStyle>
+            <a:lvl1pPr>
+              <a:defRPr/>
+            </a:lvl1pPr>
+          </a:lstStyle>
+          <a:p>
+            <a:pPr>
+              <a:defRPr/>
+            </a:pPr>
+            <a:fld id="{51CFFA1D-351F-4563-9103-95F00B25EF2C}" type="slidenum">
+              <a:rPr lang="ko-KR" altLang="en-US"/>
+              <a:pPr>
+                <a:defRPr/>
+              </a:pPr>
               <a:t>‹#›</a:t>
             </a:fld>
             <a:endParaRPr lang="ko-KR" altLang="en-US"/>
@@ -1037,11 +1184,21 @@
         <p:spPr/>
         <p:txBody>
           <a:bodyPr/>
-          <a:lstStyle/>
-          <a:p>
-            <a:fld id="{FD59702D-5126-48BF-BF7D-A36A68D42D52}" type="datetimeFigureOut">
-              <a:rPr lang="ko-KR" altLang="en-US" smtClean="0"/>
-              <a:t>2009-07-30</a:t>
+          <a:lstStyle>
+            <a:lvl1pPr>
+              <a:defRPr/>
+            </a:lvl1pPr>
+          </a:lstStyle>
+          <a:p>
+            <a:pPr>
+              <a:defRPr/>
+            </a:pPr>
+            <a:fld id="{1A126792-D5CF-4821-B904-BE6AE4C4D040}" type="datetimeFigureOut">
+              <a:rPr lang="ko-KR" altLang="en-US"/>
+              <a:pPr>
+                <a:defRPr/>
+              </a:pPr>
+              <a:t>2009-08-12</a:t>
             </a:fld>
             <a:endParaRPr lang="ko-KR" altLang="en-US"/>
           </a:p>
@@ -1060,8 +1217,15 @@
         <p:spPr/>
         <p:txBody>
           <a:bodyPr/>
-          <a:lstStyle/>
-          <a:p>
+          <a:lstStyle>
+            <a:lvl1pPr>
+              <a:defRPr/>
+            </a:lvl1pPr>
+          </a:lstStyle>
+          <a:p>
+            <a:pPr>
+              <a:defRPr/>
+            </a:pPr>
             <a:endParaRPr lang="ko-KR" altLang="en-US"/>
           </a:p>
         </p:txBody>
@@ -1079,10 +1243,20 @@
         <p:spPr/>
         <p:txBody>
           <a:bodyPr/>
-          <a:lstStyle/>
-          <a:p>
-            <a:fld id="{EFE9C189-7AAE-4196-9930-107C621B340A}" type="slidenum">
-              <a:rPr lang="ko-KR" altLang="en-US" smtClean="0"/>
+          <a:lstStyle>
+            <a:lvl1pPr>
+              <a:defRPr/>
+            </a:lvl1pPr>
+          </a:lstStyle>
+          <a:p>
+            <a:pPr>
+              <a:defRPr/>
+            </a:pPr>
+            <a:fld id="{303E9500-FB4D-453A-BB4A-94DCB701FF17}" type="slidenum">
+              <a:rPr lang="ko-KR" altLang="en-US"/>
+              <a:pPr>
+                <a:defRPr/>
+              </a:pPr>
               <a:t>‹#›</a:t>
             </a:fld>
             <a:endParaRPr lang="ko-KR" altLang="en-US"/>
@@ -1309,7 +1483,7 @@
       </p:sp>
       <p:sp>
         <p:nvSpPr>
-          <p:cNvPr id="5" name="날짜 개체 틀 4"/>
+          <p:cNvPr id="5" name="날짜 개체 틀 3"/>
           <p:cNvSpPr>
             <a:spLocks noGrp="1"/>
           </p:cNvSpPr>
@@ -1320,11 +1494,21 @@
         <p:spPr/>
         <p:txBody>
           <a:bodyPr/>
-          <a:lstStyle/>
-          <a:p>
-            <a:fld id="{FD59702D-5126-48BF-BF7D-A36A68D42D52}" type="datetimeFigureOut">
-              <a:rPr lang="ko-KR" altLang="en-US" smtClean="0"/>
-              <a:t>2009-07-30</a:t>
+          <a:lstStyle>
+            <a:lvl1pPr>
+              <a:defRPr/>
+            </a:lvl1pPr>
+          </a:lstStyle>
+          <a:p>
+            <a:pPr>
+              <a:defRPr/>
+            </a:pPr>
+            <a:fld id="{EF5D5E98-C82C-4B29-A82D-C931AEEE1106}" type="datetimeFigureOut">
+              <a:rPr lang="ko-KR" altLang="en-US"/>
+              <a:pPr>
+                <a:defRPr/>
+              </a:pPr>
+              <a:t>2009-08-12</a:t>
             </a:fld>
             <a:endParaRPr lang="ko-KR" altLang="en-US"/>
           </a:p>
@@ -1332,7 +1516,7 @@
       </p:sp>
       <p:sp>
         <p:nvSpPr>
-          <p:cNvPr id="6" name="바닥글 개체 틀 5"/>
+          <p:cNvPr id="6" name="바닥글 개체 틀 4"/>
           <p:cNvSpPr>
             <a:spLocks noGrp="1"/>
           </p:cNvSpPr>
@@ -1343,15 +1527,22 @@
         <p:spPr/>
         <p:txBody>
           <a:bodyPr/>
-          <a:lstStyle/>
-          <a:p>
+          <a:lstStyle>
+            <a:lvl1pPr>
+              <a:defRPr/>
+            </a:lvl1pPr>
+          </a:lstStyle>
+          <a:p>
+            <a:pPr>
+              <a:defRPr/>
+            </a:pPr>
             <a:endParaRPr lang="ko-KR" altLang="en-US"/>
           </a:p>
         </p:txBody>
       </p:sp>
       <p:sp>
         <p:nvSpPr>
-          <p:cNvPr id="7" name="슬라이드 번호 개체 틀 6"/>
+          <p:cNvPr id="7" name="슬라이드 번호 개체 틀 5"/>
           <p:cNvSpPr>
             <a:spLocks noGrp="1"/>
           </p:cNvSpPr>
@@ -1362,10 +1553,20 @@
         <p:spPr/>
         <p:txBody>
           <a:bodyPr/>
-          <a:lstStyle/>
-          <a:p>
-            <a:fld id="{EFE9C189-7AAE-4196-9930-107C621B340A}" type="slidenum">
-              <a:rPr lang="ko-KR" altLang="en-US" smtClean="0"/>
+          <a:lstStyle>
+            <a:lvl1pPr>
+              <a:defRPr/>
+            </a:lvl1pPr>
+          </a:lstStyle>
+          <a:p>
+            <a:pPr>
+              <a:defRPr/>
+            </a:pPr>
+            <a:fld id="{AB25D48B-7D72-477E-8831-F6F74D8579E3}" type="slidenum">
+              <a:rPr lang="ko-KR" altLang="en-US"/>
+              <a:pPr>
+                <a:defRPr/>
+              </a:pPr>
               <a:t>‹#›</a:t>
             </a:fld>
             <a:endParaRPr lang="ko-KR" altLang="en-US"/>
@@ -1726,7 +1927,7 @@
       </p:sp>
       <p:sp>
         <p:nvSpPr>
-          <p:cNvPr id="7" name="날짜 개체 틀 6"/>
+          <p:cNvPr id="7" name="날짜 개체 틀 3"/>
           <p:cNvSpPr>
             <a:spLocks noGrp="1"/>
           </p:cNvSpPr>
@@ -1737,11 +1938,21 @@
         <p:spPr/>
         <p:txBody>
           <a:bodyPr/>
-          <a:lstStyle/>
-          <a:p>
-            <a:fld id="{FD59702D-5126-48BF-BF7D-A36A68D42D52}" type="datetimeFigureOut">
-              <a:rPr lang="ko-KR" altLang="en-US" smtClean="0"/>
-              <a:t>2009-07-30</a:t>
+          <a:lstStyle>
+            <a:lvl1pPr>
+              <a:defRPr/>
+            </a:lvl1pPr>
+          </a:lstStyle>
+          <a:p>
+            <a:pPr>
+              <a:defRPr/>
+            </a:pPr>
+            <a:fld id="{FF1EC74F-16CE-4F16-A641-EE81E066007E}" type="datetimeFigureOut">
+              <a:rPr lang="ko-KR" altLang="en-US"/>
+              <a:pPr>
+                <a:defRPr/>
+              </a:pPr>
+              <a:t>2009-08-12</a:t>
             </a:fld>
             <a:endParaRPr lang="ko-KR" altLang="en-US"/>
           </a:p>
@@ -1749,7 +1960,7 @@
       </p:sp>
       <p:sp>
         <p:nvSpPr>
-          <p:cNvPr id="8" name="바닥글 개체 틀 7"/>
+          <p:cNvPr id="8" name="바닥글 개체 틀 4"/>
           <p:cNvSpPr>
             <a:spLocks noGrp="1"/>
           </p:cNvSpPr>
@@ -1760,15 +1971,22 @@
         <p:spPr/>
         <p:txBody>
           <a:bodyPr/>
-          <a:lstStyle/>
-          <a:p>
+          <a:lstStyle>
+            <a:lvl1pPr>
+              <a:defRPr/>
+            </a:lvl1pPr>
+          </a:lstStyle>
+          <a:p>
+            <a:pPr>
+              <a:defRPr/>
+            </a:pPr>
             <a:endParaRPr lang="ko-KR" altLang="en-US"/>
           </a:p>
         </p:txBody>
       </p:sp>
       <p:sp>
         <p:nvSpPr>
-          <p:cNvPr id="9" name="슬라이드 번호 개체 틀 8"/>
+          <p:cNvPr id="9" name="슬라이드 번호 개체 틀 5"/>
           <p:cNvSpPr>
             <a:spLocks noGrp="1"/>
           </p:cNvSpPr>
@@ -1779,10 +1997,20 @@
         <p:spPr/>
         <p:txBody>
           <a:bodyPr/>
-          <a:lstStyle/>
-          <a:p>
-            <a:fld id="{EFE9C189-7AAE-4196-9930-107C621B340A}" type="slidenum">
-              <a:rPr lang="ko-KR" altLang="en-US" smtClean="0"/>
+          <a:lstStyle>
+            <a:lvl1pPr>
+              <a:defRPr/>
+            </a:lvl1pPr>
+          </a:lstStyle>
+          <a:p>
+            <a:pPr>
+              <a:defRPr/>
+            </a:pPr>
+            <a:fld id="{8AE31C85-B820-4F46-85C9-36B8BE00C660}" type="slidenum">
+              <a:rPr lang="ko-KR" altLang="en-US"/>
+              <a:pPr>
+                <a:defRPr/>
+              </a:pPr>
               <a:t>‹#›</a:t>
             </a:fld>
             <a:endParaRPr lang="ko-KR" altLang="en-US"/>
@@ -1839,7 +2067,7 @@
       </p:sp>
       <p:sp>
         <p:nvSpPr>
-          <p:cNvPr id="3" name="날짜 개체 틀 2"/>
+          <p:cNvPr id="3" name="날짜 개체 틀 3"/>
           <p:cNvSpPr>
             <a:spLocks noGrp="1"/>
           </p:cNvSpPr>
@@ -1850,11 +2078,21 @@
         <p:spPr/>
         <p:txBody>
           <a:bodyPr/>
-          <a:lstStyle/>
-          <a:p>
-            <a:fld id="{FD59702D-5126-48BF-BF7D-A36A68D42D52}" type="datetimeFigureOut">
-              <a:rPr lang="ko-KR" altLang="en-US" smtClean="0"/>
-              <a:t>2009-07-30</a:t>
+          <a:lstStyle>
+            <a:lvl1pPr>
+              <a:defRPr/>
+            </a:lvl1pPr>
+          </a:lstStyle>
+          <a:p>
+            <a:pPr>
+              <a:defRPr/>
+            </a:pPr>
+            <a:fld id="{ECF4E579-5C75-4C39-877B-BEA5D5ACC7A7}" type="datetimeFigureOut">
+              <a:rPr lang="ko-KR" altLang="en-US"/>
+              <a:pPr>
+                <a:defRPr/>
+              </a:pPr>
+              <a:t>2009-08-12</a:t>
             </a:fld>
             <a:endParaRPr lang="ko-KR" altLang="en-US"/>
           </a:p>
@@ -1862,7 +2100,7 @@
       </p:sp>
       <p:sp>
         <p:nvSpPr>
-          <p:cNvPr id="4" name="바닥글 개체 틀 3"/>
+          <p:cNvPr id="4" name="바닥글 개체 틀 4"/>
           <p:cNvSpPr>
             <a:spLocks noGrp="1"/>
           </p:cNvSpPr>
@@ -1873,15 +2111,22 @@
         <p:spPr/>
         <p:txBody>
           <a:bodyPr/>
-          <a:lstStyle/>
-          <a:p>
+          <a:lstStyle>
+            <a:lvl1pPr>
+              <a:defRPr/>
+            </a:lvl1pPr>
+          </a:lstStyle>
+          <a:p>
+            <a:pPr>
+              <a:defRPr/>
+            </a:pPr>
             <a:endParaRPr lang="ko-KR" altLang="en-US"/>
           </a:p>
         </p:txBody>
       </p:sp>
       <p:sp>
         <p:nvSpPr>
-          <p:cNvPr id="5" name="슬라이드 번호 개체 틀 4"/>
+          <p:cNvPr id="5" name="슬라이드 번호 개체 틀 5"/>
           <p:cNvSpPr>
             <a:spLocks noGrp="1"/>
           </p:cNvSpPr>
@@ -1892,10 +2137,20 @@
         <p:spPr/>
         <p:txBody>
           <a:bodyPr/>
-          <a:lstStyle/>
-          <a:p>
-            <a:fld id="{EFE9C189-7AAE-4196-9930-107C621B340A}" type="slidenum">
-              <a:rPr lang="ko-KR" altLang="en-US" smtClean="0"/>
+          <a:lstStyle>
+            <a:lvl1pPr>
+              <a:defRPr/>
+            </a:lvl1pPr>
+          </a:lstStyle>
+          <a:p>
+            <a:pPr>
+              <a:defRPr/>
+            </a:pPr>
+            <a:fld id="{4D5F84B3-EDE2-4C48-A3FE-ED2733B1FE6B}" type="slidenum">
+              <a:rPr lang="ko-KR" altLang="en-US"/>
+              <a:pPr>
+                <a:defRPr/>
+              </a:pPr>
               <a:t>‹#›</a:t>
             </a:fld>
             <a:endParaRPr lang="ko-KR" altLang="en-US"/>
@@ -1929,7 +2184,7 @@
       </p:grpSpPr>
       <p:sp>
         <p:nvSpPr>
-          <p:cNvPr id="2" name="날짜 개체 틀 1"/>
+          <p:cNvPr id="2" name="날짜 개체 틀 3"/>
           <p:cNvSpPr>
             <a:spLocks noGrp="1"/>
           </p:cNvSpPr>
@@ -1940,11 +2195,21 @@
         <p:spPr/>
         <p:txBody>
           <a:bodyPr/>
-          <a:lstStyle/>
-          <a:p>
-            <a:fld id="{FD59702D-5126-48BF-BF7D-A36A68D42D52}" type="datetimeFigureOut">
-              <a:rPr lang="ko-KR" altLang="en-US" smtClean="0"/>
-              <a:t>2009-07-30</a:t>
+          <a:lstStyle>
+            <a:lvl1pPr>
+              <a:defRPr/>
+            </a:lvl1pPr>
+          </a:lstStyle>
+          <a:p>
+            <a:pPr>
+              <a:defRPr/>
+            </a:pPr>
+            <a:fld id="{2C4BBB95-7589-46B6-A562-0FB38E6737FA}" type="datetimeFigureOut">
+              <a:rPr lang="ko-KR" altLang="en-US"/>
+              <a:pPr>
+                <a:defRPr/>
+              </a:pPr>
+              <a:t>2009-08-12</a:t>
             </a:fld>
             <a:endParaRPr lang="ko-KR" altLang="en-US"/>
           </a:p>
@@ -1952,7 +2217,7 @@
       </p:sp>
       <p:sp>
         <p:nvSpPr>
-          <p:cNvPr id="3" name="바닥글 개체 틀 2"/>
+          <p:cNvPr id="3" name="바닥글 개체 틀 4"/>
           <p:cNvSpPr>
             <a:spLocks noGrp="1"/>
           </p:cNvSpPr>
@@ -1963,15 +2228,22 @@
         <p:spPr/>
         <p:txBody>
           <a:bodyPr/>
-          <a:lstStyle/>
-          <a:p>
+          <a:lstStyle>
+            <a:lvl1pPr>
+              <a:defRPr/>
+            </a:lvl1pPr>
+          </a:lstStyle>
+          <a:p>
+            <a:pPr>
+              <a:defRPr/>
+            </a:pPr>
             <a:endParaRPr lang="ko-KR" altLang="en-US"/>
           </a:p>
         </p:txBody>
       </p:sp>
       <p:sp>
         <p:nvSpPr>
-          <p:cNvPr id="4" name="슬라이드 번호 개체 틀 3"/>
+          <p:cNvPr id="4" name="슬라이드 번호 개체 틀 5"/>
           <p:cNvSpPr>
             <a:spLocks noGrp="1"/>
           </p:cNvSpPr>
@@ -1982,10 +2254,20 @@
         <p:spPr/>
         <p:txBody>
           <a:bodyPr/>
-          <a:lstStyle/>
-          <a:p>
-            <a:fld id="{EFE9C189-7AAE-4196-9930-107C621B340A}" type="slidenum">
-              <a:rPr lang="ko-KR" altLang="en-US" smtClean="0"/>
+          <a:lstStyle>
+            <a:lvl1pPr>
+              <a:defRPr/>
+            </a:lvl1pPr>
+          </a:lstStyle>
+          <a:p>
+            <a:pPr>
+              <a:defRPr/>
+            </a:pPr>
+            <a:fld id="{FE4A658F-4B5F-4F90-88F6-6F5DBE3683A7}" type="slidenum">
+              <a:rPr lang="ko-KR" altLang="en-US"/>
+              <a:pPr>
+                <a:defRPr/>
+              </a:pPr>
               <a:t>‹#›</a:t>
             </a:fld>
             <a:endParaRPr lang="ko-KR" altLang="en-US"/>
@@ -2201,7 +2483,7 @@
       </p:sp>
       <p:sp>
         <p:nvSpPr>
-          <p:cNvPr id="5" name="날짜 개체 틀 4"/>
+          <p:cNvPr id="5" name="날짜 개체 틀 3"/>
           <p:cNvSpPr>
             <a:spLocks noGrp="1"/>
           </p:cNvSpPr>
@@ -2212,11 +2494,21 @@
         <p:spPr/>
         <p:txBody>
           <a:bodyPr/>
-          <a:lstStyle/>
-          <a:p>
-            <a:fld id="{FD59702D-5126-48BF-BF7D-A36A68D42D52}" type="datetimeFigureOut">
-              <a:rPr lang="ko-KR" altLang="en-US" smtClean="0"/>
-              <a:t>2009-07-30</a:t>
+          <a:lstStyle>
+            <a:lvl1pPr>
+              <a:defRPr/>
+            </a:lvl1pPr>
+          </a:lstStyle>
+          <a:p>
+            <a:pPr>
+              <a:defRPr/>
+            </a:pPr>
+            <a:fld id="{D17762AA-40E8-40AD-B088-5E0205408A90}" type="datetimeFigureOut">
+              <a:rPr lang="ko-KR" altLang="en-US"/>
+              <a:pPr>
+                <a:defRPr/>
+              </a:pPr>
+              <a:t>2009-08-12</a:t>
             </a:fld>
             <a:endParaRPr lang="ko-KR" altLang="en-US"/>
           </a:p>
@@ -2224,7 +2516,7 @@
       </p:sp>
       <p:sp>
         <p:nvSpPr>
-          <p:cNvPr id="6" name="바닥글 개체 틀 5"/>
+          <p:cNvPr id="6" name="바닥글 개체 틀 4"/>
           <p:cNvSpPr>
             <a:spLocks noGrp="1"/>
           </p:cNvSpPr>
@@ -2235,15 +2527,22 @@
         <p:spPr/>
         <p:txBody>
           <a:bodyPr/>
-          <a:lstStyle/>
-          <a:p>
+          <a:lstStyle>
+            <a:lvl1pPr>
+              <a:defRPr/>
+            </a:lvl1pPr>
+          </a:lstStyle>
+          <a:p>
+            <a:pPr>
+              <a:defRPr/>
+            </a:pPr>
             <a:endParaRPr lang="ko-KR" altLang="en-US"/>
           </a:p>
         </p:txBody>
       </p:sp>
       <p:sp>
         <p:nvSpPr>
-          <p:cNvPr id="7" name="슬라이드 번호 개체 틀 6"/>
+          <p:cNvPr id="7" name="슬라이드 번호 개체 틀 5"/>
           <p:cNvSpPr>
             <a:spLocks noGrp="1"/>
           </p:cNvSpPr>
@@ -2254,10 +2553,20 @@
         <p:spPr/>
         <p:txBody>
           <a:bodyPr/>
-          <a:lstStyle/>
-          <a:p>
-            <a:fld id="{EFE9C189-7AAE-4196-9930-107C621B340A}" type="slidenum">
-              <a:rPr lang="ko-KR" altLang="en-US" smtClean="0"/>
+          <a:lstStyle>
+            <a:lvl1pPr>
+              <a:defRPr/>
+            </a:lvl1pPr>
+          </a:lstStyle>
+          <a:p>
+            <a:pPr>
+              <a:defRPr/>
+            </a:pPr>
+            <a:fld id="{4823AA1F-EA6C-44E6-B32C-393DA46426FB}" type="slidenum">
+              <a:rPr lang="ko-KR" altLang="en-US"/>
+              <a:pPr>
+                <a:defRPr/>
+              </a:pPr>
               <a:t>‹#›</a:t>
             </a:fld>
             <a:endParaRPr lang="ko-KR" altLang="en-US"/>
@@ -2338,7 +2647,9 @@
           </a:xfrm>
         </p:spPr>
         <p:txBody>
-          <a:bodyPr/>
+          <a:bodyPr rtlCol="0">
+            <a:normAutofit/>
+          </a:bodyPr>
           <a:lstStyle>
             <a:lvl1pPr marL="0" indent="0">
               <a:buNone/>
@@ -2378,7 +2689,8 @@
             </a:lvl9pPr>
           </a:lstStyle>
           <a:p>
-            <a:endParaRPr lang="ko-KR" altLang="en-US"/>
+            <a:pPr lvl="0"/>
+            <a:endParaRPr lang="ko-KR" altLang="en-US" noProof="0" smtClean="0"/>
           </a:p>
         </p:txBody>
       </p:sp>
@@ -2449,7 +2761,7 @@
       </p:sp>
       <p:sp>
         <p:nvSpPr>
-          <p:cNvPr id="5" name="날짜 개체 틀 4"/>
+          <p:cNvPr id="5" name="날짜 개체 틀 3"/>
           <p:cNvSpPr>
             <a:spLocks noGrp="1"/>
           </p:cNvSpPr>
@@ -2460,11 +2772,21 @@
         <p:spPr/>
         <p:txBody>
           <a:bodyPr/>
-          <a:lstStyle/>
-          <a:p>
-            <a:fld id="{FD59702D-5126-48BF-BF7D-A36A68D42D52}" type="datetimeFigureOut">
-              <a:rPr lang="ko-KR" altLang="en-US" smtClean="0"/>
-              <a:t>2009-07-30</a:t>
+          <a:lstStyle>
+            <a:lvl1pPr>
+              <a:defRPr/>
+            </a:lvl1pPr>
+          </a:lstStyle>
+          <a:p>
+            <a:pPr>
+              <a:defRPr/>
+            </a:pPr>
+            <a:fld id="{22557A68-0057-42A4-A003-AA7DF92EB2B8}" type="datetimeFigureOut">
+              <a:rPr lang="ko-KR" altLang="en-US"/>
+              <a:pPr>
+                <a:defRPr/>
+              </a:pPr>
+              <a:t>2009-08-12</a:t>
             </a:fld>
             <a:endParaRPr lang="ko-KR" altLang="en-US"/>
           </a:p>
@@ -2472,7 +2794,7 @@
       </p:sp>
       <p:sp>
         <p:nvSpPr>
-          <p:cNvPr id="6" name="바닥글 개체 틀 5"/>
+          <p:cNvPr id="6" name="바닥글 개체 틀 4"/>
           <p:cNvSpPr>
             <a:spLocks noGrp="1"/>
           </p:cNvSpPr>
@@ -2483,15 +2805,22 @@
         <p:spPr/>
         <p:txBody>
           <a:bodyPr/>
-          <a:lstStyle/>
-          <a:p>
+          <a:lstStyle>
+            <a:lvl1pPr>
+              <a:defRPr/>
+            </a:lvl1pPr>
+          </a:lstStyle>
+          <a:p>
+            <a:pPr>
+              <a:defRPr/>
+            </a:pPr>
             <a:endParaRPr lang="ko-KR" altLang="en-US"/>
           </a:p>
         </p:txBody>
       </p:sp>
       <p:sp>
         <p:nvSpPr>
-          <p:cNvPr id="7" name="슬라이드 번호 개체 틀 6"/>
+          <p:cNvPr id="7" name="슬라이드 번호 개체 틀 5"/>
           <p:cNvSpPr>
             <a:spLocks noGrp="1"/>
           </p:cNvSpPr>
@@ -2502,10 +2831,20 @@
         <p:spPr/>
         <p:txBody>
           <a:bodyPr/>
-          <a:lstStyle/>
-          <a:p>
-            <a:fld id="{EFE9C189-7AAE-4196-9930-107C621B340A}" type="slidenum">
-              <a:rPr lang="ko-KR" altLang="en-US" smtClean="0"/>
+          <a:lstStyle>
+            <a:lvl1pPr>
+              <a:defRPr/>
+            </a:lvl1pPr>
+          </a:lstStyle>
+          <a:p>
+            <a:pPr>
+              <a:defRPr/>
+            </a:pPr>
+            <a:fld id="{133AD978-C010-4D2C-AF30-4FC0ABBCF219}" type="slidenum">
+              <a:rPr lang="ko-KR" altLang="en-US"/>
+              <a:pPr>
+                <a:defRPr/>
+              </a:pPr>
               <a:t>‹#›</a:t>
             </a:fld>
             <a:endParaRPr lang="ko-KR" altLang="en-US"/>
@@ -2544,7 +2883,7 @@
       </p:grpSpPr>
       <p:sp>
         <p:nvSpPr>
-          <p:cNvPr id="2" name="제목 개체 틀 1"/>
+          <p:cNvPr id="1026" name="제목 개체 틀 1"/>
           <p:cNvSpPr>
             <a:spLocks noGrp="1"/>
           </p:cNvSpPr>
@@ -2552,7 +2891,7 @@
             <p:ph type="title"/>
           </p:nvPr>
         </p:nvSpPr>
-        <p:spPr>
+        <p:spPr bwMode="auto">
           <a:xfrm>
             <a:off x="457200" y="274638"/>
             <a:ext cx="8229600" cy="1143000"/>
@@ -2560,24 +2899,33 @@
           <a:prstGeom prst="rect">
             <a:avLst/>
           </a:prstGeom>
-        </p:spPr>
-        <p:txBody>
-          <a:bodyPr vert="horz" lIns="91440" tIns="45720" rIns="91440" bIns="45720" rtlCol="0" anchor="ctr">
-            <a:normAutofit/>
+          <a:noFill/>
+          <a:ln w="9525">
+            <a:noFill/>
+            <a:miter lim="800000"/>
+            <a:headEnd/>
+            <a:tailEnd/>
+          </a:ln>
+        </p:spPr>
+        <p:txBody>
+          <a:bodyPr vert="horz" wrap="square" lIns="91440" tIns="45720" rIns="91440" bIns="45720" numCol="1" anchor="ctr" anchorCtr="0" compatLnSpc="1">
+            <a:prstTxWarp prst="textNoShape">
+              <a:avLst/>
+            </a:prstTxWarp>
           </a:bodyPr>
           <a:lstStyle/>
           <a:p>
+            <a:pPr lvl="0"/>
             <a:r>
               <a:rPr lang="ko-KR" altLang="en-US" smtClean="0"/>
               <a:t>마스터 제목 스타일 편집</a:t>
             </a:r>
-            <a:endParaRPr lang="ko-KR" altLang="en-US"/>
-          </a:p>
-        </p:txBody>
-      </p:sp>
-      <p:sp>
-        <p:nvSpPr>
-          <p:cNvPr id="3" name="텍스트 개체 틀 2"/>
+          </a:p>
+        </p:txBody>
+      </p:sp>
+      <p:sp>
+        <p:nvSpPr>
+          <p:cNvPr id="1027" name="텍스트 개체 틀 2"/>
           <p:cNvSpPr>
             <a:spLocks noGrp="1"/>
           </p:cNvSpPr>
@@ -2585,7 +2933,7 @@
             <p:ph type="body" idx="1"/>
           </p:nvPr>
         </p:nvSpPr>
-        <p:spPr>
+        <p:spPr bwMode="auto">
           <a:xfrm>
             <a:off x="457200" y="1600200"/>
             <a:ext cx="8229600" cy="4525963"/>
@@ -2593,10 +2941,19 @@
           <a:prstGeom prst="rect">
             <a:avLst/>
           </a:prstGeom>
-        </p:spPr>
-        <p:txBody>
-          <a:bodyPr vert="horz" lIns="91440" tIns="45720" rIns="91440" bIns="45720" rtlCol="0">
-            <a:normAutofit/>
+          <a:noFill/>
+          <a:ln w="9525">
+            <a:noFill/>
+            <a:miter lim="800000"/>
+            <a:headEnd/>
+            <a:tailEnd/>
+          </a:ln>
+        </p:spPr>
+        <p:txBody>
+          <a:bodyPr vert="horz" wrap="square" lIns="91440" tIns="45720" rIns="91440" bIns="45720" numCol="1" anchor="t" anchorCtr="0" compatLnSpc="1">
+            <a:prstTxWarp prst="textNoShape">
+              <a:avLst/>
+            </a:prstTxWarp>
           </a:bodyPr>
           <a:lstStyle/>
           <a:p>
@@ -2633,7 +2990,6 @@
               <a:rPr lang="ko-KR" altLang="en-US" smtClean="0"/>
               <a:t>다섯째 수준</a:t>
             </a:r>
-            <a:endParaRPr lang="ko-KR" altLang="en-US"/>
           </a:p>
         </p:txBody>
       </p:sp>
@@ -2659,20 +3015,34 @@
         <p:txBody>
           <a:bodyPr vert="horz" lIns="91440" tIns="45720" rIns="91440" bIns="45720" rtlCol="0" anchor="ctr"/>
           <a:lstStyle>
-            <a:lvl1pPr algn="l">
-              <a:defRPr sz="1200">
+            <a:lvl1pPr algn="l" fontAlgn="auto">
+              <a:spcBef>
+                <a:spcPts val="0"/>
+              </a:spcBef>
+              <a:spcAft>
+                <a:spcPts val="0"/>
+              </a:spcAft>
+              <a:defRPr kumimoji="0" sz="1200">
                 <a:solidFill>
                   <a:schemeClr val="tx1">
                     <a:tint val="75000"/>
                   </a:schemeClr>
                 </a:solidFill>
+                <a:latin typeface="+mn-lt"/>
+                <a:ea typeface="+mn-ea"/>
               </a:defRPr>
             </a:lvl1pPr>
           </a:lstStyle>
           <a:p>
-            <a:fld id="{FD59702D-5126-48BF-BF7D-A36A68D42D52}" type="datetimeFigureOut">
-              <a:rPr lang="ko-KR" altLang="en-US" smtClean="0"/>
-              <a:t>2009-07-30</a:t>
+            <a:pPr>
+              <a:defRPr/>
+            </a:pPr>
+            <a:fld id="{655828BE-203B-44C7-A4B2-2B81063404CE}" type="datetimeFigureOut">
+              <a:rPr lang="ko-KR" altLang="en-US"/>
+              <a:pPr>
+                <a:defRPr/>
+              </a:pPr>
+              <a:t>2009-08-12</a:t>
             </a:fld>
             <a:endParaRPr lang="ko-KR" altLang="en-US"/>
           </a:p>
@@ -2700,17 +3070,28 @@
         <p:txBody>
           <a:bodyPr vert="horz" lIns="91440" tIns="45720" rIns="91440" bIns="45720" rtlCol="0" anchor="ctr"/>
           <a:lstStyle>
-            <a:lvl1pPr algn="ctr">
-              <a:defRPr sz="1200">
+            <a:lvl1pPr algn="ctr" fontAlgn="auto">
+              <a:spcBef>
+                <a:spcPts val="0"/>
+              </a:spcBef>
+              <a:spcAft>
+                <a:spcPts val="0"/>
+              </a:spcAft>
+              <a:defRPr kumimoji="0" sz="1200">
                 <a:solidFill>
                   <a:schemeClr val="tx1">
                     <a:tint val="75000"/>
                   </a:schemeClr>
                 </a:solidFill>
+                <a:latin typeface="+mn-lt"/>
+                <a:ea typeface="+mn-ea"/>
               </a:defRPr>
             </a:lvl1pPr>
           </a:lstStyle>
           <a:p>
+            <a:pPr>
+              <a:defRPr/>
+            </a:pPr>
             <a:endParaRPr lang="ko-KR" altLang="en-US"/>
           </a:p>
         </p:txBody>
@@ -2737,19 +3118,33 @@
         <p:txBody>
           <a:bodyPr vert="horz" lIns="91440" tIns="45720" rIns="91440" bIns="45720" rtlCol="0" anchor="ctr"/>
           <a:lstStyle>
-            <a:lvl1pPr algn="r">
-              <a:defRPr sz="1200">
+            <a:lvl1pPr algn="r" fontAlgn="auto">
+              <a:spcBef>
+                <a:spcPts val="0"/>
+              </a:spcBef>
+              <a:spcAft>
+                <a:spcPts val="0"/>
+              </a:spcAft>
+              <a:defRPr kumimoji="0" sz="1200">
                 <a:solidFill>
                   <a:schemeClr val="tx1">
                     <a:tint val="75000"/>
                   </a:schemeClr>
                 </a:solidFill>
+                <a:latin typeface="+mn-lt"/>
+                <a:ea typeface="+mn-ea"/>
               </a:defRPr>
             </a:lvl1pPr>
           </a:lstStyle>
           <a:p>
-            <a:fld id="{EFE9C189-7AAE-4196-9930-107C621B340A}" type="slidenum">
-              <a:rPr lang="ko-KR" altLang="en-US" smtClean="0"/>
+            <a:pPr>
+              <a:defRPr/>
+            </a:pPr>
+            <a:fld id="{4282E74E-F154-4B94-974C-2F29501BCBFD}" type="slidenum">
+              <a:rPr lang="ko-KR" altLang="en-US"/>
+              <a:pPr>
+                <a:defRPr/>
+              </a:pPr>
               <a:t>‹#›</a:t>
             </a:fld>
             <a:endParaRPr lang="ko-KR" altLang="en-US"/>
@@ -2774,11 +3169,13 @@
   </p:sldLayoutIdLst>
   <p:txStyles>
     <p:titleStyle>
-      <a:lvl1pPr algn="ctr" defTabSz="914400" rtl="0" eaLnBrk="1" latinLnBrk="1" hangingPunct="1">
+      <a:lvl1pPr algn="ctr" rtl="0" eaLnBrk="0" fontAlgn="base" latinLnBrk="1" hangingPunct="0">
         <a:spcBef>
           <a:spcPct val="0"/>
         </a:spcBef>
-        <a:buNone/>
+        <a:spcAft>
+          <a:spcPct val="0"/>
+        </a:spcAft>
         <a:defRPr sz="4400" kern="1200">
           <a:solidFill>
             <a:schemeClr val="tx1"/>
@@ -2788,13 +3185,136 @@
           <a:cs typeface="+mj-cs"/>
         </a:defRPr>
       </a:lvl1pPr>
+      <a:lvl2pPr algn="ctr" rtl="0" eaLnBrk="0" fontAlgn="base" latinLnBrk="1" hangingPunct="0">
+        <a:spcBef>
+          <a:spcPct val="0"/>
+        </a:spcBef>
+        <a:spcAft>
+          <a:spcPct val="0"/>
+        </a:spcAft>
+        <a:defRPr sz="4400">
+          <a:solidFill>
+            <a:schemeClr val="tx1"/>
+          </a:solidFill>
+          <a:latin typeface="맑은 고딕" pitchFamily="50" charset="-127"/>
+          <a:ea typeface="맑은 고딕" pitchFamily="50" charset="-127"/>
+        </a:defRPr>
+      </a:lvl2pPr>
+      <a:lvl3pPr algn="ctr" rtl="0" eaLnBrk="0" fontAlgn="base" latinLnBrk="1" hangingPunct="0">
+        <a:spcBef>
+          <a:spcPct val="0"/>
+        </a:spcBef>
+        <a:spcAft>
+          <a:spcPct val="0"/>
+        </a:spcAft>
+        <a:defRPr sz="4400">
+          <a:solidFill>
+            <a:schemeClr val="tx1"/>
+          </a:solidFill>
+          <a:latin typeface="맑은 고딕" pitchFamily="50" charset="-127"/>
+          <a:ea typeface="맑은 고딕" pitchFamily="50" charset="-127"/>
+        </a:defRPr>
+      </a:lvl3pPr>
+      <a:lvl4pPr algn="ctr" rtl="0" eaLnBrk="0" fontAlgn="base" latinLnBrk="1" hangingPunct="0">
+        <a:spcBef>
+          <a:spcPct val="0"/>
+        </a:spcBef>
+        <a:spcAft>
+          <a:spcPct val="0"/>
+        </a:spcAft>
+        <a:defRPr sz="4400">
+          <a:solidFill>
+            <a:schemeClr val="tx1"/>
+          </a:solidFill>
+          <a:latin typeface="맑은 고딕" pitchFamily="50" charset="-127"/>
+          <a:ea typeface="맑은 고딕" pitchFamily="50" charset="-127"/>
+        </a:defRPr>
+      </a:lvl4pPr>
+      <a:lvl5pPr algn="ctr" rtl="0" eaLnBrk="0" fontAlgn="base" latinLnBrk="1" hangingPunct="0">
+        <a:spcBef>
+          <a:spcPct val="0"/>
+        </a:spcBef>
+        <a:spcAft>
+          <a:spcPct val="0"/>
+        </a:spcAft>
+        <a:defRPr sz="4400">
+          <a:solidFill>
+            <a:schemeClr val="tx1"/>
+          </a:solidFill>
+          <a:latin typeface="맑은 고딕" pitchFamily="50" charset="-127"/>
+          <a:ea typeface="맑은 고딕" pitchFamily="50" charset="-127"/>
+        </a:defRPr>
+      </a:lvl5pPr>
+      <a:lvl6pPr marL="457200" algn="ctr" rtl="0" fontAlgn="base" latinLnBrk="1">
+        <a:spcBef>
+          <a:spcPct val="0"/>
+        </a:spcBef>
+        <a:spcAft>
+          <a:spcPct val="0"/>
+        </a:spcAft>
+        <a:defRPr sz="4400">
+          <a:solidFill>
+            <a:schemeClr val="tx1"/>
+          </a:solidFill>
+          <a:latin typeface="맑은 고딕" pitchFamily="50" charset="-127"/>
+          <a:ea typeface="맑은 고딕" pitchFamily="50" charset="-127"/>
+        </a:defRPr>
+      </a:lvl6pPr>
+      <a:lvl7pPr marL="914400" algn="ctr" rtl="0" fontAlgn="base" latinLnBrk="1">
+        <a:spcBef>
+          <a:spcPct val="0"/>
+        </a:spcBef>
+        <a:spcAft>
+          <a:spcPct val="0"/>
+        </a:spcAft>
+        <a:defRPr sz="4400">
+          <a:solidFill>
+            <a:schemeClr val="tx1"/>
+          </a:solidFill>
+          <a:latin typeface="맑은 고딕" pitchFamily="50" charset="-127"/>
+          <a:ea typeface="맑은 고딕" pitchFamily="50" charset="-127"/>
+        </a:defRPr>
+      </a:lvl7pPr>
+      <a:lvl8pPr marL="1371600" algn="ctr" rtl="0" fontAlgn="base" latinLnBrk="1">
+        <a:spcBef>
+          <a:spcPct val="0"/>
+        </a:spcBef>
+        <a:spcAft>
+          <a:spcPct val="0"/>
+        </a:spcAft>
+        <a:defRPr sz="4400">
+          <a:solidFill>
+            <a:schemeClr val="tx1"/>
+          </a:solidFill>
+          <a:latin typeface="맑은 고딕" pitchFamily="50" charset="-127"/>
+          <a:ea typeface="맑은 고딕" pitchFamily="50" charset="-127"/>
+        </a:defRPr>
+      </a:lvl8pPr>
+      <a:lvl9pPr marL="1828800" algn="ctr" rtl="0" fontAlgn="base" latinLnBrk="1">
+        <a:spcBef>
+          <a:spcPct val="0"/>
+        </a:spcBef>
+        <a:spcAft>
+          <a:spcPct val="0"/>
+        </a:spcAft>
+        <a:defRPr sz="4400">
+          <a:solidFill>
+            <a:schemeClr val="tx1"/>
+          </a:solidFill>
+          <a:latin typeface="맑은 고딕" pitchFamily="50" charset="-127"/>
+          <a:ea typeface="맑은 고딕" pitchFamily="50" charset="-127"/>
+        </a:defRPr>
+      </a:lvl9pPr>
     </p:titleStyle>
     <p:bodyStyle>
-      <a:lvl1pPr marL="342900" indent="-342900" algn="l" defTabSz="914400" rtl="0" eaLnBrk="1" latinLnBrk="1" hangingPunct="1">
+      <a:lvl1pPr marL="342900" indent="-342900" algn="l" rtl="0" eaLnBrk="0" fontAlgn="base" latinLnBrk="1" hangingPunct="0">
         <a:spcBef>
           <a:spcPct val="20000"/>
         </a:spcBef>
-        <a:buFont typeface="Arial" pitchFamily="34" charset="0"/>
+        <a:spcAft>
+          <a:spcPct val="0"/>
+        </a:spcAft>
+        <a:buFont typeface="Arial" charset="0"/>
         <a:buChar char="•"/>
         <a:defRPr sz="3200" kern="1200">
           <a:solidFill>
@@ -2805,11 +3325,14 @@
           <a:cs typeface="+mn-cs"/>
         </a:defRPr>
       </a:lvl1pPr>
-      <a:lvl2pPr marL="742950" indent="-285750" algn="l" defTabSz="914400" rtl="0" eaLnBrk="1" latinLnBrk="1" hangingPunct="1">
+      <a:lvl2pPr marL="742950" indent="-285750" algn="l" rtl="0" eaLnBrk="0" fontAlgn="base" latinLnBrk="1" hangingPunct="0">
         <a:spcBef>
           <a:spcPct val="20000"/>
         </a:spcBef>
-        <a:buFont typeface="Arial" pitchFamily="34" charset="0"/>
+        <a:spcAft>
+          <a:spcPct val="0"/>
+        </a:spcAft>
+        <a:buFont typeface="Arial" charset="0"/>
         <a:buChar char="–"/>
         <a:defRPr sz="2800" kern="1200">
           <a:solidFill>
@@ -2820,11 +3343,14 @@
           <a:cs typeface="+mn-cs"/>
         </a:defRPr>
       </a:lvl2pPr>
-      <a:lvl3pPr marL="1143000" indent="-228600" algn="l" defTabSz="914400" rtl="0" eaLnBrk="1" latinLnBrk="1" hangingPunct="1">
+      <a:lvl3pPr marL="1143000" indent="-228600" algn="l" rtl="0" eaLnBrk="0" fontAlgn="base" latinLnBrk="1" hangingPunct="0">
         <a:spcBef>
           <a:spcPct val="20000"/>
         </a:spcBef>
-        <a:buFont typeface="Arial" pitchFamily="34" charset="0"/>
+        <a:spcAft>
+          <a:spcPct val="0"/>
+        </a:spcAft>
+        <a:buFont typeface="Arial" charset="0"/>
         <a:buChar char="•"/>
         <a:defRPr sz="2400" kern="1200">
           <a:solidFill>
@@ -2835,11 +3361,14 @@
           <a:cs typeface="+mn-cs"/>
         </a:defRPr>
       </a:lvl3pPr>
-      <a:lvl4pPr marL="1600200" indent="-228600" algn="l" defTabSz="914400" rtl="0" eaLnBrk="1" latinLnBrk="1" hangingPunct="1">
+      <a:lvl4pPr marL="1600200" indent="-228600" algn="l" rtl="0" eaLnBrk="0" fontAlgn="base" latinLnBrk="1" hangingPunct="0">
         <a:spcBef>
           <a:spcPct val="20000"/>
         </a:spcBef>
-        <a:buFont typeface="Arial" pitchFamily="34" charset="0"/>
+        <a:spcAft>
+          <a:spcPct val="0"/>
+        </a:spcAft>
+        <a:buFont typeface="Arial" charset="0"/>
         <a:buChar char="–"/>
         <a:defRPr sz="2000" kern="1200">
           <a:solidFill>
@@ -2850,11 +3379,14 @@
           <a:cs typeface="+mn-cs"/>
         </a:defRPr>
       </a:lvl4pPr>
-      <a:lvl5pPr marL="2057400" indent="-228600" algn="l" defTabSz="914400" rtl="0" eaLnBrk="1" latinLnBrk="1" hangingPunct="1">
+      <a:lvl5pPr marL="2057400" indent="-228600" algn="l" rtl="0" eaLnBrk="0" fontAlgn="base" latinLnBrk="1" hangingPunct="0">
         <a:spcBef>
           <a:spcPct val="20000"/>
         </a:spcBef>
-        <a:buFont typeface="Arial" pitchFamily="34" charset="0"/>
+        <a:spcAft>
+          <a:spcPct val="0"/>
+        </a:spcAft>
+        <a:buFont typeface="Arial" charset="0"/>
         <a:buChar char="»"/>
         <a:defRPr sz="2000" kern="1200">
           <a:solidFill>
@@ -3055,15 +3587,21 @@
         <p:spPr>
           <a:xfrm>
             <a:off x="685800" y="2130425"/>
-            <a:ext cx="7772400" cy="1798641"/>
-          </a:xfrm>
-        </p:spPr>
-        <p:txBody>
-          <a:bodyPr>
+            <a:ext cx="7772400" cy="1798638"/>
+          </a:xfrm>
+        </p:spPr>
+        <p:txBody>
+          <a:bodyPr rtlCol="0">
             <a:normAutofit fontScale="90000"/>
           </a:bodyPr>
           <a:lstStyle/>
           <a:p>
+            <a:pPr eaLnBrk="1" fontAlgn="auto" hangingPunct="1">
+              <a:spcAft>
+                <a:spcPts val="0"/>
+              </a:spcAft>
+              <a:defRPr/>
+            </a:pPr>
             <a:r>
               <a:rPr lang="en-US" altLang="ko-KR" dirty="0" smtClean="0"/>
               <a:t>AHR </a:t>
@@ -3086,7 +3624,4163 @@
               <a:rPr lang="en-US" altLang="ko-KR" b="1" dirty="0" smtClean="0"/>
               <a:t>image</a:t>
             </a:r>
-            <a:endParaRPr lang="ko-KR" altLang="en-US" b="1" dirty="0"/>
+            <a:endParaRPr lang="ko-KR" altLang="en-US" b="1" dirty="0" smtClean="0"/>
+          </a:p>
+        </p:txBody>
+      </p:sp>
+    </p:spTree>
+  </p:cSld>
+  <p:clrMapOvr>
+    <a:masterClrMapping/>
+  </p:clrMapOvr>
+</p:sld>
+</file>
+
+<file path=ppt/slides/slide10.xml><?xml version="1.0" encoding="utf-8"?>
+<p:sld xmlns:a="http://schemas.openxmlformats.org/drawingml/2006/main" xmlns:r="http://schemas.openxmlformats.org/officeDocument/2006/relationships" xmlns:p="http://schemas.openxmlformats.org/presentationml/2006/main">
+  <p:cSld>
+    <p:spTree>
+      <p:nvGrpSpPr>
+        <p:cNvPr id="1" name=""/>
+        <p:cNvGrpSpPr/>
+        <p:nvPr/>
+      </p:nvGrpSpPr>
+      <p:grpSpPr>
+        <a:xfrm>
+          <a:off x="0" y="0"/>
+          <a:ext cx="0" cy="0"/>
+          <a:chOff x="0" y="0"/>
+          <a:chExt cx="0" cy="0"/>
+        </a:xfrm>
+      </p:grpSpPr>
+      <p:pic>
+        <p:nvPicPr>
+          <p:cNvPr id="11266" name="Picture 3"/>
+          <p:cNvPicPr>
+            <a:picLocks noChangeAspect="1" noChangeArrowheads="1"/>
+          </p:cNvPicPr>
+          <p:nvPr/>
+        </p:nvPicPr>
+        <p:blipFill>
+          <a:blip r:embed="rId2"/>
+          <a:srcRect/>
+          <a:stretch>
+            <a:fillRect/>
+          </a:stretch>
+        </p:blipFill>
+        <p:spPr bwMode="auto">
+          <a:xfrm>
+            <a:off x="1714500" y="1214438"/>
+            <a:ext cx="6013450" cy="5470525"/>
+          </a:xfrm>
+          <a:prstGeom prst="rect">
+            <a:avLst/>
+          </a:prstGeom>
+          <a:noFill/>
+          <a:ln w="9525">
+            <a:noFill/>
+            <a:miter lim="800000"/>
+            <a:headEnd/>
+            <a:tailEnd/>
+          </a:ln>
+        </p:spPr>
+      </p:pic>
+      <p:sp>
+        <p:nvSpPr>
+          <p:cNvPr id="11267" name="제목 1"/>
+          <p:cNvSpPr>
+            <a:spLocks noGrp="1"/>
+          </p:cNvSpPr>
+          <p:nvPr>
+            <p:ph type="title"/>
+          </p:nvPr>
+        </p:nvSpPr>
+        <p:spPr/>
+        <p:txBody>
+          <a:bodyPr/>
+          <a:lstStyle/>
+          <a:p>
+            <a:pPr eaLnBrk="1" hangingPunct="1"/>
+            <a:r>
+              <a:rPr lang="en-US" altLang="ko-KR" smtClean="0"/>
+              <a:t>3. </a:t>
+            </a:r>
+            <a:r>
+              <a:rPr lang="ko-KR" altLang="en-US" smtClean="0"/>
+              <a:t>캐릭터 </a:t>
+            </a:r>
+            <a:r>
+              <a:rPr lang="en-US" altLang="ko-KR" smtClean="0"/>
+              <a:t>(overview)</a:t>
+            </a:r>
+            <a:endParaRPr lang="ko-KR" altLang="en-US" smtClean="0"/>
+          </a:p>
+        </p:txBody>
+      </p:sp>
+      <p:pic>
+        <p:nvPicPr>
+          <p:cNvPr id="11268" name="Picture 2"/>
+          <p:cNvPicPr>
+            <a:picLocks noChangeAspect="1" noChangeArrowheads="1"/>
+          </p:cNvPicPr>
+          <p:nvPr/>
+        </p:nvPicPr>
+        <p:blipFill>
+          <a:blip r:embed="rId3"/>
+          <a:srcRect/>
+          <a:stretch>
+            <a:fillRect/>
+          </a:stretch>
+        </p:blipFill>
+        <p:spPr bwMode="auto">
+          <a:xfrm>
+            <a:off x="3214688" y="1571625"/>
+            <a:ext cx="409575" cy="357188"/>
+          </a:xfrm>
+          <a:prstGeom prst="rect">
+            <a:avLst/>
+          </a:prstGeom>
+          <a:noFill/>
+          <a:ln w="9525">
+            <a:noFill/>
+            <a:miter lim="800000"/>
+            <a:headEnd/>
+            <a:tailEnd/>
+          </a:ln>
+        </p:spPr>
+      </p:pic>
+      <p:pic>
+        <p:nvPicPr>
+          <p:cNvPr id="11269" name="Picture 2"/>
+          <p:cNvPicPr>
+            <a:picLocks noChangeAspect="1" noChangeArrowheads="1"/>
+          </p:cNvPicPr>
+          <p:nvPr/>
+        </p:nvPicPr>
+        <p:blipFill>
+          <a:blip r:embed="rId3"/>
+          <a:srcRect/>
+          <a:stretch>
+            <a:fillRect/>
+          </a:stretch>
+        </p:blipFill>
+        <p:spPr bwMode="auto">
+          <a:xfrm>
+            <a:off x="3571875" y="1571625"/>
+            <a:ext cx="409575" cy="357188"/>
+          </a:xfrm>
+          <a:prstGeom prst="rect">
+            <a:avLst/>
+          </a:prstGeom>
+          <a:noFill/>
+          <a:ln w="9525">
+            <a:noFill/>
+            <a:miter lim="800000"/>
+            <a:headEnd/>
+            <a:tailEnd/>
+          </a:ln>
+        </p:spPr>
+      </p:pic>
+      <p:pic>
+        <p:nvPicPr>
+          <p:cNvPr id="11270" name="Picture 2"/>
+          <p:cNvPicPr>
+            <a:picLocks noChangeAspect="1" noChangeArrowheads="1"/>
+          </p:cNvPicPr>
+          <p:nvPr/>
+        </p:nvPicPr>
+        <p:blipFill>
+          <a:blip r:embed="rId3"/>
+          <a:srcRect/>
+          <a:stretch>
+            <a:fillRect/>
+          </a:stretch>
+        </p:blipFill>
+        <p:spPr bwMode="auto">
+          <a:xfrm>
+            <a:off x="4000500" y="1571625"/>
+            <a:ext cx="409575" cy="357188"/>
+          </a:xfrm>
+          <a:prstGeom prst="rect">
+            <a:avLst/>
+          </a:prstGeom>
+          <a:noFill/>
+          <a:ln w="9525">
+            <a:noFill/>
+            <a:miter lim="800000"/>
+            <a:headEnd/>
+            <a:tailEnd/>
+          </a:ln>
+        </p:spPr>
+      </p:pic>
+      <p:pic>
+        <p:nvPicPr>
+          <p:cNvPr id="11271" name="Picture 2"/>
+          <p:cNvPicPr>
+            <a:picLocks noChangeAspect="1" noChangeArrowheads="1"/>
+          </p:cNvPicPr>
+          <p:nvPr/>
+        </p:nvPicPr>
+        <p:blipFill>
+          <a:blip r:embed="rId3"/>
+          <a:srcRect/>
+          <a:stretch>
+            <a:fillRect/>
+          </a:stretch>
+        </p:blipFill>
+        <p:spPr bwMode="auto">
+          <a:xfrm>
+            <a:off x="4429125" y="1571625"/>
+            <a:ext cx="409575" cy="357188"/>
+          </a:xfrm>
+          <a:prstGeom prst="rect">
+            <a:avLst/>
+          </a:prstGeom>
+          <a:noFill/>
+          <a:ln w="9525">
+            <a:noFill/>
+            <a:miter lim="800000"/>
+            <a:headEnd/>
+            <a:tailEnd/>
+          </a:ln>
+        </p:spPr>
+      </p:pic>
+      <p:pic>
+        <p:nvPicPr>
+          <p:cNvPr id="11272" name="Picture 2"/>
+          <p:cNvPicPr>
+            <a:picLocks noChangeAspect="1" noChangeArrowheads="1"/>
+          </p:cNvPicPr>
+          <p:nvPr/>
+        </p:nvPicPr>
+        <p:blipFill>
+          <a:blip r:embed="rId3"/>
+          <a:srcRect/>
+          <a:stretch>
+            <a:fillRect/>
+          </a:stretch>
+        </p:blipFill>
+        <p:spPr bwMode="auto">
+          <a:xfrm>
+            <a:off x="4786313" y="1571625"/>
+            <a:ext cx="409575" cy="357188"/>
+          </a:xfrm>
+          <a:prstGeom prst="rect">
+            <a:avLst/>
+          </a:prstGeom>
+          <a:noFill/>
+          <a:ln w="9525">
+            <a:noFill/>
+            <a:miter lim="800000"/>
+            <a:headEnd/>
+            <a:tailEnd/>
+          </a:ln>
+        </p:spPr>
+      </p:pic>
+      <p:pic>
+        <p:nvPicPr>
+          <p:cNvPr id="11273" name="Picture 2"/>
+          <p:cNvPicPr>
+            <a:picLocks noChangeAspect="1" noChangeArrowheads="1"/>
+          </p:cNvPicPr>
+          <p:nvPr/>
+        </p:nvPicPr>
+        <p:blipFill>
+          <a:blip r:embed="rId3"/>
+          <a:srcRect/>
+          <a:stretch>
+            <a:fillRect/>
+          </a:stretch>
+        </p:blipFill>
+        <p:spPr bwMode="auto">
+          <a:xfrm>
+            <a:off x="5214938" y="1571625"/>
+            <a:ext cx="409575" cy="357188"/>
+          </a:xfrm>
+          <a:prstGeom prst="rect">
+            <a:avLst/>
+          </a:prstGeom>
+          <a:noFill/>
+          <a:ln w="9525">
+            <a:noFill/>
+            <a:miter lim="800000"/>
+            <a:headEnd/>
+            <a:tailEnd/>
+          </a:ln>
+        </p:spPr>
+      </p:pic>
+      <p:pic>
+        <p:nvPicPr>
+          <p:cNvPr id="11274" name="Picture 2"/>
+          <p:cNvPicPr>
+            <a:picLocks noChangeAspect="1" noChangeArrowheads="1"/>
+          </p:cNvPicPr>
+          <p:nvPr/>
+        </p:nvPicPr>
+        <p:blipFill>
+          <a:blip r:embed="rId3"/>
+          <a:srcRect/>
+          <a:stretch>
+            <a:fillRect/>
+          </a:stretch>
+        </p:blipFill>
+        <p:spPr bwMode="auto">
+          <a:xfrm>
+            <a:off x="5643563" y="1571625"/>
+            <a:ext cx="409575" cy="357188"/>
+          </a:xfrm>
+          <a:prstGeom prst="rect">
+            <a:avLst/>
+          </a:prstGeom>
+          <a:noFill/>
+          <a:ln w="9525">
+            <a:noFill/>
+            <a:miter lim="800000"/>
+            <a:headEnd/>
+            <a:tailEnd/>
+          </a:ln>
+        </p:spPr>
+      </p:pic>
+      <p:pic>
+        <p:nvPicPr>
+          <p:cNvPr id="11275" name="Picture 2"/>
+          <p:cNvPicPr>
+            <a:picLocks noChangeAspect="1" noChangeArrowheads="1"/>
+          </p:cNvPicPr>
+          <p:nvPr/>
+        </p:nvPicPr>
+        <p:blipFill>
+          <a:blip r:embed="rId3"/>
+          <a:srcRect/>
+          <a:stretch>
+            <a:fillRect/>
+          </a:stretch>
+        </p:blipFill>
+        <p:spPr bwMode="auto">
+          <a:xfrm>
+            <a:off x="6000750" y="1571625"/>
+            <a:ext cx="409575" cy="357188"/>
+          </a:xfrm>
+          <a:prstGeom prst="rect">
+            <a:avLst/>
+          </a:prstGeom>
+          <a:noFill/>
+          <a:ln w="9525">
+            <a:noFill/>
+            <a:miter lim="800000"/>
+            <a:headEnd/>
+            <a:tailEnd/>
+          </a:ln>
+        </p:spPr>
+      </p:pic>
+      <p:pic>
+        <p:nvPicPr>
+          <p:cNvPr id="11276" name="Picture 2"/>
+          <p:cNvPicPr>
+            <a:picLocks noChangeAspect="1" noChangeArrowheads="1"/>
+          </p:cNvPicPr>
+          <p:nvPr/>
+        </p:nvPicPr>
+        <p:blipFill>
+          <a:blip r:embed="rId3"/>
+          <a:srcRect/>
+          <a:stretch>
+            <a:fillRect/>
+          </a:stretch>
+        </p:blipFill>
+        <p:spPr bwMode="auto">
+          <a:xfrm>
+            <a:off x="2857500" y="1571625"/>
+            <a:ext cx="409575" cy="357188"/>
+          </a:xfrm>
+          <a:prstGeom prst="rect">
+            <a:avLst/>
+          </a:prstGeom>
+          <a:noFill/>
+          <a:ln w="9525">
+            <a:noFill/>
+            <a:miter lim="800000"/>
+            <a:headEnd/>
+            <a:tailEnd/>
+          </a:ln>
+        </p:spPr>
+      </p:pic>
+      <p:pic>
+        <p:nvPicPr>
+          <p:cNvPr id="11277" name="Picture 2"/>
+          <p:cNvPicPr>
+            <a:picLocks noChangeAspect="1" noChangeArrowheads="1"/>
+          </p:cNvPicPr>
+          <p:nvPr/>
+        </p:nvPicPr>
+        <p:blipFill>
+          <a:blip r:embed="rId3"/>
+          <a:srcRect/>
+          <a:stretch>
+            <a:fillRect/>
+          </a:stretch>
+        </p:blipFill>
+        <p:spPr bwMode="auto">
+          <a:xfrm>
+            <a:off x="6429375" y="1571625"/>
+            <a:ext cx="409575" cy="357188"/>
+          </a:xfrm>
+          <a:prstGeom prst="rect">
+            <a:avLst/>
+          </a:prstGeom>
+          <a:noFill/>
+          <a:ln w="9525">
+            <a:noFill/>
+            <a:miter lim="800000"/>
+            <a:headEnd/>
+            <a:tailEnd/>
+          </a:ln>
+        </p:spPr>
+      </p:pic>
+      <p:pic>
+        <p:nvPicPr>
+          <p:cNvPr id="11278" name="Picture 2"/>
+          <p:cNvPicPr>
+            <a:picLocks noChangeAspect="1" noChangeArrowheads="1"/>
+          </p:cNvPicPr>
+          <p:nvPr/>
+        </p:nvPicPr>
+        <p:blipFill>
+          <a:blip r:embed="rId3"/>
+          <a:srcRect/>
+          <a:stretch>
+            <a:fillRect/>
+          </a:stretch>
+        </p:blipFill>
+        <p:spPr bwMode="auto">
+          <a:xfrm>
+            <a:off x="2500313" y="1571625"/>
+            <a:ext cx="409575" cy="357188"/>
+          </a:xfrm>
+          <a:prstGeom prst="rect">
+            <a:avLst/>
+          </a:prstGeom>
+          <a:noFill/>
+          <a:ln w="9525">
+            <a:noFill/>
+            <a:miter lim="800000"/>
+            <a:headEnd/>
+            <a:tailEnd/>
+          </a:ln>
+        </p:spPr>
+      </p:pic>
+      <p:cxnSp>
+        <p:nvCxnSpPr>
+          <p:cNvPr id="23" name="직선 연결선 22"/>
+          <p:cNvCxnSpPr/>
+          <p:nvPr/>
+        </p:nvCxnSpPr>
+        <p:spPr>
+          <a:xfrm rot="5400000">
+            <a:off x="1357312" y="2357438"/>
+            <a:ext cx="1643063" cy="928688"/>
+          </a:xfrm>
+          <a:prstGeom prst="line">
+            <a:avLst/>
+          </a:prstGeom>
+          <a:ln w="117475" cmpd="sng">
+            <a:solidFill>
+              <a:schemeClr val="tx1"/>
+            </a:solidFill>
+          </a:ln>
+        </p:spPr>
+        <p:style>
+          <a:lnRef idx="1">
+            <a:schemeClr val="accent1"/>
+          </a:lnRef>
+          <a:fillRef idx="0">
+            <a:schemeClr val="accent1"/>
+          </a:fillRef>
+          <a:effectRef idx="0">
+            <a:schemeClr val="accent1"/>
+          </a:effectRef>
+          <a:fontRef idx="minor">
+            <a:schemeClr val="tx1"/>
+          </a:fontRef>
+        </p:style>
+      </p:cxnSp>
+      <p:cxnSp>
+        <p:nvCxnSpPr>
+          <p:cNvPr id="24" name="직선 연결선 23"/>
+          <p:cNvCxnSpPr/>
+          <p:nvPr/>
+        </p:nvCxnSpPr>
+        <p:spPr>
+          <a:xfrm rot="16200000" flipH="1">
+            <a:off x="6393656" y="2464594"/>
+            <a:ext cx="1785938" cy="857250"/>
+          </a:xfrm>
+          <a:prstGeom prst="line">
+            <a:avLst/>
+          </a:prstGeom>
+          <a:ln w="117475" cmpd="sng">
+            <a:solidFill>
+              <a:schemeClr val="tx1"/>
+            </a:solidFill>
+          </a:ln>
+        </p:spPr>
+        <p:style>
+          <a:lnRef idx="1">
+            <a:schemeClr val="accent1"/>
+          </a:lnRef>
+          <a:fillRef idx="0">
+            <a:schemeClr val="accent1"/>
+          </a:fillRef>
+          <a:effectRef idx="0">
+            <a:schemeClr val="accent1"/>
+          </a:effectRef>
+          <a:fontRef idx="minor">
+            <a:schemeClr val="tx1"/>
+          </a:fontRef>
+        </p:style>
+      </p:cxnSp>
+      <p:cxnSp>
+        <p:nvCxnSpPr>
+          <p:cNvPr id="26" name="직선 연결선 25"/>
+          <p:cNvCxnSpPr/>
+          <p:nvPr/>
+        </p:nvCxnSpPr>
+        <p:spPr>
+          <a:xfrm>
+            <a:off x="2643188" y="2000250"/>
+            <a:ext cx="4143375" cy="1588"/>
+          </a:xfrm>
+          <a:prstGeom prst="line">
+            <a:avLst/>
+          </a:prstGeom>
+          <a:ln w="117475" cmpd="sng">
+            <a:solidFill>
+              <a:schemeClr val="tx1"/>
+            </a:solidFill>
+          </a:ln>
+        </p:spPr>
+        <p:style>
+          <a:lnRef idx="1">
+            <a:schemeClr val="accent1"/>
+          </a:lnRef>
+          <a:fillRef idx="0">
+            <a:schemeClr val="accent1"/>
+          </a:fillRef>
+          <a:effectRef idx="0">
+            <a:schemeClr val="accent1"/>
+          </a:effectRef>
+          <a:fontRef idx="minor">
+            <a:schemeClr val="tx1"/>
+          </a:fontRef>
+        </p:style>
+      </p:cxnSp>
+      <p:sp>
+        <p:nvSpPr>
+          <p:cNvPr id="28" name="모서리가 둥근 직사각형 27"/>
+          <p:cNvSpPr/>
+          <p:nvPr/>
+        </p:nvSpPr>
+        <p:spPr>
+          <a:xfrm>
+            <a:off x="2786063" y="2214563"/>
+            <a:ext cx="3643312" cy="714375"/>
+          </a:xfrm>
+          <a:prstGeom prst="roundRect">
+            <a:avLst/>
+          </a:prstGeom>
+        </p:spPr>
+        <p:style>
+          <a:lnRef idx="2">
+            <a:schemeClr val="accent1">
+              <a:shade val="50000"/>
+            </a:schemeClr>
+          </a:lnRef>
+          <a:fillRef idx="1">
+            <a:schemeClr val="accent1"/>
+          </a:fillRef>
+          <a:effectRef idx="0">
+            <a:schemeClr val="accent1"/>
+          </a:effectRef>
+          <a:fontRef idx="minor">
+            <a:schemeClr val="lt1"/>
+          </a:fontRef>
+        </p:style>
+        <p:txBody>
+          <a:bodyPr anchor="ctr"/>
+          <a:lstStyle/>
+          <a:p>
+            <a:pPr algn="ctr" fontAlgn="auto">
+              <a:spcBef>
+                <a:spcPts val="0"/>
+              </a:spcBef>
+              <a:spcAft>
+                <a:spcPts val="0"/>
+              </a:spcAft>
+              <a:defRPr/>
+            </a:pPr>
+            <a:r>
+              <a:rPr kumimoji="0" lang="ko-KR" altLang="en-US" sz="1400" dirty="0"/>
+              <a:t>기본적으로</a:t>
+            </a:r>
+            <a:r>
+              <a:rPr kumimoji="0" lang="en-US" altLang="ko-KR" sz="1400" dirty="0"/>
+              <a:t>, </a:t>
+            </a:r>
+            <a:r>
+              <a:rPr kumimoji="0" lang="ko-KR" altLang="en-US" sz="1400" dirty="0"/>
+              <a:t>먼 쪽</a:t>
+            </a:r>
+            <a:r>
+              <a:rPr kumimoji="0" lang="en-US" altLang="ko-KR" sz="1400" dirty="0"/>
+              <a:t>(</a:t>
+            </a:r>
+            <a:r>
+              <a:rPr kumimoji="0" lang="ko-KR" altLang="en-US" sz="1400" dirty="0"/>
+              <a:t>안쪽</a:t>
+            </a:r>
+            <a:r>
+              <a:rPr kumimoji="0" lang="en-US" altLang="ko-KR" sz="1400" dirty="0"/>
+              <a:t>) </a:t>
+            </a:r>
+            <a:r>
+              <a:rPr kumimoji="0" lang="ko-KR" altLang="en-US" sz="1400" dirty="0"/>
+              <a:t>기준으로 </a:t>
+            </a:r>
+            <a:r>
+              <a:rPr kumimoji="0" lang="ko-KR" altLang="en-US" sz="1400" dirty="0" err="1"/>
+              <a:t>몬스터</a:t>
+            </a:r>
+            <a:r>
+              <a:rPr kumimoji="0" lang="ko-KR" altLang="en-US" sz="1400" dirty="0"/>
+              <a:t> 캐릭터 </a:t>
+            </a:r>
+            <a:r>
+              <a:rPr kumimoji="0" lang="en-US" altLang="ko-KR" sz="1400" dirty="0"/>
+              <a:t>11</a:t>
+            </a:r>
+            <a:r>
+              <a:rPr kumimoji="0" lang="ko-KR" altLang="en-US" sz="1400" dirty="0"/>
+              <a:t>개가 들어간다</a:t>
+            </a:r>
+            <a:r>
+              <a:rPr kumimoji="0" lang="en-US" altLang="ko-KR" sz="1400" dirty="0"/>
+              <a:t>.</a:t>
+            </a:r>
+          </a:p>
+        </p:txBody>
+      </p:sp>
+      <p:pic>
+        <p:nvPicPr>
+          <p:cNvPr id="11283" name="Picture 2"/>
+          <p:cNvPicPr>
+            <a:picLocks noChangeAspect="1" noChangeArrowheads="1"/>
+          </p:cNvPicPr>
+          <p:nvPr/>
+        </p:nvPicPr>
+        <p:blipFill>
+          <a:blip r:embed="rId3"/>
+          <a:srcRect/>
+          <a:stretch>
+            <a:fillRect/>
+          </a:stretch>
+        </p:blipFill>
+        <p:spPr bwMode="auto">
+          <a:xfrm>
+            <a:off x="1714500" y="3714750"/>
+            <a:ext cx="409575" cy="357188"/>
+          </a:xfrm>
+          <a:prstGeom prst="rect">
+            <a:avLst/>
+          </a:prstGeom>
+          <a:noFill/>
+          <a:ln w="9525">
+            <a:noFill/>
+            <a:miter lim="800000"/>
+            <a:headEnd/>
+            <a:tailEnd/>
+          </a:ln>
+        </p:spPr>
+      </p:pic>
+      <p:cxnSp>
+        <p:nvCxnSpPr>
+          <p:cNvPr id="31" name="직선 연결선 30"/>
+          <p:cNvCxnSpPr/>
+          <p:nvPr/>
+        </p:nvCxnSpPr>
+        <p:spPr>
+          <a:xfrm rot="5400000">
+            <a:off x="1535906" y="2678907"/>
+            <a:ext cx="1571625" cy="500062"/>
+          </a:xfrm>
+          <a:prstGeom prst="line">
+            <a:avLst/>
+          </a:prstGeom>
+          <a:ln w="28575" cap="sq">
+            <a:solidFill>
+              <a:srgbClr val="FF0000"/>
+            </a:solidFill>
+          </a:ln>
+          <a:effectLst>
+            <a:outerShdw blurRad="50800" dist="50800" dir="5400000" algn="ctr" rotWithShape="0">
+              <a:srgbClr val="000000">
+                <a:alpha val="91000"/>
+              </a:srgbClr>
+            </a:outerShdw>
+          </a:effectLst>
+        </p:spPr>
+        <p:style>
+          <a:lnRef idx="1">
+            <a:schemeClr val="accent1"/>
+          </a:lnRef>
+          <a:fillRef idx="0">
+            <a:schemeClr val="accent1"/>
+          </a:fillRef>
+          <a:effectRef idx="0">
+            <a:schemeClr val="accent1"/>
+          </a:effectRef>
+          <a:fontRef idx="minor">
+            <a:schemeClr val="tx1"/>
+          </a:fontRef>
+        </p:style>
+      </p:cxnSp>
+      <p:sp>
+        <p:nvSpPr>
+          <p:cNvPr id="37" name="직사각형 36"/>
+          <p:cNvSpPr/>
+          <p:nvPr/>
+        </p:nvSpPr>
+        <p:spPr>
+          <a:xfrm>
+            <a:off x="1928794" y="4643446"/>
+            <a:ext cx="5572164" cy="1857388"/>
+          </a:xfrm>
+          <a:prstGeom prst="rect">
+            <a:avLst/>
+          </a:prstGeom>
+          <a:solidFill>
+            <a:schemeClr val="accent6">
+              <a:alpha val="30000"/>
+            </a:schemeClr>
+          </a:solidFill>
+          <a:ln>
+            <a:noFill/>
+          </a:ln>
+          <a:effectLst>
+            <a:outerShdw blurRad="50800" dist="50800" dir="5400000" algn="ctr" rotWithShape="0">
+              <a:srgbClr val="000000">
+                <a:alpha val="68000"/>
+              </a:srgbClr>
+            </a:outerShdw>
+          </a:effectLst>
+        </p:spPr>
+        <p:style>
+          <a:lnRef idx="2">
+            <a:schemeClr val="accent1">
+              <a:shade val="50000"/>
+            </a:schemeClr>
+          </a:lnRef>
+          <a:fillRef idx="1">
+            <a:schemeClr val="accent1"/>
+          </a:fillRef>
+          <a:effectRef idx="0">
+            <a:schemeClr val="accent1"/>
+          </a:effectRef>
+          <a:fontRef idx="minor">
+            <a:schemeClr val="lt1"/>
+          </a:fontRef>
+        </p:style>
+        <p:txBody>
+          <a:bodyPr anchor="ctr"/>
+          <a:lstStyle/>
+          <a:p>
+            <a:pPr algn="ctr">
+              <a:defRPr/>
+            </a:pPr>
+            <a:r>
+              <a:rPr lang="ko-KR" altLang="en-US" dirty="0">
+                <a:ln w="18415" cmpd="sng">
+                  <a:solidFill>
+                    <a:srgbClr val="FFFFFF"/>
+                  </a:solidFill>
+                  <a:prstDash val="solid"/>
+                </a:ln>
+                <a:solidFill>
+                  <a:srgbClr val="FFFFFF"/>
+                </a:solidFill>
+                <a:effectLst>
+                  <a:outerShdw blurRad="63500" dir="3600000" algn="tl" rotWithShape="0">
+                    <a:srgbClr val="000000">
+                      <a:alpha val="70000"/>
+                    </a:srgbClr>
+                  </a:outerShdw>
+                </a:effectLst>
+              </a:rPr>
+              <a:t>버튼영역</a:t>
+            </a:r>
+          </a:p>
+        </p:txBody>
+      </p:sp>
+      <p:sp>
+        <p:nvSpPr>
+          <p:cNvPr id="32" name="모서리가 둥근 직사각형 31"/>
+          <p:cNvSpPr/>
+          <p:nvPr/>
+        </p:nvSpPr>
+        <p:spPr>
+          <a:xfrm>
+            <a:off x="428625" y="4286250"/>
+            <a:ext cx="3643313" cy="714375"/>
+          </a:xfrm>
+          <a:prstGeom prst="roundRect">
+            <a:avLst/>
+          </a:prstGeom>
+        </p:spPr>
+        <p:style>
+          <a:lnRef idx="2">
+            <a:schemeClr val="accent1">
+              <a:shade val="50000"/>
+            </a:schemeClr>
+          </a:lnRef>
+          <a:fillRef idx="1">
+            <a:schemeClr val="accent1"/>
+          </a:fillRef>
+          <a:effectRef idx="0">
+            <a:schemeClr val="accent1"/>
+          </a:effectRef>
+          <a:fontRef idx="minor">
+            <a:schemeClr val="lt1"/>
+          </a:fontRef>
+        </p:style>
+        <p:txBody>
+          <a:bodyPr anchor="ctr"/>
+          <a:lstStyle/>
+          <a:p>
+            <a:pPr algn="ctr" fontAlgn="auto">
+              <a:spcBef>
+                <a:spcPts val="0"/>
+              </a:spcBef>
+              <a:spcAft>
+                <a:spcPts val="0"/>
+              </a:spcAft>
+              <a:defRPr/>
+            </a:pPr>
+            <a:r>
+              <a:rPr kumimoji="0" lang="ko-KR" altLang="en-US" sz="1400" dirty="0" err="1"/>
+              <a:t>몬스터는</a:t>
+            </a:r>
+            <a:r>
+              <a:rPr kumimoji="0" lang="ko-KR" altLang="en-US" sz="1400" dirty="0"/>
+              <a:t> 단계적으로 화면 쪽으로 전진한다</a:t>
+            </a:r>
+            <a:r>
+              <a:rPr kumimoji="0" lang="en-US" altLang="ko-KR" sz="1400" dirty="0"/>
+              <a:t>. </a:t>
+            </a:r>
+            <a:r>
+              <a:rPr kumimoji="0" lang="ko-KR" altLang="en-US" sz="1400" dirty="0"/>
+              <a:t>이때 </a:t>
+            </a:r>
+            <a:r>
+              <a:rPr kumimoji="0" lang="ko-KR" altLang="en-US" sz="1400" u="sng" dirty="0"/>
+              <a:t>크기 변화는 </a:t>
+            </a:r>
+            <a:r>
+              <a:rPr kumimoji="0" lang="ko-KR" altLang="en-US" sz="1400" b="1" u="sng" dirty="0"/>
+              <a:t>없다</a:t>
+            </a:r>
+            <a:r>
+              <a:rPr kumimoji="0" lang="en-US" altLang="ko-KR" sz="1400" u="sng" dirty="0"/>
+              <a:t>.</a:t>
+            </a:r>
+          </a:p>
+        </p:txBody>
+      </p:sp>
+      <p:pic>
+        <p:nvPicPr>
+          <p:cNvPr id="11287" name="Picture 4"/>
+          <p:cNvPicPr>
+            <a:picLocks noChangeAspect="1" noChangeArrowheads="1"/>
+          </p:cNvPicPr>
+          <p:nvPr/>
+        </p:nvPicPr>
+        <p:blipFill>
+          <a:blip r:embed="rId4"/>
+          <a:srcRect/>
+          <a:stretch>
+            <a:fillRect/>
+          </a:stretch>
+        </p:blipFill>
+        <p:spPr bwMode="auto">
+          <a:xfrm>
+            <a:off x="6286500" y="3571875"/>
+            <a:ext cx="517525" cy="585788"/>
+          </a:xfrm>
+          <a:prstGeom prst="rect">
+            <a:avLst/>
+          </a:prstGeom>
+          <a:noFill/>
+          <a:ln w="9525">
+            <a:noFill/>
+            <a:miter lim="800000"/>
+            <a:headEnd/>
+            <a:tailEnd/>
+          </a:ln>
+        </p:spPr>
+      </p:pic>
+      <p:cxnSp>
+        <p:nvCxnSpPr>
+          <p:cNvPr id="35" name="직선 연결선 34"/>
+          <p:cNvCxnSpPr/>
+          <p:nvPr/>
+        </p:nvCxnSpPr>
+        <p:spPr>
+          <a:xfrm rot="10800000">
+            <a:off x="2357438" y="4143375"/>
+            <a:ext cx="5072062" cy="1588"/>
+          </a:xfrm>
+          <a:prstGeom prst="line">
+            <a:avLst/>
+          </a:prstGeom>
+        </p:spPr>
+        <p:style>
+          <a:lnRef idx="1">
+            <a:schemeClr val="accent1"/>
+          </a:lnRef>
+          <a:fillRef idx="0">
+            <a:schemeClr val="accent1"/>
+          </a:fillRef>
+          <a:effectRef idx="0">
+            <a:schemeClr val="accent1"/>
+          </a:effectRef>
+          <a:fontRef idx="minor">
+            <a:schemeClr val="tx1"/>
+          </a:fontRef>
+        </p:style>
+      </p:cxnSp>
+      <p:sp>
+        <p:nvSpPr>
+          <p:cNvPr id="36" name="모서리가 둥근 직사각형 35"/>
+          <p:cNvSpPr/>
+          <p:nvPr/>
+        </p:nvSpPr>
+        <p:spPr>
+          <a:xfrm>
+            <a:off x="5286375" y="4286250"/>
+            <a:ext cx="3071813" cy="714375"/>
+          </a:xfrm>
+          <a:prstGeom prst="roundRect">
+            <a:avLst/>
+          </a:prstGeom>
+        </p:spPr>
+        <p:style>
+          <a:lnRef idx="2">
+            <a:schemeClr val="accent1">
+              <a:shade val="50000"/>
+            </a:schemeClr>
+          </a:lnRef>
+          <a:fillRef idx="1">
+            <a:schemeClr val="accent1"/>
+          </a:fillRef>
+          <a:effectRef idx="0">
+            <a:schemeClr val="accent1"/>
+          </a:effectRef>
+          <a:fontRef idx="minor">
+            <a:schemeClr val="lt1"/>
+          </a:fontRef>
+        </p:style>
+        <p:txBody>
+          <a:bodyPr anchor="ctr"/>
+          <a:lstStyle/>
+          <a:p>
+            <a:pPr algn="ctr" fontAlgn="auto">
+              <a:spcBef>
+                <a:spcPts val="0"/>
+              </a:spcBef>
+              <a:spcAft>
+                <a:spcPts val="0"/>
+              </a:spcAft>
+              <a:defRPr/>
+            </a:pPr>
+            <a:r>
+              <a:rPr kumimoji="0" lang="ko-KR" altLang="en-US" sz="1400" u="sng" dirty="0" err="1"/>
+              <a:t>메인캐릭터는</a:t>
+            </a:r>
+            <a:r>
+              <a:rPr kumimoji="0" lang="ko-KR" altLang="en-US" sz="1400" u="sng" dirty="0"/>
+              <a:t> 수평선상으로만 </a:t>
+            </a:r>
+            <a:r>
+              <a:rPr kumimoji="0" lang="ko-KR" altLang="en-US" sz="1400" u="sng" dirty="0" err="1"/>
+              <a:t>이동가능하다</a:t>
+            </a:r>
+            <a:r>
+              <a:rPr kumimoji="0" lang="en-US" altLang="ko-KR" sz="1400" u="sng" dirty="0"/>
+              <a:t>. </a:t>
+            </a:r>
+          </a:p>
+        </p:txBody>
+      </p:sp>
+    </p:spTree>
+  </p:cSld>
+  <p:clrMapOvr>
+    <a:masterClrMapping/>
+  </p:clrMapOvr>
+</p:sld>
+</file>
+
+<file path=ppt/slides/slide11.xml><?xml version="1.0" encoding="utf-8"?>
+<p:sld xmlns:a="http://schemas.openxmlformats.org/drawingml/2006/main" xmlns:r="http://schemas.openxmlformats.org/officeDocument/2006/relationships" xmlns:p="http://schemas.openxmlformats.org/presentationml/2006/main">
+  <p:cSld>
+    <p:spTree>
+      <p:nvGrpSpPr>
+        <p:cNvPr id="1" name=""/>
+        <p:cNvGrpSpPr/>
+        <p:nvPr/>
+      </p:nvGrpSpPr>
+      <p:grpSpPr>
+        <a:xfrm>
+          <a:off x="0" y="0"/>
+          <a:ext cx="0" cy="0"/>
+          <a:chOff x="0" y="0"/>
+          <a:chExt cx="0" cy="0"/>
+        </a:xfrm>
+      </p:grpSpPr>
+      <p:sp>
+        <p:nvSpPr>
+          <p:cNvPr id="12290" name="제목 1"/>
+          <p:cNvSpPr>
+            <a:spLocks noGrp="1"/>
+          </p:cNvSpPr>
+          <p:nvPr>
+            <p:ph type="title"/>
+          </p:nvPr>
+        </p:nvSpPr>
+        <p:spPr/>
+        <p:txBody>
+          <a:bodyPr/>
+          <a:lstStyle/>
+          <a:p>
+            <a:pPr eaLnBrk="1" hangingPunct="1"/>
+            <a:r>
+              <a:rPr lang="en-US" altLang="ko-KR" smtClean="0"/>
+              <a:t>3. </a:t>
+            </a:r>
+            <a:r>
+              <a:rPr lang="ko-KR" altLang="en-US" smtClean="0"/>
+              <a:t>캐릭터</a:t>
+            </a:r>
+            <a:r>
+              <a:rPr lang="en-US" altLang="ko-KR" smtClean="0"/>
+              <a:t/>
+            </a:r>
+            <a:br>
+              <a:rPr lang="en-US" altLang="ko-KR" smtClean="0"/>
+            </a:br>
+            <a:r>
+              <a:rPr lang="en-US" altLang="ko-KR" smtClean="0"/>
+              <a:t>(</a:t>
+            </a:r>
+            <a:r>
+              <a:rPr lang="ko-KR" altLang="en-US" smtClean="0"/>
+              <a:t>메인캐릭터</a:t>
+            </a:r>
+            <a:r>
+              <a:rPr lang="en-US" altLang="ko-KR" smtClean="0"/>
+              <a:t>- </a:t>
+            </a:r>
+            <a:r>
+              <a:rPr lang="ko-KR" altLang="en-US" smtClean="0"/>
+              <a:t>컨셉</a:t>
+            </a:r>
+            <a:r>
+              <a:rPr lang="en-US" altLang="ko-KR" smtClean="0"/>
+              <a:t>)</a:t>
+            </a:r>
+            <a:endParaRPr lang="ko-KR" altLang="en-US" smtClean="0"/>
+          </a:p>
+        </p:txBody>
+      </p:sp>
+      <p:pic>
+        <p:nvPicPr>
+          <p:cNvPr id="12291" name="Picture 4"/>
+          <p:cNvPicPr>
+            <a:picLocks noChangeAspect="1" noChangeArrowheads="1"/>
+          </p:cNvPicPr>
+          <p:nvPr/>
+        </p:nvPicPr>
+        <p:blipFill>
+          <a:blip r:embed="rId2"/>
+          <a:srcRect/>
+          <a:stretch>
+            <a:fillRect/>
+          </a:stretch>
+        </p:blipFill>
+        <p:spPr bwMode="auto">
+          <a:xfrm>
+            <a:off x="928688" y="1785938"/>
+            <a:ext cx="3810000" cy="3187700"/>
+          </a:xfrm>
+          <a:prstGeom prst="rect">
+            <a:avLst/>
+          </a:prstGeom>
+          <a:noFill/>
+          <a:ln w="9525">
+            <a:noFill/>
+            <a:miter lim="800000"/>
+            <a:headEnd/>
+            <a:tailEnd/>
+          </a:ln>
+        </p:spPr>
+      </p:pic>
+      <p:sp>
+        <p:nvSpPr>
+          <p:cNvPr id="30" name="모서리가 둥근 직사각형 29"/>
+          <p:cNvSpPr/>
+          <p:nvPr/>
+        </p:nvSpPr>
+        <p:spPr>
+          <a:xfrm>
+            <a:off x="4714875" y="1785938"/>
+            <a:ext cx="3714750" cy="2786062"/>
+          </a:xfrm>
+          <a:prstGeom prst="roundRect">
+            <a:avLst>
+              <a:gd name="adj" fmla="val 8204"/>
+            </a:avLst>
+          </a:prstGeom>
+          <a:solidFill>
+            <a:schemeClr val="accent5"/>
+          </a:solidFill>
+          <a:ln>
+            <a:noFill/>
+          </a:ln>
+        </p:spPr>
+        <p:style>
+          <a:lnRef idx="2">
+            <a:schemeClr val="accent1">
+              <a:shade val="50000"/>
+            </a:schemeClr>
+          </a:lnRef>
+          <a:fillRef idx="1">
+            <a:schemeClr val="accent1"/>
+          </a:fillRef>
+          <a:effectRef idx="0">
+            <a:schemeClr val="accent1"/>
+          </a:effectRef>
+          <a:fontRef idx="minor">
+            <a:schemeClr val="lt1"/>
+          </a:fontRef>
+        </p:style>
+        <p:txBody>
+          <a:bodyPr anchor="ctr"/>
+          <a:lstStyle/>
+          <a:p>
+            <a:pPr fontAlgn="auto">
+              <a:spcBef>
+                <a:spcPts val="0"/>
+              </a:spcBef>
+              <a:spcAft>
+                <a:spcPts val="0"/>
+              </a:spcAft>
+              <a:defRPr/>
+            </a:pPr>
+            <a:r>
+              <a:rPr kumimoji="0" lang="en-US" altLang="ko-KR" sz="1600" dirty="0"/>
+              <a:t>- 2.5 </a:t>
+            </a:r>
+            <a:r>
+              <a:rPr kumimoji="0" lang="ko-KR" altLang="en-US" sz="1600" dirty="0"/>
+              <a:t>등신</a:t>
+            </a:r>
+            <a:endParaRPr kumimoji="0" lang="en-US" altLang="ko-KR" sz="1600" dirty="0"/>
+          </a:p>
+          <a:p>
+            <a:pPr fontAlgn="auto">
+              <a:spcBef>
+                <a:spcPts val="0"/>
+              </a:spcBef>
+              <a:spcAft>
+                <a:spcPts val="0"/>
+              </a:spcAft>
+              <a:buFontTx/>
+              <a:buChar char="-"/>
+              <a:defRPr/>
+            </a:pPr>
+            <a:r>
+              <a:rPr kumimoji="0" lang="ko-KR" altLang="en-US" sz="1600" dirty="0" err="1"/>
+              <a:t>숏커트의</a:t>
+            </a:r>
+            <a:r>
+              <a:rPr kumimoji="0" lang="ko-KR" altLang="en-US" sz="1600" dirty="0"/>
+              <a:t> 발랄하고 </a:t>
+            </a:r>
+            <a:r>
+              <a:rPr kumimoji="0" lang="ko-KR" altLang="en-US" sz="1600" dirty="0" err="1"/>
+              <a:t>활기넘치는</a:t>
+            </a:r>
+            <a:r>
+              <a:rPr kumimoji="0" lang="ko-KR" altLang="en-US" sz="1600" dirty="0"/>
+              <a:t> 소녀</a:t>
+            </a:r>
+            <a:endParaRPr kumimoji="0" lang="en-US" altLang="ko-KR" sz="1600" dirty="0"/>
+          </a:p>
+          <a:p>
+            <a:pPr fontAlgn="auto">
+              <a:spcBef>
+                <a:spcPts val="0"/>
+              </a:spcBef>
+              <a:spcAft>
+                <a:spcPts val="0"/>
+              </a:spcAft>
+              <a:buFontTx/>
+              <a:buChar char="-"/>
+              <a:defRPr/>
+            </a:pPr>
+            <a:r>
+              <a:rPr kumimoji="0" lang="ko-KR" altLang="en-US" sz="1600" dirty="0"/>
+              <a:t>뒤가 </a:t>
+            </a:r>
+            <a:r>
+              <a:rPr kumimoji="0" lang="en-US" altLang="ko-KR" sz="1600" dirty="0"/>
+              <a:t>(</a:t>
+            </a:r>
+            <a:r>
+              <a:rPr kumimoji="0" lang="ko-KR" altLang="en-US" sz="1600" dirty="0"/>
+              <a:t>과도해도</a:t>
+            </a:r>
+            <a:r>
+              <a:rPr kumimoji="0" lang="en-US" altLang="ko-KR" sz="1600" dirty="0"/>
+              <a:t>OK)</a:t>
+            </a:r>
+            <a:r>
+              <a:rPr kumimoji="0" lang="ko-KR" altLang="en-US" sz="1600" dirty="0"/>
+              <a:t> 트인 미니스커트 착용</a:t>
+            </a:r>
+            <a:endParaRPr kumimoji="0" lang="en-US" altLang="ko-KR" sz="1600" dirty="0"/>
+          </a:p>
+          <a:p>
+            <a:pPr fontAlgn="auto">
+              <a:spcBef>
+                <a:spcPts val="0"/>
+              </a:spcBef>
+              <a:spcAft>
+                <a:spcPts val="0"/>
+              </a:spcAft>
+              <a:buFontTx/>
+              <a:buChar char="-"/>
+              <a:defRPr/>
+            </a:pPr>
+            <a:r>
+              <a:rPr kumimoji="0" lang="en-US" altLang="ko-KR" sz="1600" dirty="0"/>
+              <a:t> </a:t>
+            </a:r>
+            <a:r>
+              <a:rPr kumimoji="0" lang="ko-KR" altLang="en-US" sz="1600" dirty="0"/>
+              <a:t>신발은 단화 같은 스포티한 느낌이</a:t>
+            </a:r>
+            <a:r>
+              <a:rPr kumimoji="0" lang="en-US" altLang="ko-KR" sz="1600" dirty="0"/>
+              <a:t> </a:t>
+            </a:r>
+            <a:r>
+              <a:rPr kumimoji="0" lang="ko-KR" altLang="en-US" sz="1600" dirty="0"/>
+              <a:t>어떨까</a:t>
+            </a:r>
+            <a:r>
+              <a:rPr kumimoji="0" lang="en-US" altLang="ko-KR" sz="1600" dirty="0"/>
+              <a:t>…</a:t>
+            </a:r>
+          </a:p>
+          <a:p>
+            <a:pPr fontAlgn="auto">
+              <a:spcBef>
+                <a:spcPts val="0"/>
+              </a:spcBef>
+              <a:spcAft>
+                <a:spcPts val="0"/>
+              </a:spcAft>
+              <a:defRPr/>
+            </a:pPr>
+            <a:r>
+              <a:rPr kumimoji="0" lang="en-US" altLang="ko-KR" sz="1600" dirty="0"/>
+              <a:t>- </a:t>
+            </a:r>
+            <a:r>
+              <a:rPr kumimoji="0" lang="ko-KR" altLang="en-US" sz="1600" dirty="0"/>
+              <a:t>오른손 잡이</a:t>
+            </a:r>
+            <a:endParaRPr kumimoji="0" lang="en-US" altLang="ko-KR" sz="1600" dirty="0"/>
+          </a:p>
+          <a:p>
+            <a:pPr fontAlgn="auto">
+              <a:spcBef>
+                <a:spcPts val="0"/>
+              </a:spcBef>
+              <a:spcAft>
+                <a:spcPts val="0"/>
+              </a:spcAft>
+              <a:defRPr/>
+            </a:pPr>
+            <a:r>
+              <a:rPr kumimoji="0" lang="en-US" altLang="ko-KR" sz="1600" dirty="0"/>
+              <a:t>- </a:t>
+            </a:r>
+            <a:r>
+              <a:rPr kumimoji="0" lang="ko-KR" altLang="en-US" sz="1600" dirty="0"/>
+              <a:t>사용하는 무기는 리볼버느낌의 권총</a:t>
+            </a:r>
+            <a:r>
+              <a:rPr kumimoji="0" lang="en-US" altLang="ko-KR" sz="1600" dirty="0"/>
+              <a:t>, </a:t>
+            </a:r>
+            <a:r>
+              <a:rPr kumimoji="0" lang="ko-KR" altLang="en-US" sz="1600" dirty="0" err="1"/>
+              <a:t>드래곤볼같은</a:t>
+            </a:r>
+            <a:r>
+              <a:rPr kumimoji="0" lang="ko-KR" altLang="en-US" sz="1600" dirty="0"/>
+              <a:t> 세계관에서 쓰일법한 약간 과장되고 사이버펑크 느낌도 나는</a:t>
+            </a:r>
+            <a:r>
+              <a:rPr kumimoji="0" lang="en-US" altLang="ko-KR" sz="1600" dirty="0"/>
+              <a:t>, </a:t>
+            </a:r>
+            <a:r>
+              <a:rPr kumimoji="0" lang="ko-KR" altLang="en-US" sz="1600" dirty="0"/>
+              <a:t>탄환을 </a:t>
+            </a:r>
+            <a:r>
+              <a:rPr kumimoji="0" lang="ko-KR" altLang="en-US" sz="1600" dirty="0" err="1"/>
+              <a:t>바꿔끼울수</a:t>
+            </a:r>
+            <a:r>
+              <a:rPr kumimoji="0" lang="ko-KR" altLang="en-US" sz="1600" dirty="0"/>
+              <a:t> 있는 </a:t>
+            </a:r>
+            <a:r>
+              <a:rPr kumimoji="0" lang="ko-KR" altLang="en-US" sz="1600" dirty="0" err="1"/>
+              <a:t>컨셉</a:t>
+            </a:r>
+            <a:r>
+              <a:rPr kumimoji="0" lang="en-US" altLang="ko-KR" sz="1600" dirty="0"/>
+              <a:t>.</a:t>
+            </a:r>
+            <a:endParaRPr kumimoji="0" lang="en-US" altLang="ko-KR" sz="1600" u="sng" dirty="0"/>
+          </a:p>
+        </p:txBody>
+      </p:sp>
+    </p:spTree>
+  </p:cSld>
+  <p:clrMapOvr>
+    <a:masterClrMapping/>
+  </p:clrMapOvr>
+</p:sld>
+</file>
+
+<file path=ppt/slides/slide12.xml><?xml version="1.0" encoding="utf-8"?>
+<p:sld xmlns:a="http://schemas.openxmlformats.org/drawingml/2006/main" xmlns:r="http://schemas.openxmlformats.org/officeDocument/2006/relationships" xmlns:p="http://schemas.openxmlformats.org/presentationml/2006/main">
+  <p:cSld>
+    <p:spTree>
+      <p:nvGrpSpPr>
+        <p:cNvPr id="1" name=""/>
+        <p:cNvGrpSpPr/>
+        <p:nvPr/>
+      </p:nvGrpSpPr>
+      <p:grpSpPr>
+        <a:xfrm>
+          <a:off x="0" y="0"/>
+          <a:ext cx="0" cy="0"/>
+          <a:chOff x="0" y="0"/>
+          <a:chExt cx="0" cy="0"/>
+        </a:xfrm>
+      </p:grpSpPr>
+      <p:sp>
+        <p:nvSpPr>
+          <p:cNvPr id="13314" name="제목 1"/>
+          <p:cNvSpPr>
+            <a:spLocks noGrp="1"/>
+          </p:cNvSpPr>
+          <p:nvPr>
+            <p:ph type="title"/>
+          </p:nvPr>
+        </p:nvSpPr>
+        <p:spPr/>
+        <p:txBody>
+          <a:bodyPr/>
+          <a:lstStyle/>
+          <a:p>
+            <a:pPr eaLnBrk="1" hangingPunct="1"/>
+            <a:r>
+              <a:rPr lang="en-US" altLang="ko-KR" smtClean="0"/>
+              <a:t>3. </a:t>
+            </a:r>
+            <a:r>
+              <a:rPr lang="ko-KR" altLang="en-US" smtClean="0"/>
+              <a:t>캐릭터</a:t>
+            </a:r>
+            <a:r>
+              <a:rPr lang="en-US" altLang="ko-KR" smtClean="0"/>
+              <a:t/>
+            </a:r>
+            <a:br>
+              <a:rPr lang="en-US" altLang="ko-KR" smtClean="0"/>
+            </a:br>
+            <a:r>
+              <a:rPr lang="en-US" altLang="ko-KR" smtClean="0"/>
+              <a:t>(</a:t>
+            </a:r>
+            <a:r>
+              <a:rPr lang="ko-KR" altLang="en-US" smtClean="0"/>
+              <a:t>메인캐릭터</a:t>
+            </a:r>
+            <a:r>
+              <a:rPr lang="en-US" altLang="ko-KR" smtClean="0"/>
+              <a:t>/</a:t>
+            </a:r>
+            <a:r>
+              <a:rPr lang="ko-KR" altLang="en-US" smtClean="0"/>
+              <a:t>애니메이션 정의</a:t>
+            </a:r>
+            <a:r>
+              <a:rPr lang="en-US" altLang="ko-KR" smtClean="0"/>
+              <a:t>)</a:t>
+            </a:r>
+            <a:endParaRPr lang="ko-KR" altLang="en-US" smtClean="0"/>
+          </a:p>
+        </p:txBody>
+      </p:sp>
+      <p:pic>
+        <p:nvPicPr>
+          <p:cNvPr id="13315" name="Picture 2"/>
+          <p:cNvPicPr>
+            <a:picLocks noChangeAspect="1" noChangeArrowheads="1"/>
+          </p:cNvPicPr>
+          <p:nvPr/>
+        </p:nvPicPr>
+        <p:blipFill>
+          <a:blip r:embed="rId2"/>
+          <a:srcRect/>
+          <a:stretch>
+            <a:fillRect/>
+          </a:stretch>
+        </p:blipFill>
+        <p:spPr bwMode="auto">
+          <a:xfrm>
+            <a:off x="785813" y="4429125"/>
+            <a:ext cx="1290637" cy="1000125"/>
+          </a:xfrm>
+          <a:prstGeom prst="rect">
+            <a:avLst/>
+          </a:prstGeom>
+          <a:noFill/>
+          <a:ln w="9525">
+            <a:noFill/>
+            <a:miter lim="800000"/>
+            <a:headEnd/>
+            <a:tailEnd/>
+          </a:ln>
+        </p:spPr>
+      </p:pic>
+      <p:sp>
+        <p:nvSpPr>
+          <p:cNvPr id="6" name="모서리가 둥근 직사각형 5"/>
+          <p:cNvSpPr/>
+          <p:nvPr/>
+        </p:nvSpPr>
+        <p:spPr>
+          <a:xfrm>
+            <a:off x="2428875" y="4643438"/>
+            <a:ext cx="5929313" cy="785812"/>
+          </a:xfrm>
+          <a:prstGeom prst="roundRect">
+            <a:avLst>
+              <a:gd name="adj" fmla="val 8204"/>
+            </a:avLst>
+          </a:prstGeom>
+          <a:solidFill>
+            <a:schemeClr val="accent5"/>
+          </a:solidFill>
+          <a:ln>
+            <a:noFill/>
+          </a:ln>
+        </p:spPr>
+        <p:style>
+          <a:lnRef idx="2">
+            <a:schemeClr val="accent1">
+              <a:shade val="50000"/>
+            </a:schemeClr>
+          </a:lnRef>
+          <a:fillRef idx="1">
+            <a:schemeClr val="accent1"/>
+          </a:fillRef>
+          <a:effectRef idx="0">
+            <a:schemeClr val="accent1"/>
+          </a:effectRef>
+          <a:fontRef idx="minor">
+            <a:schemeClr val="lt1"/>
+          </a:fontRef>
+        </p:style>
+        <p:txBody>
+          <a:bodyPr anchor="ctr"/>
+          <a:lstStyle/>
+          <a:p>
+            <a:pPr fontAlgn="auto">
+              <a:spcBef>
+                <a:spcPts val="0"/>
+              </a:spcBef>
+              <a:spcAft>
+                <a:spcPts val="0"/>
+              </a:spcAft>
+              <a:defRPr/>
+            </a:pPr>
+            <a:r>
+              <a:rPr kumimoji="0" lang="en-US" altLang="ko-KR" sz="1600" dirty="0"/>
+              <a:t>- </a:t>
+            </a:r>
+            <a:r>
+              <a:rPr kumimoji="0" lang="ko-KR" altLang="en-US" sz="1600" dirty="0"/>
+              <a:t>대미지 상태</a:t>
+            </a:r>
+            <a:r>
+              <a:rPr kumimoji="0" lang="en-US" altLang="ko-KR" sz="1600" dirty="0"/>
+              <a:t>. </a:t>
+            </a:r>
+            <a:r>
+              <a:rPr kumimoji="0" lang="ko-KR" altLang="en-US" sz="1600" dirty="0"/>
+              <a:t>과장되고 코믹하게 표현</a:t>
+            </a:r>
+            <a:r>
+              <a:rPr kumimoji="0" lang="en-US" altLang="ko-KR" sz="1600" dirty="0"/>
+              <a:t>.</a:t>
+            </a:r>
+            <a:endParaRPr kumimoji="0" lang="en-US" altLang="ko-KR" sz="1600" u="sng" dirty="0"/>
+          </a:p>
+        </p:txBody>
+      </p:sp>
+      <p:pic>
+        <p:nvPicPr>
+          <p:cNvPr id="13317" name="Picture 3"/>
+          <p:cNvPicPr>
+            <a:picLocks noChangeAspect="1" noChangeArrowheads="1"/>
+          </p:cNvPicPr>
+          <p:nvPr/>
+        </p:nvPicPr>
+        <p:blipFill>
+          <a:blip r:embed="rId3"/>
+          <a:srcRect/>
+          <a:stretch>
+            <a:fillRect/>
+          </a:stretch>
+        </p:blipFill>
+        <p:spPr bwMode="auto">
+          <a:xfrm>
+            <a:off x="1071563" y="1643063"/>
+            <a:ext cx="1039812" cy="1071562"/>
+          </a:xfrm>
+          <a:prstGeom prst="rect">
+            <a:avLst/>
+          </a:prstGeom>
+          <a:noFill/>
+          <a:ln w="9525">
+            <a:noFill/>
+            <a:miter lim="800000"/>
+            <a:headEnd/>
+            <a:tailEnd/>
+          </a:ln>
+        </p:spPr>
+      </p:pic>
+      <p:sp>
+        <p:nvSpPr>
+          <p:cNvPr id="8" name="모서리가 둥근 직사각형 7"/>
+          <p:cNvSpPr/>
+          <p:nvPr/>
+        </p:nvSpPr>
+        <p:spPr>
+          <a:xfrm>
+            <a:off x="2357438" y="1714500"/>
+            <a:ext cx="5929312" cy="642938"/>
+          </a:xfrm>
+          <a:prstGeom prst="roundRect">
+            <a:avLst>
+              <a:gd name="adj" fmla="val 8204"/>
+            </a:avLst>
+          </a:prstGeom>
+          <a:solidFill>
+            <a:schemeClr val="accent5"/>
+          </a:solidFill>
+          <a:ln>
+            <a:noFill/>
+          </a:ln>
+        </p:spPr>
+        <p:style>
+          <a:lnRef idx="2">
+            <a:schemeClr val="accent1">
+              <a:shade val="50000"/>
+            </a:schemeClr>
+          </a:lnRef>
+          <a:fillRef idx="1">
+            <a:schemeClr val="accent1"/>
+          </a:fillRef>
+          <a:effectRef idx="0">
+            <a:schemeClr val="accent1"/>
+          </a:effectRef>
+          <a:fontRef idx="minor">
+            <a:schemeClr val="lt1"/>
+          </a:fontRef>
+        </p:style>
+        <p:txBody>
+          <a:bodyPr anchor="ctr"/>
+          <a:lstStyle/>
+          <a:p>
+            <a:pPr fontAlgn="auto">
+              <a:spcBef>
+                <a:spcPts val="0"/>
+              </a:spcBef>
+              <a:spcAft>
+                <a:spcPts val="0"/>
+              </a:spcAft>
+              <a:defRPr/>
+            </a:pPr>
+            <a:r>
+              <a:rPr kumimoji="0" lang="en-US" altLang="ko-KR" sz="1600" dirty="0"/>
+              <a:t>- Stand by. </a:t>
+            </a:r>
+            <a:r>
+              <a:rPr kumimoji="0" lang="ko-KR" altLang="en-US" sz="1600" dirty="0"/>
+              <a:t>머리카락이나 다리</a:t>
+            </a:r>
+            <a:r>
+              <a:rPr kumimoji="0" lang="en-US" altLang="ko-KR" sz="1600" dirty="0"/>
+              <a:t>, </a:t>
+            </a:r>
+            <a:r>
+              <a:rPr kumimoji="0" lang="ko-KR" altLang="en-US" sz="1600" dirty="0"/>
+              <a:t>어깨</a:t>
+            </a:r>
+            <a:r>
+              <a:rPr kumimoji="0" lang="en-US" altLang="ko-KR" sz="1600" dirty="0"/>
+              <a:t>(</a:t>
+            </a:r>
+            <a:r>
+              <a:rPr kumimoji="0" lang="ko-KR" altLang="en-US" sz="1600" dirty="0"/>
+              <a:t>숨쉬기</a:t>
+            </a:r>
+            <a:r>
+              <a:rPr kumimoji="0" lang="en-US" altLang="ko-KR" sz="1600" dirty="0"/>
+              <a:t>) </a:t>
+            </a:r>
+            <a:r>
+              <a:rPr kumimoji="0" lang="ko-KR" altLang="en-US" sz="1600" dirty="0"/>
+              <a:t>등 살짝살짝 움직인다</a:t>
+            </a:r>
+            <a:r>
+              <a:rPr kumimoji="0" lang="en-US" altLang="ko-KR" sz="1600" dirty="0"/>
+              <a:t>.</a:t>
+            </a:r>
+            <a:endParaRPr kumimoji="0" lang="en-US" altLang="ko-KR" sz="1600" u="sng" dirty="0"/>
+          </a:p>
+        </p:txBody>
+      </p:sp>
+      <p:pic>
+        <p:nvPicPr>
+          <p:cNvPr id="13319" name="Picture 3"/>
+          <p:cNvPicPr>
+            <a:picLocks noChangeAspect="1" noChangeArrowheads="1"/>
+          </p:cNvPicPr>
+          <p:nvPr/>
+        </p:nvPicPr>
+        <p:blipFill>
+          <a:blip r:embed="rId3"/>
+          <a:srcRect/>
+          <a:stretch>
+            <a:fillRect/>
+          </a:stretch>
+        </p:blipFill>
+        <p:spPr bwMode="auto">
+          <a:xfrm>
+            <a:off x="1143000" y="3214688"/>
+            <a:ext cx="1039813" cy="1071562"/>
+          </a:xfrm>
+          <a:prstGeom prst="rect">
+            <a:avLst/>
+          </a:prstGeom>
+          <a:noFill/>
+          <a:ln w="9525">
+            <a:noFill/>
+            <a:miter lim="800000"/>
+            <a:headEnd/>
+            <a:tailEnd/>
+          </a:ln>
+        </p:spPr>
+      </p:pic>
+      <p:sp>
+        <p:nvSpPr>
+          <p:cNvPr id="10" name="모서리가 둥근 직사각형 9"/>
+          <p:cNvSpPr/>
+          <p:nvPr/>
+        </p:nvSpPr>
+        <p:spPr>
+          <a:xfrm>
+            <a:off x="2428875" y="3214688"/>
+            <a:ext cx="5929313" cy="785812"/>
+          </a:xfrm>
+          <a:prstGeom prst="roundRect">
+            <a:avLst>
+              <a:gd name="adj" fmla="val 8204"/>
+            </a:avLst>
+          </a:prstGeom>
+          <a:solidFill>
+            <a:schemeClr val="accent5"/>
+          </a:solidFill>
+          <a:ln>
+            <a:noFill/>
+          </a:ln>
+        </p:spPr>
+        <p:style>
+          <a:lnRef idx="2">
+            <a:schemeClr val="accent1">
+              <a:shade val="50000"/>
+            </a:schemeClr>
+          </a:lnRef>
+          <a:fillRef idx="1">
+            <a:schemeClr val="accent1"/>
+          </a:fillRef>
+          <a:effectRef idx="0">
+            <a:schemeClr val="accent1"/>
+          </a:effectRef>
+          <a:fontRef idx="minor">
+            <a:schemeClr val="lt1"/>
+          </a:fontRef>
+        </p:style>
+        <p:txBody>
+          <a:bodyPr anchor="ctr"/>
+          <a:lstStyle/>
+          <a:p>
+            <a:pPr fontAlgn="auto">
+              <a:spcBef>
+                <a:spcPts val="0"/>
+              </a:spcBef>
+              <a:spcAft>
+                <a:spcPts val="0"/>
+              </a:spcAft>
+              <a:defRPr/>
+            </a:pPr>
+            <a:r>
+              <a:rPr kumimoji="0" lang="en-US" altLang="ko-KR" sz="1600" dirty="0"/>
+              <a:t>- </a:t>
+            </a:r>
+            <a:r>
+              <a:rPr kumimoji="0" lang="ko-KR" altLang="en-US" sz="1600" dirty="0"/>
+              <a:t>공격</a:t>
+            </a:r>
+            <a:r>
+              <a:rPr kumimoji="0" lang="en-US" altLang="ko-KR" sz="1600" dirty="0"/>
+              <a:t>. </a:t>
+            </a:r>
+            <a:r>
+              <a:rPr kumimoji="0" lang="ko-KR" altLang="en-US" sz="1600" dirty="0"/>
+              <a:t>총을 쏘고 반동으로</a:t>
+            </a:r>
+            <a:r>
+              <a:rPr kumimoji="0" lang="en-US" altLang="ko-KR" sz="1600" dirty="0"/>
+              <a:t> </a:t>
+            </a:r>
+            <a:r>
+              <a:rPr kumimoji="0" lang="ko-KR" altLang="en-US" sz="1600" dirty="0"/>
+              <a:t>밀려났다가 다시 돌아온다</a:t>
+            </a:r>
+            <a:r>
+              <a:rPr kumimoji="0" lang="en-US" altLang="ko-KR" sz="1600" dirty="0"/>
+              <a:t>.</a:t>
+            </a:r>
+            <a:endParaRPr kumimoji="0" lang="en-US" altLang="ko-KR" sz="1600" u="sng" dirty="0"/>
+          </a:p>
+        </p:txBody>
+      </p:sp>
+      <p:cxnSp>
+        <p:nvCxnSpPr>
+          <p:cNvPr id="12" name="직선 화살표 연결선 11"/>
+          <p:cNvCxnSpPr/>
+          <p:nvPr/>
+        </p:nvCxnSpPr>
+        <p:spPr>
+          <a:xfrm rot="5400000">
+            <a:off x="1285081" y="2999582"/>
+            <a:ext cx="428625" cy="1588"/>
+          </a:xfrm>
+          <a:prstGeom prst="straightConnector1">
+            <a:avLst/>
+          </a:prstGeom>
+          <a:ln w="31750">
+            <a:solidFill>
+              <a:srgbClr val="FF0000"/>
+            </a:solidFill>
+            <a:tailEnd type="arrow"/>
+          </a:ln>
+        </p:spPr>
+        <p:style>
+          <a:lnRef idx="1">
+            <a:schemeClr val="accent1"/>
+          </a:lnRef>
+          <a:fillRef idx="0">
+            <a:schemeClr val="accent1"/>
+          </a:fillRef>
+          <a:effectRef idx="0">
+            <a:schemeClr val="accent1"/>
+          </a:effectRef>
+          <a:fontRef idx="minor">
+            <a:schemeClr val="tx1"/>
+          </a:fontRef>
+        </p:style>
+      </p:cxnSp>
+      <p:cxnSp>
+        <p:nvCxnSpPr>
+          <p:cNvPr id="13" name="직선 화살표 연결선 12"/>
+          <p:cNvCxnSpPr/>
+          <p:nvPr/>
+        </p:nvCxnSpPr>
+        <p:spPr>
+          <a:xfrm rot="5400000" flipH="1" flipV="1">
+            <a:off x="1454150" y="2974975"/>
+            <a:ext cx="581025" cy="60325"/>
+          </a:xfrm>
+          <a:prstGeom prst="straightConnector1">
+            <a:avLst/>
+          </a:prstGeom>
+          <a:ln w="31750">
+            <a:solidFill>
+              <a:srgbClr val="FF0000"/>
+            </a:solidFill>
+            <a:tailEnd type="arrow"/>
+          </a:ln>
+        </p:spPr>
+        <p:style>
+          <a:lnRef idx="1">
+            <a:schemeClr val="accent1"/>
+          </a:lnRef>
+          <a:fillRef idx="0">
+            <a:schemeClr val="accent1"/>
+          </a:fillRef>
+          <a:effectRef idx="0">
+            <a:schemeClr val="accent1"/>
+          </a:effectRef>
+          <a:fontRef idx="minor">
+            <a:schemeClr val="tx1"/>
+          </a:fontRef>
+        </p:style>
+      </p:cxnSp>
+      <p:pic>
+        <p:nvPicPr>
+          <p:cNvPr id="13323" name="Picture 4"/>
+          <p:cNvPicPr>
+            <a:picLocks noChangeAspect="1" noChangeArrowheads="1"/>
+          </p:cNvPicPr>
+          <p:nvPr/>
+        </p:nvPicPr>
+        <p:blipFill>
+          <a:blip r:embed="rId4"/>
+          <a:srcRect/>
+          <a:stretch>
+            <a:fillRect/>
+          </a:stretch>
+        </p:blipFill>
+        <p:spPr bwMode="auto">
+          <a:xfrm>
+            <a:off x="928688" y="5643563"/>
+            <a:ext cx="1150937" cy="835025"/>
+          </a:xfrm>
+          <a:prstGeom prst="rect">
+            <a:avLst/>
+          </a:prstGeom>
+          <a:noFill/>
+          <a:ln w="9525">
+            <a:noFill/>
+            <a:miter lim="800000"/>
+            <a:headEnd/>
+            <a:tailEnd/>
+          </a:ln>
+        </p:spPr>
+      </p:pic>
+      <p:sp>
+        <p:nvSpPr>
+          <p:cNvPr id="16" name="모서리가 둥근 직사각형 15"/>
+          <p:cNvSpPr/>
+          <p:nvPr/>
+        </p:nvSpPr>
+        <p:spPr>
+          <a:xfrm>
+            <a:off x="2357438" y="5715000"/>
+            <a:ext cx="5929312" cy="785813"/>
+          </a:xfrm>
+          <a:prstGeom prst="roundRect">
+            <a:avLst>
+              <a:gd name="adj" fmla="val 8204"/>
+            </a:avLst>
+          </a:prstGeom>
+          <a:solidFill>
+            <a:schemeClr val="accent5"/>
+          </a:solidFill>
+          <a:ln>
+            <a:noFill/>
+          </a:ln>
+        </p:spPr>
+        <p:style>
+          <a:lnRef idx="2">
+            <a:schemeClr val="accent1">
+              <a:shade val="50000"/>
+            </a:schemeClr>
+          </a:lnRef>
+          <a:fillRef idx="1">
+            <a:schemeClr val="accent1"/>
+          </a:fillRef>
+          <a:effectRef idx="0">
+            <a:schemeClr val="accent1"/>
+          </a:effectRef>
+          <a:fontRef idx="minor">
+            <a:schemeClr val="lt1"/>
+          </a:fontRef>
+        </p:style>
+        <p:txBody>
+          <a:bodyPr anchor="ctr"/>
+          <a:lstStyle/>
+          <a:p>
+            <a:pPr fontAlgn="auto">
+              <a:spcBef>
+                <a:spcPts val="0"/>
+              </a:spcBef>
+              <a:spcAft>
+                <a:spcPts val="0"/>
+              </a:spcAft>
+              <a:defRPr/>
+            </a:pPr>
+            <a:r>
+              <a:rPr kumimoji="0" lang="en-US" altLang="ko-KR" sz="1600" dirty="0"/>
+              <a:t>- </a:t>
+            </a:r>
+            <a:r>
+              <a:rPr kumimoji="0" lang="ko-KR" altLang="en-US" sz="1600" dirty="0"/>
+              <a:t>게임오버</a:t>
+            </a:r>
+            <a:r>
+              <a:rPr kumimoji="0" lang="en-US" altLang="ko-KR" sz="1600" dirty="0"/>
+              <a:t>. </a:t>
+            </a:r>
+            <a:r>
+              <a:rPr kumimoji="0" lang="ko-KR" altLang="en-US" sz="1600" dirty="0"/>
+              <a:t>좌절한 모습</a:t>
+            </a:r>
+            <a:r>
+              <a:rPr kumimoji="0" lang="en-US" altLang="ko-KR" sz="1600" dirty="0"/>
+              <a:t>. </a:t>
+            </a:r>
+            <a:r>
+              <a:rPr kumimoji="0" lang="ko-KR" altLang="en-US" sz="1600" dirty="0"/>
+              <a:t>옆모습 말고 뒷모습도 좋을 듯</a:t>
+            </a:r>
+            <a:r>
+              <a:rPr kumimoji="0" lang="en-US" altLang="ko-KR" sz="1600" dirty="0"/>
+              <a:t>.</a:t>
+            </a:r>
+            <a:endParaRPr kumimoji="0" lang="en-US" altLang="ko-KR" sz="1600" u="sng" dirty="0"/>
+          </a:p>
+        </p:txBody>
+      </p:sp>
+    </p:spTree>
+  </p:cSld>
+  <p:clrMapOvr>
+    <a:masterClrMapping/>
+  </p:clrMapOvr>
+</p:sld>
+</file>
+
+<file path=ppt/slides/slide13.xml><?xml version="1.0" encoding="utf-8"?>
+<p:sld xmlns:a="http://schemas.openxmlformats.org/drawingml/2006/main" xmlns:r="http://schemas.openxmlformats.org/officeDocument/2006/relationships" xmlns:p="http://schemas.openxmlformats.org/presentationml/2006/main">
+  <p:cSld>
+    <p:spTree>
+      <p:nvGrpSpPr>
+        <p:cNvPr id="1" name=""/>
+        <p:cNvGrpSpPr/>
+        <p:nvPr/>
+      </p:nvGrpSpPr>
+      <p:grpSpPr>
+        <a:xfrm>
+          <a:off x="0" y="0"/>
+          <a:ext cx="0" cy="0"/>
+          <a:chOff x="0" y="0"/>
+          <a:chExt cx="0" cy="0"/>
+        </a:xfrm>
+      </p:grpSpPr>
+      <p:sp>
+        <p:nvSpPr>
+          <p:cNvPr id="13314" name="제목 1"/>
+          <p:cNvSpPr>
+            <a:spLocks noGrp="1"/>
+          </p:cNvSpPr>
+          <p:nvPr>
+            <p:ph type="title"/>
+          </p:nvPr>
+        </p:nvSpPr>
+        <p:spPr/>
+        <p:txBody>
+          <a:bodyPr/>
+          <a:lstStyle/>
+          <a:p>
+            <a:pPr eaLnBrk="1" hangingPunct="1"/>
+            <a:r>
+              <a:rPr lang="en-US" altLang="ko-KR" dirty="0" smtClean="0"/>
+              <a:t>3. </a:t>
+            </a:r>
+            <a:r>
+              <a:rPr lang="ko-KR" altLang="en-US" dirty="0" smtClean="0"/>
+              <a:t>캐릭터 </a:t>
+            </a:r>
+            <a:r>
+              <a:rPr lang="en-US" altLang="ko-KR" dirty="0" smtClean="0"/>
+              <a:t>(</a:t>
+            </a:r>
+            <a:r>
+              <a:rPr lang="ko-KR" altLang="en-US" dirty="0" err="1" smtClean="0"/>
+              <a:t>미이라</a:t>
+            </a:r>
+            <a:r>
+              <a:rPr lang="en-US" altLang="ko-KR" dirty="0" smtClean="0"/>
+              <a:t>)</a:t>
+            </a:r>
+            <a:endParaRPr lang="ko-KR" altLang="en-US" dirty="0" smtClean="0"/>
+          </a:p>
+        </p:txBody>
+      </p:sp>
+      <p:pic>
+        <p:nvPicPr>
+          <p:cNvPr id="1026" name="Picture 2"/>
+          <p:cNvPicPr>
+            <a:picLocks noChangeAspect="1" noChangeArrowheads="1"/>
+          </p:cNvPicPr>
+          <p:nvPr/>
+        </p:nvPicPr>
+        <p:blipFill>
+          <a:blip r:embed="rId2"/>
+          <a:srcRect/>
+          <a:stretch>
+            <a:fillRect/>
+          </a:stretch>
+        </p:blipFill>
+        <p:spPr bwMode="auto">
+          <a:xfrm>
+            <a:off x="714348" y="3000372"/>
+            <a:ext cx="1008008" cy="1139488"/>
+          </a:xfrm>
+          <a:prstGeom prst="rect">
+            <a:avLst/>
+          </a:prstGeom>
+          <a:noFill/>
+          <a:ln w="9525">
+            <a:noFill/>
+            <a:miter lim="800000"/>
+            <a:headEnd/>
+            <a:tailEnd/>
+          </a:ln>
+          <a:effectLst/>
+        </p:spPr>
+      </p:pic>
+      <p:sp>
+        <p:nvSpPr>
+          <p:cNvPr id="14" name="모서리가 둥근 직사각형 13"/>
+          <p:cNvSpPr/>
+          <p:nvPr/>
+        </p:nvSpPr>
+        <p:spPr>
+          <a:xfrm>
+            <a:off x="1928794" y="2714620"/>
+            <a:ext cx="5929312" cy="642938"/>
+          </a:xfrm>
+          <a:prstGeom prst="roundRect">
+            <a:avLst>
+              <a:gd name="adj" fmla="val 8204"/>
+            </a:avLst>
+          </a:prstGeom>
+          <a:solidFill>
+            <a:schemeClr val="accent5"/>
+          </a:solidFill>
+          <a:ln>
+            <a:noFill/>
+          </a:ln>
+        </p:spPr>
+        <p:style>
+          <a:lnRef idx="2">
+            <a:schemeClr val="accent1">
+              <a:shade val="50000"/>
+            </a:schemeClr>
+          </a:lnRef>
+          <a:fillRef idx="1">
+            <a:schemeClr val="accent1"/>
+          </a:fillRef>
+          <a:effectRef idx="0">
+            <a:schemeClr val="accent1"/>
+          </a:effectRef>
+          <a:fontRef idx="minor">
+            <a:schemeClr val="lt1"/>
+          </a:fontRef>
+        </p:style>
+        <p:txBody>
+          <a:bodyPr anchor="ctr"/>
+          <a:lstStyle/>
+          <a:p>
+            <a:pPr fontAlgn="auto">
+              <a:spcBef>
+                <a:spcPts val="0"/>
+              </a:spcBef>
+              <a:spcAft>
+                <a:spcPts val="0"/>
+              </a:spcAft>
+              <a:defRPr/>
+            </a:pPr>
+            <a:r>
+              <a:rPr kumimoji="0" lang="en-US" altLang="ko-KR" sz="1600" dirty="0"/>
+              <a:t>- </a:t>
+            </a:r>
+            <a:r>
+              <a:rPr kumimoji="0" lang="ko-KR" altLang="en-US" sz="1600" dirty="0" err="1" smtClean="0"/>
+              <a:t>워킹</a:t>
+            </a:r>
+            <a:r>
+              <a:rPr kumimoji="0" lang="en-US" altLang="ko-KR" sz="1600" dirty="0" smtClean="0"/>
+              <a:t>. </a:t>
+            </a:r>
+            <a:r>
+              <a:rPr kumimoji="0" lang="ko-KR" altLang="en-US" sz="1600" dirty="0" smtClean="0"/>
+              <a:t>앞으로 천천히 전진한다</a:t>
+            </a:r>
+            <a:r>
+              <a:rPr kumimoji="0" lang="en-US" altLang="ko-KR" sz="1600" dirty="0" smtClean="0"/>
+              <a:t>.</a:t>
+            </a:r>
+            <a:endParaRPr kumimoji="0" lang="en-US" altLang="ko-KR" sz="1600" u="sng" dirty="0"/>
+          </a:p>
+        </p:txBody>
+      </p:sp>
+      <p:sp>
+        <p:nvSpPr>
+          <p:cNvPr id="15" name="모서리가 둥근 직사각형 14"/>
+          <p:cNvSpPr/>
+          <p:nvPr/>
+        </p:nvSpPr>
+        <p:spPr>
+          <a:xfrm>
+            <a:off x="571472" y="1643050"/>
+            <a:ext cx="7143758" cy="642938"/>
+          </a:xfrm>
+          <a:prstGeom prst="roundRect">
+            <a:avLst>
+              <a:gd name="adj" fmla="val 8204"/>
+            </a:avLst>
+          </a:prstGeom>
+          <a:solidFill>
+            <a:schemeClr val="accent2">
+              <a:lumMod val="75000"/>
+            </a:schemeClr>
+          </a:solidFill>
+          <a:ln>
+            <a:noFill/>
+          </a:ln>
+        </p:spPr>
+        <p:style>
+          <a:lnRef idx="2">
+            <a:schemeClr val="accent1">
+              <a:shade val="50000"/>
+            </a:schemeClr>
+          </a:lnRef>
+          <a:fillRef idx="1">
+            <a:schemeClr val="accent1"/>
+          </a:fillRef>
+          <a:effectRef idx="0">
+            <a:schemeClr val="accent1"/>
+          </a:effectRef>
+          <a:fontRef idx="minor">
+            <a:schemeClr val="lt1"/>
+          </a:fontRef>
+        </p:style>
+        <p:txBody>
+          <a:bodyPr anchor="ctr"/>
+          <a:lstStyle/>
+          <a:p>
+            <a:pPr algn="ctr" fontAlgn="auto">
+              <a:spcBef>
+                <a:spcPts val="0"/>
+              </a:spcBef>
+              <a:spcAft>
+                <a:spcPts val="0"/>
+              </a:spcAft>
+              <a:defRPr/>
+            </a:pPr>
+            <a:r>
+              <a:rPr kumimoji="0" lang="ko-KR" altLang="en-US" sz="1600" dirty="0" smtClean="0"/>
+              <a:t>오래된 시체</a:t>
+            </a:r>
+            <a:r>
+              <a:rPr kumimoji="0" lang="en-US" altLang="ko-KR" sz="1600" dirty="0" smtClean="0"/>
+              <a:t>, </a:t>
+            </a:r>
+            <a:r>
+              <a:rPr kumimoji="0" lang="ko-KR" altLang="en-US" sz="1600" dirty="0" smtClean="0"/>
+              <a:t>낡은 붕대의 느낌보다 </a:t>
+            </a:r>
+            <a:r>
+              <a:rPr kumimoji="0" lang="ko-KR" altLang="en-US" sz="1600" dirty="0" err="1" smtClean="0"/>
+              <a:t>팬시</a:t>
+            </a:r>
+            <a:r>
+              <a:rPr kumimoji="0" lang="ko-KR" altLang="en-US" sz="1600" dirty="0" smtClean="0"/>
+              <a:t> 풍 귀여운 캐릭터로 표현</a:t>
+            </a:r>
+            <a:endParaRPr kumimoji="0" lang="en-US" altLang="ko-KR" sz="1600" u="sng" dirty="0"/>
+          </a:p>
+        </p:txBody>
+      </p:sp>
+      <p:sp>
+        <p:nvSpPr>
+          <p:cNvPr id="17" name="모서리가 둥근 직사각형 16"/>
+          <p:cNvSpPr/>
+          <p:nvPr/>
+        </p:nvSpPr>
+        <p:spPr>
+          <a:xfrm>
+            <a:off x="1857356" y="3571876"/>
+            <a:ext cx="5929312" cy="642938"/>
+          </a:xfrm>
+          <a:prstGeom prst="roundRect">
+            <a:avLst>
+              <a:gd name="adj" fmla="val 8204"/>
+            </a:avLst>
+          </a:prstGeom>
+          <a:solidFill>
+            <a:schemeClr val="accent5"/>
+          </a:solidFill>
+          <a:ln>
+            <a:noFill/>
+          </a:ln>
+        </p:spPr>
+        <p:style>
+          <a:lnRef idx="2">
+            <a:schemeClr val="accent1">
+              <a:shade val="50000"/>
+            </a:schemeClr>
+          </a:lnRef>
+          <a:fillRef idx="1">
+            <a:schemeClr val="accent1"/>
+          </a:fillRef>
+          <a:effectRef idx="0">
+            <a:schemeClr val="accent1"/>
+          </a:effectRef>
+          <a:fontRef idx="minor">
+            <a:schemeClr val="lt1"/>
+          </a:fontRef>
+        </p:style>
+        <p:txBody>
+          <a:bodyPr anchor="ctr"/>
+          <a:lstStyle/>
+          <a:p>
+            <a:pPr fontAlgn="auto">
+              <a:spcBef>
+                <a:spcPts val="0"/>
+              </a:spcBef>
+              <a:spcAft>
+                <a:spcPts val="0"/>
+              </a:spcAft>
+              <a:defRPr/>
+            </a:pPr>
+            <a:r>
+              <a:rPr kumimoji="0" lang="en-US" altLang="ko-KR" sz="1600" dirty="0"/>
+              <a:t>- </a:t>
+            </a:r>
+            <a:r>
+              <a:rPr kumimoji="0" lang="ko-KR" altLang="en-US" sz="1600" dirty="0" smtClean="0"/>
+              <a:t>대미지</a:t>
+            </a:r>
+            <a:r>
+              <a:rPr kumimoji="0" lang="en-US" altLang="ko-KR" sz="1600" dirty="0" smtClean="0"/>
+              <a:t> </a:t>
+            </a:r>
+            <a:r>
+              <a:rPr kumimoji="0" lang="ko-KR" altLang="en-US" sz="1600" dirty="0" smtClean="0"/>
+              <a:t>상태</a:t>
+            </a:r>
+            <a:r>
+              <a:rPr kumimoji="0" lang="en-US" altLang="ko-KR" sz="1600" dirty="0" smtClean="0"/>
+              <a:t>. </a:t>
+            </a:r>
+            <a:r>
+              <a:rPr kumimoji="0" lang="ko-KR" altLang="en-US" sz="1600" dirty="0" smtClean="0"/>
+              <a:t>따로 독립된 동작이 있어도 좋고</a:t>
+            </a:r>
+            <a:r>
+              <a:rPr kumimoji="0" lang="en-US" altLang="ko-KR" sz="1600" dirty="0" smtClean="0"/>
+              <a:t>, </a:t>
+            </a:r>
+            <a:r>
+              <a:rPr kumimoji="0" lang="ko-KR" altLang="en-US" sz="1600" dirty="0" smtClean="0"/>
+              <a:t>하얗게 색상변화를 하는 식으로 심플하게 가도 </a:t>
+            </a:r>
+            <a:r>
+              <a:rPr kumimoji="0" lang="en-US" altLang="ko-KR" sz="1600" dirty="0" smtClean="0"/>
+              <a:t>OK.</a:t>
+            </a:r>
+            <a:endParaRPr kumimoji="0" lang="en-US" altLang="ko-KR" sz="1600" u="sng" dirty="0"/>
+          </a:p>
+        </p:txBody>
+      </p:sp>
+    </p:spTree>
+  </p:cSld>
+  <p:clrMapOvr>
+    <a:masterClrMapping/>
+  </p:clrMapOvr>
+</p:sld>
+</file>
+
+<file path=ppt/slides/slide14.xml><?xml version="1.0" encoding="utf-8"?>
+<p:sld xmlns:a="http://schemas.openxmlformats.org/drawingml/2006/main" xmlns:r="http://schemas.openxmlformats.org/officeDocument/2006/relationships" xmlns:p="http://schemas.openxmlformats.org/presentationml/2006/main">
+  <p:cSld>
+    <p:spTree>
+      <p:nvGrpSpPr>
+        <p:cNvPr id="1" name=""/>
+        <p:cNvGrpSpPr/>
+        <p:nvPr/>
+      </p:nvGrpSpPr>
+      <p:grpSpPr>
+        <a:xfrm>
+          <a:off x="0" y="0"/>
+          <a:ext cx="0" cy="0"/>
+          <a:chOff x="0" y="0"/>
+          <a:chExt cx="0" cy="0"/>
+        </a:xfrm>
+      </p:grpSpPr>
+      <p:sp>
+        <p:nvSpPr>
+          <p:cNvPr id="13314" name="제목 1"/>
+          <p:cNvSpPr>
+            <a:spLocks noGrp="1"/>
+          </p:cNvSpPr>
+          <p:nvPr>
+            <p:ph type="title"/>
+          </p:nvPr>
+        </p:nvSpPr>
+        <p:spPr/>
+        <p:txBody>
+          <a:bodyPr/>
+          <a:lstStyle/>
+          <a:p>
+            <a:pPr eaLnBrk="1" hangingPunct="1"/>
+            <a:r>
+              <a:rPr lang="en-US" altLang="ko-KR" dirty="0" smtClean="0"/>
+              <a:t>3. </a:t>
+            </a:r>
+            <a:r>
+              <a:rPr lang="ko-KR" altLang="en-US" dirty="0" smtClean="0"/>
+              <a:t>캐릭터 </a:t>
+            </a:r>
+            <a:r>
+              <a:rPr lang="en-US" altLang="ko-KR" dirty="0" smtClean="0"/>
+              <a:t>(</a:t>
+            </a:r>
+            <a:r>
+              <a:rPr lang="ko-KR" altLang="en-US" dirty="0" err="1" smtClean="0"/>
+              <a:t>드라큐라</a:t>
+            </a:r>
+            <a:r>
+              <a:rPr lang="en-US" altLang="ko-KR" dirty="0" smtClean="0"/>
+              <a:t>)</a:t>
+            </a:r>
+            <a:endParaRPr lang="ko-KR" altLang="en-US" dirty="0" smtClean="0"/>
+          </a:p>
+        </p:txBody>
+      </p:sp>
+      <p:sp>
+        <p:nvSpPr>
+          <p:cNvPr id="14" name="모서리가 둥근 직사각형 13"/>
+          <p:cNvSpPr/>
+          <p:nvPr/>
+        </p:nvSpPr>
+        <p:spPr>
+          <a:xfrm>
+            <a:off x="1928794" y="2714620"/>
+            <a:ext cx="5929312" cy="642938"/>
+          </a:xfrm>
+          <a:prstGeom prst="roundRect">
+            <a:avLst>
+              <a:gd name="adj" fmla="val 8204"/>
+            </a:avLst>
+          </a:prstGeom>
+          <a:solidFill>
+            <a:schemeClr val="accent5"/>
+          </a:solidFill>
+          <a:ln>
+            <a:noFill/>
+          </a:ln>
+        </p:spPr>
+        <p:style>
+          <a:lnRef idx="2">
+            <a:schemeClr val="accent1">
+              <a:shade val="50000"/>
+            </a:schemeClr>
+          </a:lnRef>
+          <a:fillRef idx="1">
+            <a:schemeClr val="accent1"/>
+          </a:fillRef>
+          <a:effectRef idx="0">
+            <a:schemeClr val="accent1"/>
+          </a:effectRef>
+          <a:fontRef idx="minor">
+            <a:schemeClr val="lt1"/>
+          </a:fontRef>
+        </p:style>
+        <p:txBody>
+          <a:bodyPr anchor="ctr"/>
+          <a:lstStyle/>
+          <a:p>
+            <a:pPr fontAlgn="auto">
+              <a:spcBef>
+                <a:spcPts val="0"/>
+              </a:spcBef>
+              <a:spcAft>
+                <a:spcPts val="0"/>
+              </a:spcAft>
+              <a:defRPr/>
+            </a:pPr>
+            <a:r>
+              <a:rPr kumimoji="0" lang="en-US" altLang="ko-KR" sz="1600" dirty="0"/>
+              <a:t>- </a:t>
+            </a:r>
+            <a:r>
+              <a:rPr kumimoji="0" lang="en-US" altLang="ko-KR" sz="1600" dirty="0" smtClean="0"/>
+              <a:t>Stand by. </a:t>
+            </a:r>
+            <a:r>
+              <a:rPr kumimoji="0" lang="ko-KR" altLang="en-US" sz="1600" dirty="0" smtClean="0"/>
+              <a:t>손을 앞으로 뻗는다던가</a:t>
+            </a:r>
+            <a:r>
+              <a:rPr kumimoji="0" lang="en-US" altLang="ko-KR" sz="1600" dirty="0" smtClean="0"/>
+              <a:t>, </a:t>
+            </a:r>
+            <a:r>
+              <a:rPr kumimoji="0" lang="ko-KR" altLang="en-US" sz="1600" dirty="0" smtClean="0"/>
+              <a:t>팔짱을 끼고 크게 웃는 다던가</a:t>
+            </a:r>
+            <a:r>
+              <a:rPr kumimoji="0" lang="en-US" altLang="ko-KR" sz="1600" dirty="0" smtClean="0"/>
+              <a:t>. </a:t>
+            </a:r>
+            <a:r>
+              <a:rPr kumimoji="0" lang="ko-KR" altLang="en-US" sz="1600" dirty="0" smtClean="0"/>
+              <a:t>턱에 손을 괴고 </a:t>
+            </a:r>
+            <a:r>
+              <a:rPr kumimoji="0" lang="ko-KR" altLang="en-US" sz="1600" dirty="0" err="1" smtClean="0"/>
+              <a:t>얼짱포즈를</a:t>
+            </a:r>
+            <a:r>
+              <a:rPr kumimoji="0" lang="ko-KR" altLang="en-US" sz="1600" dirty="0" smtClean="0"/>
+              <a:t> 짓는 다던가 하면 좋을 듯</a:t>
+            </a:r>
+            <a:r>
+              <a:rPr kumimoji="0" lang="en-US" altLang="ko-KR" sz="1600" dirty="0" smtClean="0"/>
+              <a:t>.</a:t>
+            </a:r>
+            <a:endParaRPr kumimoji="0" lang="en-US" altLang="ko-KR" sz="1600" u="sng" dirty="0"/>
+          </a:p>
+        </p:txBody>
+      </p:sp>
+      <p:sp>
+        <p:nvSpPr>
+          <p:cNvPr id="17" name="모서리가 둥근 직사각형 16"/>
+          <p:cNvSpPr/>
+          <p:nvPr/>
+        </p:nvSpPr>
+        <p:spPr>
+          <a:xfrm>
+            <a:off x="1857356" y="3571876"/>
+            <a:ext cx="5929312" cy="642938"/>
+          </a:xfrm>
+          <a:prstGeom prst="roundRect">
+            <a:avLst>
+              <a:gd name="adj" fmla="val 8204"/>
+            </a:avLst>
+          </a:prstGeom>
+          <a:solidFill>
+            <a:schemeClr val="accent5"/>
+          </a:solidFill>
+          <a:ln>
+            <a:noFill/>
+          </a:ln>
+        </p:spPr>
+        <p:style>
+          <a:lnRef idx="2">
+            <a:schemeClr val="accent1">
+              <a:shade val="50000"/>
+            </a:schemeClr>
+          </a:lnRef>
+          <a:fillRef idx="1">
+            <a:schemeClr val="accent1"/>
+          </a:fillRef>
+          <a:effectRef idx="0">
+            <a:schemeClr val="accent1"/>
+          </a:effectRef>
+          <a:fontRef idx="minor">
+            <a:schemeClr val="lt1"/>
+          </a:fontRef>
+        </p:style>
+        <p:txBody>
+          <a:bodyPr anchor="ctr"/>
+          <a:lstStyle/>
+          <a:p>
+            <a:pPr fontAlgn="auto">
+              <a:spcBef>
+                <a:spcPts val="0"/>
+              </a:spcBef>
+              <a:spcAft>
+                <a:spcPts val="0"/>
+              </a:spcAft>
+              <a:defRPr/>
+            </a:pPr>
+            <a:r>
+              <a:rPr kumimoji="0" lang="en-US" altLang="ko-KR" sz="1600" dirty="0"/>
+              <a:t>- </a:t>
+            </a:r>
+            <a:r>
+              <a:rPr kumimoji="0" lang="ko-KR" altLang="en-US" sz="1600" dirty="0" err="1" smtClean="0"/>
+              <a:t>히든</a:t>
+            </a:r>
+            <a:r>
+              <a:rPr kumimoji="0" lang="en-US" altLang="ko-KR" sz="1600" dirty="0" smtClean="0"/>
+              <a:t> </a:t>
+            </a:r>
+            <a:r>
+              <a:rPr kumimoji="0" lang="ko-KR" altLang="en-US" sz="1600" dirty="0" smtClean="0"/>
+              <a:t>상태</a:t>
+            </a:r>
+            <a:r>
+              <a:rPr kumimoji="0" lang="en-US" altLang="ko-KR" sz="1600" dirty="0" smtClean="0"/>
+              <a:t>. </a:t>
+            </a:r>
+            <a:r>
+              <a:rPr kumimoji="0" lang="ko-KR" altLang="en-US" sz="1600" dirty="0" err="1" smtClean="0"/>
+              <a:t>망또를</a:t>
+            </a:r>
+            <a:r>
+              <a:rPr kumimoji="0" lang="ko-KR" altLang="en-US" sz="1600" dirty="0" smtClean="0"/>
+              <a:t> 휘감으며 펑</a:t>
+            </a:r>
+            <a:r>
+              <a:rPr kumimoji="0" lang="en-US" altLang="ko-KR" sz="1600" dirty="0" smtClean="0"/>
+              <a:t>! </a:t>
+            </a:r>
+            <a:r>
+              <a:rPr kumimoji="0" lang="ko-KR" altLang="en-US" sz="1600" dirty="0" smtClean="0"/>
+              <a:t>하고 사라진다</a:t>
+            </a:r>
+            <a:r>
+              <a:rPr kumimoji="0" lang="en-US" altLang="ko-KR" sz="1600" dirty="0" smtClean="0"/>
+              <a:t>.</a:t>
+            </a:r>
+            <a:endParaRPr kumimoji="0" lang="en-US" altLang="ko-KR" sz="1600" u="sng" dirty="0"/>
+          </a:p>
+        </p:txBody>
+      </p:sp>
+      <p:pic>
+        <p:nvPicPr>
+          <p:cNvPr id="2050" name="Picture 2"/>
+          <p:cNvPicPr>
+            <a:picLocks noChangeAspect="1" noChangeArrowheads="1"/>
+          </p:cNvPicPr>
+          <p:nvPr/>
+        </p:nvPicPr>
+        <p:blipFill>
+          <a:blip r:embed="rId2"/>
+          <a:srcRect/>
+          <a:stretch>
+            <a:fillRect/>
+          </a:stretch>
+        </p:blipFill>
+        <p:spPr bwMode="auto">
+          <a:xfrm>
+            <a:off x="642910" y="2643182"/>
+            <a:ext cx="960718" cy="714380"/>
+          </a:xfrm>
+          <a:prstGeom prst="rect">
+            <a:avLst/>
+          </a:prstGeom>
+          <a:noFill/>
+          <a:ln w="9525">
+            <a:noFill/>
+            <a:miter lim="800000"/>
+            <a:headEnd/>
+            <a:tailEnd/>
+          </a:ln>
+          <a:effectLst/>
+        </p:spPr>
+      </p:pic>
+      <p:pic>
+        <p:nvPicPr>
+          <p:cNvPr id="2051" name="Picture 3"/>
+          <p:cNvPicPr>
+            <a:picLocks noChangeAspect="1" noChangeArrowheads="1"/>
+          </p:cNvPicPr>
+          <p:nvPr/>
+        </p:nvPicPr>
+        <p:blipFill>
+          <a:blip r:embed="rId3"/>
+          <a:srcRect/>
+          <a:stretch>
+            <a:fillRect/>
+          </a:stretch>
+        </p:blipFill>
+        <p:spPr bwMode="auto">
+          <a:xfrm>
+            <a:off x="785786" y="4143380"/>
+            <a:ext cx="725902" cy="642942"/>
+          </a:xfrm>
+          <a:prstGeom prst="rect">
+            <a:avLst/>
+          </a:prstGeom>
+          <a:noFill/>
+          <a:ln w="9525">
+            <a:noFill/>
+            <a:miter lim="800000"/>
+            <a:headEnd/>
+            <a:tailEnd/>
+          </a:ln>
+          <a:effectLst/>
+        </p:spPr>
+      </p:pic>
+      <p:sp>
+        <p:nvSpPr>
+          <p:cNvPr id="9" name="모서리가 둥근 직사각형 8"/>
+          <p:cNvSpPr/>
+          <p:nvPr/>
+        </p:nvSpPr>
+        <p:spPr>
+          <a:xfrm>
+            <a:off x="1857356" y="5643578"/>
+            <a:ext cx="5929312" cy="642938"/>
+          </a:xfrm>
+          <a:prstGeom prst="roundRect">
+            <a:avLst>
+              <a:gd name="adj" fmla="val 8204"/>
+            </a:avLst>
+          </a:prstGeom>
+          <a:solidFill>
+            <a:schemeClr val="accent5"/>
+          </a:solidFill>
+          <a:ln>
+            <a:noFill/>
+          </a:ln>
+        </p:spPr>
+        <p:style>
+          <a:lnRef idx="2">
+            <a:schemeClr val="accent1">
+              <a:shade val="50000"/>
+            </a:schemeClr>
+          </a:lnRef>
+          <a:fillRef idx="1">
+            <a:schemeClr val="accent1"/>
+          </a:fillRef>
+          <a:effectRef idx="0">
+            <a:schemeClr val="accent1"/>
+          </a:effectRef>
+          <a:fontRef idx="minor">
+            <a:schemeClr val="lt1"/>
+          </a:fontRef>
+        </p:style>
+        <p:txBody>
+          <a:bodyPr anchor="ctr"/>
+          <a:lstStyle/>
+          <a:p>
+            <a:pPr fontAlgn="auto">
+              <a:spcBef>
+                <a:spcPts val="0"/>
+              </a:spcBef>
+              <a:spcAft>
+                <a:spcPts val="0"/>
+              </a:spcAft>
+              <a:defRPr/>
+            </a:pPr>
+            <a:r>
+              <a:rPr kumimoji="0" lang="en-US" altLang="ko-KR" sz="1600" dirty="0"/>
+              <a:t>- </a:t>
+            </a:r>
+            <a:r>
+              <a:rPr kumimoji="0" lang="ko-KR" altLang="en-US" sz="1600" dirty="0" smtClean="0"/>
+              <a:t>대미지</a:t>
+            </a:r>
+            <a:r>
+              <a:rPr kumimoji="0" lang="en-US" altLang="ko-KR" sz="1600" dirty="0" smtClean="0"/>
+              <a:t> </a:t>
+            </a:r>
+            <a:r>
+              <a:rPr kumimoji="0" lang="ko-KR" altLang="en-US" sz="1600" dirty="0" smtClean="0"/>
+              <a:t>상태</a:t>
+            </a:r>
+            <a:r>
+              <a:rPr kumimoji="0" lang="en-US" altLang="ko-KR" sz="1600" dirty="0" smtClean="0"/>
+              <a:t>. </a:t>
+            </a:r>
+            <a:r>
+              <a:rPr kumimoji="0" lang="ko-KR" altLang="en-US" sz="1600" dirty="0" smtClean="0"/>
+              <a:t>따로 독립된 동작이 있어도 좋고</a:t>
+            </a:r>
+            <a:r>
+              <a:rPr kumimoji="0" lang="en-US" altLang="ko-KR" sz="1600" dirty="0" smtClean="0"/>
+              <a:t>, </a:t>
+            </a:r>
+            <a:r>
+              <a:rPr kumimoji="0" lang="ko-KR" altLang="en-US" sz="1600" dirty="0" smtClean="0"/>
+              <a:t>하얗게 색상변화를 하는 식으로 심플하게 가도 </a:t>
+            </a:r>
+            <a:r>
+              <a:rPr kumimoji="0" lang="en-US" altLang="ko-KR" sz="1600" dirty="0" smtClean="0"/>
+              <a:t>OK.</a:t>
+            </a:r>
+            <a:endParaRPr kumimoji="0" lang="en-US" altLang="ko-KR" sz="1600" u="sng" dirty="0"/>
+          </a:p>
+        </p:txBody>
+      </p:sp>
+      <p:sp>
+        <p:nvSpPr>
+          <p:cNvPr id="11" name="모서리가 둥근 직사각형 10"/>
+          <p:cNvSpPr/>
+          <p:nvPr/>
+        </p:nvSpPr>
+        <p:spPr>
+          <a:xfrm>
+            <a:off x="571472" y="1643050"/>
+            <a:ext cx="7143758" cy="642938"/>
+          </a:xfrm>
+          <a:prstGeom prst="roundRect">
+            <a:avLst>
+              <a:gd name="adj" fmla="val 8204"/>
+            </a:avLst>
+          </a:prstGeom>
+          <a:solidFill>
+            <a:schemeClr val="accent2">
+              <a:lumMod val="75000"/>
+            </a:schemeClr>
+          </a:solidFill>
+          <a:ln>
+            <a:noFill/>
+          </a:ln>
+        </p:spPr>
+        <p:style>
+          <a:lnRef idx="2">
+            <a:schemeClr val="accent1">
+              <a:shade val="50000"/>
+            </a:schemeClr>
+          </a:lnRef>
+          <a:fillRef idx="1">
+            <a:schemeClr val="accent1"/>
+          </a:fillRef>
+          <a:effectRef idx="0">
+            <a:schemeClr val="accent1"/>
+          </a:effectRef>
+          <a:fontRef idx="minor">
+            <a:schemeClr val="lt1"/>
+          </a:fontRef>
+        </p:style>
+        <p:txBody>
+          <a:bodyPr anchor="ctr"/>
+          <a:lstStyle/>
+          <a:p>
+            <a:pPr algn="ctr" fontAlgn="auto">
+              <a:spcBef>
+                <a:spcPts val="0"/>
+              </a:spcBef>
+              <a:spcAft>
+                <a:spcPts val="0"/>
+              </a:spcAft>
+              <a:defRPr/>
+            </a:pPr>
+            <a:r>
+              <a:rPr kumimoji="0" lang="ko-KR" altLang="en-US" sz="1600" dirty="0" smtClean="0"/>
+              <a:t>앞으로 이동을 하긴 하지만 주로 중간중간 사라졌다 나타난다</a:t>
+            </a:r>
+            <a:r>
+              <a:rPr kumimoji="0" lang="en-US" altLang="ko-KR" sz="1600" dirty="0" smtClean="0"/>
+              <a:t>.</a:t>
+            </a:r>
+            <a:endParaRPr kumimoji="0" lang="en-US" altLang="ko-KR" sz="1600" dirty="0"/>
+          </a:p>
+        </p:txBody>
+      </p:sp>
+      <p:sp>
+        <p:nvSpPr>
+          <p:cNvPr id="12" name="모서리가 둥근 직사각형 11"/>
+          <p:cNvSpPr/>
+          <p:nvPr/>
+        </p:nvSpPr>
+        <p:spPr>
+          <a:xfrm>
+            <a:off x="1785918" y="4500570"/>
+            <a:ext cx="5929312" cy="642938"/>
+          </a:xfrm>
+          <a:prstGeom prst="roundRect">
+            <a:avLst>
+              <a:gd name="adj" fmla="val 8204"/>
+            </a:avLst>
+          </a:prstGeom>
+          <a:solidFill>
+            <a:schemeClr val="accent5"/>
+          </a:solidFill>
+          <a:ln>
+            <a:noFill/>
+          </a:ln>
+        </p:spPr>
+        <p:style>
+          <a:lnRef idx="2">
+            <a:schemeClr val="accent1">
+              <a:shade val="50000"/>
+            </a:schemeClr>
+          </a:lnRef>
+          <a:fillRef idx="1">
+            <a:schemeClr val="accent1"/>
+          </a:fillRef>
+          <a:effectRef idx="0">
+            <a:schemeClr val="accent1"/>
+          </a:effectRef>
+          <a:fontRef idx="minor">
+            <a:schemeClr val="lt1"/>
+          </a:fontRef>
+        </p:style>
+        <p:txBody>
+          <a:bodyPr anchor="ctr"/>
+          <a:lstStyle/>
+          <a:p>
+            <a:pPr fontAlgn="auto">
+              <a:spcBef>
+                <a:spcPts val="0"/>
+              </a:spcBef>
+              <a:spcAft>
+                <a:spcPts val="0"/>
+              </a:spcAft>
+              <a:defRPr/>
+            </a:pPr>
+            <a:r>
+              <a:rPr kumimoji="0" lang="en-US" altLang="ko-KR" sz="1600" dirty="0"/>
+              <a:t>- </a:t>
+            </a:r>
+            <a:r>
+              <a:rPr kumimoji="0" lang="ko-KR" altLang="en-US" sz="1600" dirty="0" smtClean="0"/>
+              <a:t>등장</a:t>
+            </a:r>
+            <a:r>
+              <a:rPr kumimoji="0" lang="en-US" altLang="ko-KR" sz="1600" dirty="0" smtClean="0"/>
+              <a:t> </a:t>
+            </a:r>
+            <a:r>
+              <a:rPr kumimoji="0" lang="ko-KR" altLang="en-US" sz="1600" dirty="0" smtClean="0"/>
+              <a:t>상태</a:t>
+            </a:r>
+            <a:r>
+              <a:rPr kumimoji="0" lang="en-US" altLang="ko-KR" sz="1600" dirty="0" smtClean="0"/>
+              <a:t>. </a:t>
+            </a:r>
+            <a:r>
+              <a:rPr kumimoji="0" lang="ko-KR" altLang="en-US" sz="1600" dirty="0" err="1" smtClean="0"/>
+              <a:t>히든</a:t>
+            </a:r>
+            <a:r>
+              <a:rPr kumimoji="0" lang="ko-KR" altLang="en-US" sz="1600" dirty="0" smtClean="0"/>
+              <a:t> 상태와 반대로</a:t>
+            </a:r>
+            <a:r>
+              <a:rPr kumimoji="0" lang="en-US" altLang="ko-KR" sz="1600" dirty="0" smtClean="0"/>
+              <a:t>.</a:t>
+            </a:r>
+            <a:endParaRPr kumimoji="0" lang="en-US" altLang="ko-KR" sz="1600" u="sng" dirty="0"/>
+          </a:p>
+        </p:txBody>
+      </p:sp>
+    </p:spTree>
+  </p:cSld>
+  <p:clrMapOvr>
+    <a:masterClrMapping/>
+  </p:clrMapOvr>
+</p:sld>
+</file>
+
+<file path=ppt/slides/slide15.xml><?xml version="1.0" encoding="utf-8"?>
+<p:sld xmlns:a="http://schemas.openxmlformats.org/drawingml/2006/main" xmlns:r="http://schemas.openxmlformats.org/officeDocument/2006/relationships" xmlns:p="http://schemas.openxmlformats.org/presentationml/2006/main">
+  <p:cSld>
+    <p:spTree>
+      <p:nvGrpSpPr>
+        <p:cNvPr id="1" name=""/>
+        <p:cNvGrpSpPr/>
+        <p:nvPr/>
+      </p:nvGrpSpPr>
+      <p:grpSpPr>
+        <a:xfrm>
+          <a:off x="0" y="0"/>
+          <a:ext cx="0" cy="0"/>
+          <a:chOff x="0" y="0"/>
+          <a:chExt cx="0" cy="0"/>
+        </a:xfrm>
+      </p:grpSpPr>
+      <p:sp>
+        <p:nvSpPr>
+          <p:cNvPr id="13314" name="제목 1"/>
+          <p:cNvSpPr>
+            <a:spLocks noGrp="1"/>
+          </p:cNvSpPr>
+          <p:nvPr>
+            <p:ph type="title"/>
+          </p:nvPr>
+        </p:nvSpPr>
+        <p:spPr/>
+        <p:txBody>
+          <a:bodyPr/>
+          <a:lstStyle/>
+          <a:p>
+            <a:pPr eaLnBrk="1" hangingPunct="1"/>
+            <a:r>
+              <a:rPr lang="en-US" altLang="ko-KR" dirty="0" smtClean="0"/>
+              <a:t>3. </a:t>
+            </a:r>
+            <a:r>
+              <a:rPr lang="ko-KR" altLang="en-US" dirty="0" smtClean="0"/>
+              <a:t>캐릭터 </a:t>
+            </a:r>
+            <a:r>
+              <a:rPr lang="en-US" altLang="ko-KR" dirty="0" smtClean="0"/>
+              <a:t>(</a:t>
+            </a:r>
+            <a:r>
+              <a:rPr lang="ko-KR" altLang="en-US" dirty="0" smtClean="0"/>
+              <a:t>늑대인간</a:t>
+            </a:r>
+            <a:r>
+              <a:rPr lang="en-US" altLang="ko-KR" dirty="0" smtClean="0"/>
+              <a:t>)</a:t>
+            </a:r>
+            <a:endParaRPr lang="ko-KR" altLang="en-US" dirty="0" smtClean="0"/>
+          </a:p>
+        </p:txBody>
+      </p:sp>
+      <p:sp>
+        <p:nvSpPr>
+          <p:cNvPr id="14" name="모서리가 둥근 직사각형 13"/>
+          <p:cNvSpPr/>
+          <p:nvPr/>
+        </p:nvSpPr>
+        <p:spPr>
+          <a:xfrm>
+            <a:off x="1928794" y="2714620"/>
+            <a:ext cx="5929312" cy="642938"/>
+          </a:xfrm>
+          <a:prstGeom prst="roundRect">
+            <a:avLst>
+              <a:gd name="adj" fmla="val 8204"/>
+            </a:avLst>
+          </a:prstGeom>
+          <a:solidFill>
+            <a:schemeClr val="accent5"/>
+          </a:solidFill>
+          <a:ln>
+            <a:noFill/>
+          </a:ln>
+        </p:spPr>
+        <p:style>
+          <a:lnRef idx="2">
+            <a:schemeClr val="accent1">
+              <a:shade val="50000"/>
+            </a:schemeClr>
+          </a:lnRef>
+          <a:fillRef idx="1">
+            <a:schemeClr val="accent1"/>
+          </a:fillRef>
+          <a:effectRef idx="0">
+            <a:schemeClr val="accent1"/>
+          </a:effectRef>
+          <a:fontRef idx="minor">
+            <a:schemeClr val="lt1"/>
+          </a:fontRef>
+        </p:style>
+        <p:txBody>
+          <a:bodyPr anchor="ctr"/>
+          <a:lstStyle/>
+          <a:p>
+            <a:pPr fontAlgn="auto">
+              <a:spcBef>
+                <a:spcPts val="0"/>
+              </a:spcBef>
+              <a:spcAft>
+                <a:spcPts val="0"/>
+              </a:spcAft>
+              <a:defRPr/>
+            </a:pPr>
+            <a:r>
+              <a:rPr kumimoji="0" lang="en-US" altLang="ko-KR" sz="1600" dirty="0"/>
+              <a:t>- </a:t>
+            </a:r>
+            <a:r>
+              <a:rPr kumimoji="0" lang="en-US" altLang="ko-KR" sz="1600" dirty="0" smtClean="0"/>
+              <a:t>Rush. </a:t>
+            </a:r>
+            <a:endParaRPr kumimoji="0" lang="en-US" altLang="ko-KR" sz="1600" u="sng" dirty="0"/>
+          </a:p>
+        </p:txBody>
+      </p:sp>
+      <p:sp>
+        <p:nvSpPr>
+          <p:cNvPr id="17" name="모서리가 둥근 직사각형 16"/>
+          <p:cNvSpPr/>
+          <p:nvPr/>
+        </p:nvSpPr>
+        <p:spPr>
+          <a:xfrm>
+            <a:off x="1857356" y="3571876"/>
+            <a:ext cx="5929312" cy="1285884"/>
+          </a:xfrm>
+          <a:prstGeom prst="roundRect">
+            <a:avLst>
+              <a:gd name="adj" fmla="val 8204"/>
+            </a:avLst>
+          </a:prstGeom>
+          <a:solidFill>
+            <a:schemeClr val="accent5"/>
+          </a:solidFill>
+          <a:ln>
+            <a:noFill/>
+          </a:ln>
+        </p:spPr>
+        <p:style>
+          <a:lnRef idx="2">
+            <a:schemeClr val="accent1">
+              <a:shade val="50000"/>
+            </a:schemeClr>
+          </a:lnRef>
+          <a:fillRef idx="1">
+            <a:schemeClr val="accent1"/>
+          </a:fillRef>
+          <a:effectRef idx="0">
+            <a:schemeClr val="accent1"/>
+          </a:effectRef>
+          <a:fontRef idx="minor">
+            <a:schemeClr val="lt1"/>
+          </a:fontRef>
+        </p:style>
+        <p:txBody>
+          <a:bodyPr anchor="ctr"/>
+          <a:lstStyle/>
+          <a:p>
+            <a:pPr fontAlgn="auto">
+              <a:spcBef>
+                <a:spcPts val="0"/>
+              </a:spcBef>
+              <a:spcAft>
+                <a:spcPts val="0"/>
+              </a:spcAft>
+              <a:buFontTx/>
+              <a:buChar char="-"/>
+              <a:defRPr/>
+            </a:pPr>
+            <a:r>
+              <a:rPr kumimoji="0" lang="ko-KR" altLang="en-US" sz="1600" dirty="0" smtClean="0"/>
+              <a:t>공격</a:t>
+            </a:r>
+            <a:r>
+              <a:rPr kumimoji="0" lang="en-US" altLang="ko-KR" sz="1600" dirty="0" smtClean="0"/>
+              <a:t>. MC</a:t>
+            </a:r>
+            <a:r>
+              <a:rPr kumimoji="0" lang="ko-KR" altLang="en-US" sz="1600" dirty="0" smtClean="0"/>
+              <a:t>를 물어 뜯는다</a:t>
+            </a:r>
+            <a:r>
+              <a:rPr kumimoji="0" lang="en-US" altLang="ko-KR" sz="1600" dirty="0" smtClean="0"/>
+              <a:t>.</a:t>
+            </a:r>
+          </a:p>
+          <a:p>
+            <a:pPr fontAlgn="auto">
+              <a:spcBef>
+                <a:spcPts val="0"/>
+              </a:spcBef>
+              <a:spcAft>
+                <a:spcPts val="0"/>
+              </a:spcAft>
+              <a:buFontTx/>
+              <a:buChar char="-"/>
+              <a:defRPr/>
+            </a:pPr>
+            <a:r>
+              <a:rPr kumimoji="0" lang="en-US" altLang="ko-KR" sz="1600" dirty="0" smtClean="0"/>
+              <a:t>MC</a:t>
+            </a:r>
+            <a:r>
+              <a:rPr kumimoji="0" lang="ko-KR" altLang="en-US" sz="1600" dirty="0" smtClean="0"/>
+              <a:t>의 대미지 동작위에 자연스럽게 겹쳐 </a:t>
+            </a:r>
+            <a:r>
+              <a:rPr kumimoji="0" lang="ko-KR" altLang="en-US" sz="1600" dirty="0" err="1" smtClean="0"/>
+              <a:t>그려질수</a:t>
+            </a:r>
+            <a:r>
+              <a:rPr kumimoji="0" lang="ko-KR" altLang="en-US" sz="1600" dirty="0" smtClean="0"/>
+              <a:t> 있게 구성</a:t>
+            </a:r>
+            <a:r>
+              <a:rPr kumimoji="0" lang="en-US" altLang="ko-KR" sz="1600" dirty="0" smtClean="0"/>
+              <a:t>.</a:t>
+            </a:r>
+          </a:p>
+          <a:p>
+            <a:pPr fontAlgn="auto">
+              <a:spcBef>
+                <a:spcPts val="0"/>
+              </a:spcBef>
+              <a:spcAft>
+                <a:spcPts val="0"/>
+              </a:spcAft>
+              <a:buFontTx/>
+              <a:buChar char="-"/>
+              <a:defRPr/>
+            </a:pPr>
+            <a:r>
+              <a:rPr kumimoji="0" lang="ko-KR" altLang="en-US" sz="1600" dirty="0" smtClean="0"/>
+              <a:t>물어 </a:t>
+            </a:r>
+            <a:r>
+              <a:rPr kumimoji="0" lang="ko-KR" altLang="en-US" sz="1600" dirty="0" err="1" smtClean="0"/>
+              <a:t>뜯을때</a:t>
+            </a:r>
+            <a:r>
+              <a:rPr kumimoji="0" lang="ko-KR" altLang="en-US" sz="1600" dirty="0" smtClean="0"/>
+              <a:t> 여러 번 씹는 것이 아니라 한번에 크게 </a:t>
+            </a:r>
+            <a:r>
+              <a:rPr kumimoji="0" lang="en-US" altLang="ko-KR" sz="1600" dirty="0" smtClean="0"/>
+              <a:t>‘</a:t>
+            </a:r>
+            <a:r>
+              <a:rPr kumimoji="0" lang="ko-KR" altLang="en-US" sz="1600" dirty="0" smtClean="0"/>
+              <a:t>앙</a:t>
+            </a:r>
+            <a:r>
+              <a:rPr kumimoji="0" lang="en-US" altLang="ko-KR" sz="1600" dirty="0" smtClean="0"/>
+              <a:t>~~~~~~~~~!’  </a:t>
+            </a:r>
+            <a:r>
+              <a:rPr kumimoji="0" lang="ko-KR" altLang="en-US" sz="1600" dirty="0" smtClean="0"/>
+              <a:t>하고 길게 깨무는 느낌</a:t>
+            </a:r>
+            <a:r>
+              <a:rPr kumimoji="0" lang="en-US" altLang="ko-KR" sz="1600" dirty="0" smtClean="0"/>
+              <a:t>.</a:t>
+            </a:r>
+            <a:endParaRPr kumimoji="0" lang="en-US" altLang="ko-KR" sz="1600" dirty="0"/>
+          </a:p>
+        </p:txBody>
+      </p:sp>
+      <p:sp>
+        <p:nvSpPr>
+          <p:cNvPr id="9" name="모서리가 둥근 직사각형 8"/>
+          <p:cNvSpPr/>
+          <p:nvPr/>
+        </p:nvSpPr>
+        <p:spPr>
+          <a:xfrm>
+            <a:off x="1857356" y="5214950"/>
+            <a:ext cx="5929312" cy="642938"/>
+          </a:xfrm>
+          <a:prstGeom prst="roundRect">
+            <a:avLst>
+              <a:gd name="adj" fmla="val 8204"/>
+            </a:avLst>
+          </a:prstGeom>
+          <a:solidFill>
+            <a:schemeClr val="accent5"/>
+          </a:solidFill>
+          <a:ln>
+            <a:noFill/>
+          </a:ln>
+        </p:spPr>
+        <p:style>
+          <a:lnRef idx="2">
+            <a:schemeClr val="accent1">
+              <a:shade val="50000"/>
+            </a:schemeClr>
+          </a:lnRef>
+          <a:fillRef idx="1">
+            <a:schemeClr val="accent1"/>
+          </a:fillRef>
+          <a:effectRef idx="0">
+            <a:schemeClr val="accent1"/>
+          </a:effectRef>
+          <a:fontRef idx="minor">
+            <a:schemeClr val="lt1"/>
+          </a:fontRef>
+        </p:style>
+        <p:txBody>
+          <a:bodyPr anchor="ctr"/>
+          <a:lstStyle/>
+          <a:p>
+            <a:pPr fontAlgn="auto">
+              <a:spcBef>
+                <a:spcPts val="0"/>
+              </a:spcBef>
+              <a:spcAft>
+                <a:spcPts val="0"/>
+              </a:spcAft>
+              <a:defRPr/>
+            </a:pPr>
+            <a:r>
+              <a:rPr kumimoji="0" lang="en-US" altLang="ko-KR" sz="1600" dirty="0"/>
+              <a:t>- </a:t>
+            </a:r>
+            <a:r>
+              <a:rPr kumimoji="0" lang="ko-KR" altLang="en-US" sz="1600" dirty="0" smtClean="0"/>
+              <a:t>대미지</a:t>
+            </a:r>
+            <a:r>
+              <a:rPr kumimoji="0" lang="en-US" altLang="ko-KR" sz="1600" dirty="0" smtClean="0"/>
+              <a:t> </a:t>
+            </a:r>
+            <a:r>
+              <a:rPr kumimoji="0" lang="ko-KR" altLang="en-US" sz="1600" dirty="0" smtClean="0"/>
+              <a:t>상태</a:t>
+            </a:r>
+            <a:r>
+              <a:rPr kumimoji="0" lang="en-US" altLang="ko-KR" sz="1600" dirty="0" smtClean="0"/>
+              <a:t>. </a:t>
+            </a:r>
+            <a:r>
+              <a:rPr kumimoji="0" lang="ko-KR" altLang="en-US" sz="1600" dirty="0" smtClean="0"/>
+              <a:t>따로 독립된 동작으로</a:t>
+            </a:r>
+            <a:r>
+              <a:rPr kumimoji="0" lang="en-US" altLang="ko-KR" sz="1600" dirty="0" smtClean="0"/>
+              <a:t>..</a:t>
+            </a:r>
+            <a:endParaRPr kumimoji="0" lang="en-US" altLang="ko-KR" sz="1600" u="sng" dirty="0"/>
+          </a:p>
+        </p:txBody>
+      </p:sp>
+      <p:sp>
+        <p:nvSpPr>
+          <p:cNvPr id="8" name="모서리가 둥근 직사각형 7"/>
+          <p:cNvSpPr/>
+          <p:nvPr/>
+        </p:nvSpPr>
+        <p:spPr>
+          <a:xfrm>
+            <a:off x="571472" y="1643050"/>
+            <a:ext cx="7143758" cy="857256"/>
+          </a:xfrm>
+          <a:prstGeom prst="roundRect">
+            <a:avLst>
+              <a:gd name="adj" fmla="val 8204"/>
+            </a:avLst>
+          </a:prstGeom>
+          <a:solidFill>
+            <a:schemeClr val="accent2">
+              <a:lumMod val="75000"/>
+            </a:schemeClr>
+          </a:solidFill>
+          <a:ln>
+            <a:noFill/>
+          </a:ln>
+        </p:spPr>
+        <p:style>
+          <a:lnRef idx="2">
+            <a:schemeClr val="accent1">
+              <a:shade val="50000"/>
+            </a:schemeClr>
+          </a:lnRef>
+          <a:fillRef idx="1">
+            <a:schemeClr val="accent1"/>
+          </a:fillRef>
+          <a:effectRef idx="0">
+            <a:schemeClr val="accent1"/>
+          </a:effectRef>
+          <a:fontRef idx="minor">
+            <a:schemeClr val="lt1"/>
+          </a:fontRef>
+        </p:style>
+        <p:txBody>
+          <a:bodyPr anchor="ctr"/>
+          <a:lstStyle/>
+          <a:p>
+            <a:pPr algn="ctr" fontAlgn="auto">
+              <a:spcBef>
+                <a:spcPts val="0"/>
+              </a:spcBef>
+              <a:spcAft>
+                <a:spcPts val="0"/>
+              </a:spcAft>
+              <a:defRPr/>
+            </a:pPr>
+            <a:r>
+              <a:rPr kumimoji="0" lang="ko-KR" altLang="en-US" sz="1600" dirty="0" smtClean="0"/>
+              <a:t>등장과 함께 번개처럼 </a:t>
+            </a:r>
+            <a:r>
+              <a:rPr kumimoji="0" lang="ko-KR" altLang="en-US" sz="1600" dirty="0" err="1" smtClean="0"/>
+              <a:t>메인캐릭터</a:t>
+            </a:r>
+            <a:r>
+              <a:rPr kumimoji="0" lang="ko-KR" altLang="en-US" sz="1600" dirty="0" smtClean="0"/>
+              <a:t> 쪽으로 달려온다</a:t>
+            </a:r>
+            <a:r>
+              <a:rPr kumimoji="0" lang="en-US" altLang="ko-KR" sz="1600" dirty="0" smtClean="0"/>
+              <a:t>.</a:t>
+            </a:r>
+          </a:p>
+          <a:p>
+            <a:pPr algn="ctr" fontAlgn="auto">
+              <a:spcBef>
+                <a:spcPts val="0"/>
+              </a:spcBef>
+              <a:spcAft>
+                <a:spcPts val="0"/>
+              </a:spcAft>
+              <a:defRPr/>
+            </a:pPr>
+            <a:r>
+              <a:rPr kumimoji="0" lang="en-US" altLang="ko-KR" sz="1600" dirty="0" smtClean="0"/>
+              <a:t>‘</a:t>
+            </a:r>
+            <a:r>
+              <a:rPr kumimoji="0" lang="ko-KR" altLang="en-US" sz="1600" dirty="0" smtClean="0"/>
+              <a:t>사람</a:t>
+            </a:r>
+            <a:r>
+              <a:rPr kumimoji="0" lang="en-US" altLang="ko-KR" sz="1600" dirty="0" smtClean="0"/>
+              <a:t>’ </a:t>
+            </a:r>
+            <a:r>
+              <a:rPr kumimoji="0" lang="ko-KR" altLang="en-US" sz="1600" dirty="0" smtClean="0"/>
+              <a:t>보다 </a:t>
+            </a:r>
+            <a:r>
+              <a:rPr kumimoji="0" lang="en-US" altLang="ko-KR" sz="1600" dirty="0" smtClean="0"/>
+              <a:t>‘</a:t>
+            </a:r>
+            <a:r>
+              <a:rPr kumimoji="0" lang="ko-KR" altLang="en-US" sz="1600" dirty="0" smtClean="0"/>
+              <a:t>늑대</a:t>
+            </a:r>
+            <a:r>
+              <a:rPr kumimoji="0" lang="en-US" altLang="ko-KR" sz="1600" dirty="0" smtClean="0"/>
+              <a:t>(</a:t>
+            </a:r>
+            <a:r>
+              <a:rPr kumimoji="0" lang="ko-KR" altLang="en-US" sz="1600" dirty="0" smtClean="0"/>
+              <a:t>개</a:t>
+            </a:r>
+            <a:r>
+              <a:rPr kumimoji="0" lang="en-US" altLang="ko-KR" sz="1600" dirty="0" smtClean="0"/>
+              <a:t>)’</a:t>
+            </a:r>
+            <a:r>
+              <a:rPr kumimoji="0" lang="ko-KR" altLang="en-US" sz="1600" dirty="0" smtClean="0"/>
+              <a:t>의 느낌이 더 강하게</a:t>
+            </a:r>
+            <a:r>
+              <a:rPr kumimoji="0" lang="en-US" altLang="ko-KR" sz="1600" dirty="0" smtClean="0"/>
+              <a:t>…</a:t>
+            </a:r>
+          </a:p>
+        </p:txBody>
+      </p:sp>
+    </p:spTree>
+  </p:cSld>
+  <p:clrMapOvr>
+    <a:masterClrMapping/>
+  </p:clrMapOvr>
+</p:sld>
+</file>
+
+<file path=ppt/slides/slide16.xml><?xml version="1.0" encoding="utf-8"?>
+<p:sld xmlns:a="http://schemas.openxmlformats.org/drawingml/2006/main" xmlns:r="http://schemas.openxmlformats.org/officeDocument/2006/relationships" xmlns:p="http://schemas.openxmlformats.org/presentationml/2006/main">
+  <p:cSld>
+    <p:spTree>
+      <p:nvGrpSpPr>
+        <p:cNvPr id="1" name=""/>
+        <p:cNvGrpSpPr/>
+        <p:nvPr/>
+      </p:nvGrpSpPr>
+      <p:grpSpPr>
+        <a:xfrm>
+          <a:off x="0" y="0"/>
+          <a:ext cx="0" cy="0"/>
+          <a:chOff x="0" y="0"/>
+          <a:chExt cx="0" cy="0"/>
+        </a:xfrm>
+      </p:grpSpPr>
+      <p:sp>
+        <p:nvSpPr>
+          <p:cNvPr id="13314" name="제목 1"/>
+          <p:cNvSpPr>
+            <a:spLocks noGrp="1"/>
+          </p:cNvSpPr>
+          <p:nvPr>
+            <p:ph type="title"/>
+          </p:nvPr>
+        </p:nvSpPr>
+        <p:spPr/>
+        <p:txBody>
+          <a:bodyPr/>
+          <a:lstStyle/>
+          <a:p>
+            <a:pPr eaLnBrk="1" hangingPunct="1"/>
+            <a:r>
+              <a:rPr lang="en-US" altLang="ko-KR" dirty="0" smtClean="0"/>
+              <a:t>3. </a:t>
+            </a:r>
+            <a:r>
+              <a:rPr lang="ko-KR" altLang="en-US" dirty="0" smtClean="0"/>
+              <a:t>캐릭터 </a:t>
+            </a:r>
+            <a:r>
+              <a:rPr lang="en-US" altLang="ko-KR" dirty="0" smtClean="0"/>
+              <a:t>(</a:t>
+            </a:r>
+            <a:r>
+              <a:rPr lang="ko-KR" altLang="en-US" dirty="0" err="1" smtClean="0"/>
+              <a:t>좀비</a:t>
+            </a:r>
+            <a:r>
+              <a:rPr lang="en-US" altLang="ko-KR" dirty="0" smtClean="0"/>
+              <a:t>)</a:t>
+            </a:r>
+            <a:endParaRPr lang="ko-KR" altLang="en-US" dirty="0" smtClean="0"/>
+          </a:p>
+        </p:txBody>
+      </p:sp>
+      <p:sp>
+        <p:nvSpPr>
+          <p:cNvPr id="8" name="모서리가 둥근 직사각형 7"/>
+          <p:cNvSpPr/>
+          <p:nvPr/>
+        </p:nvSpPr>
+        <p:spPr>
+          <a:xfrm>
+            <a:off x="571472" y="1643050"/>
+            <a:ext cx="7143758" cy="857256"/>
+          </a:xfrm>
+          <a:prstGeom prst="roundRect">
+            <a:avLst>
+              <a:gd name="adj" fmla="val 8204"/>
+            </a:avLst>
+          </a:prstGeom>
+          <a:solidFill>
+            <a:schemeClr val="accent2">
+              <a:lumMod val="75000"/>
+            </a:schemeClr>
+          </a:solidFill>
+          <a:ln>
+            <a:noFill/>
+          </a:ln>
+        </p:spPr>
+        <p:style>
+          <a:lnRef idx="2">
+            <a:schemeClr val="accent1">
+              <a:shade val="50000"/>
+            </a:schemeClr>
+          </a:lnRef>
+          <a:fillRef idx="1">
+            <a:schemeClr val="accent1"/>
+          </a:fillRef>
+          <a:effectRef idx="0">
+            <a:schemeClr val="accent1"/>
+          </a:effectRef>
+          <a:fontRef idx="minor">
+            <a:schemeClr val="lt1"/>
+          </a:fontRef>
+        </p:style>
+        <p:txBody>
+          <a:bodyPr anchor="ctr"/>
+          <a:lstStyle/>
+          <a:p>
+            <a:pPr algn="ctr" fontAlgn="auto">
+              <a:spcBef>
+                <a:spcPts val="0"/>
+              </a:spcBef>
+              <a:spcAft>
+                <a:spcPts val="0"/>
+              </a:spcAft>
+              <a:defRPr/>
+            </a:pPr>
+            <a:r>
+              <a:rPr kumimoji="0" lang="ko-KR" altLang="en-US" sz="1600" dirty="0" smtClean="0"/>
+              <a:t>느리고</a:t>
+            </a:r>
+            <a:r>
+              <a:rPr kumimoji="0" lang="en-US" altLang="ko-KR" sz="1600" dirty="0" smtClean="0"/>
+              <a:t>, </a:t>
+            </a:r>
+            <a:r>
+              <a:rPr kumimoji="0" lang="ko-KR" altLang="en-US" sz="1600" dirty="0" smtClean="0"/>
+              <a:t>강인한 체력</a:t>
+            </a:r>
+            <a:endParaRPr kumimoji="0" lang="en-US" altLang="ko-KR" sz="1600" dirty="0" smtClean="0"/>
+          </a:p>
+        </p:txBody>
+      </p:sp>
+      <p:sp>
+        <p:nvSpPr>
+          <p:cNvPr id="7" name="모서리가 둥근 직사각형 6"/>
+          <p:cNvSpPr/>
+          <p:nvPr/>
+        </p:nvSpPr>
+        <p:spPr>
+          <a:xfrm>
+            <a:off x="1928794" y="2714620"/>
+            <a:ext cx="5929312" cy="642938"/>
+          </a:xfrm>
+          <a:prstGeom prst="roundRect">
+            <a:avLst>
+              <a:gd name="adj" fmla="val 8204"/>
+            </a:avLst>
+          </a:prstGeom>
+          <a:solidFill>
+            <a:schemeClr val="accent5"/>
+          </a:solidFill>
+          <a:ln>
+            <a:noFill/>
+          </a:ln>
+        </p:spPr>
+        <p:style>
+          <a:lnRef idx="2">
+            <a:schemeClr val="accent1">
+              <a:shade val="50000"/>
+            </a:schemeClr>
+          </a:lnRef>
+          <a:fillRef idx="1">
+            <a:schemeClr val="accent1"/>
+          </a:fillRef>
+          <a:effectRef idx="0">
+            <a:schemeClr val="accent1"/>
+          </a:effectRef>
+          <a:fontRef idx="minor">
+            <a:schemeClr val="lt1"/>
+          </a:fontRef>
+        </p:style>
+        <p:txBody>
+          <a:bodyPr anchor="ctr"/>
+          <a:lstStyle/>
+          <a:p>
+            <a:pPr fontAlgn="auto">
+              <a:spcBef>
+                <a:spcPts val="0"/>
+              </a:spcBef>
+              <a:spcAft>
+                <a:spcPts val="0"/>
+              </a:spcAft>
+              <a:defRPr/>
+            </a:pPr>
+            <a:r>
+              <a:rPr kumimoji="0" lang="en-US" altLang="ko-KR" sz="1600" dirty="0"/>
+              <a:t>- </a:t>
+            </a:r>
+            <a:r>
+              <a:rPr kumimoji="0" lang="ko-KR" altLang="en-US" sz="1600" dirty="0" err="1" smtClean="0"/>
+              <a:t>워킹</a:t>
+            </a:r>
+            <a:r>
+              <a:rPr kumimoji="0" lang="en-US" altLang="ko-KR" sz="1600" dirty="0" smtClean="0"/>
+              <a:t>. </a:t>
+            </a:r>
+            <a:r>
+              <a:rPr kumimoji="0" lang="ko-KR" altLang="en-US" sz="1600" dirty="0" smtClean="0"/>
+              <a:t>앞으로 천천히 전진한다</a:t>
+            </a:r>
+            <a:r>
+              <a:rPr kumimoji="0" lang="en-US" altLang="ko-KR" sz="1600" dirty="0" smtClean="0"/>
+              <a:t>.</a:t>
+            </a:r>
+            <a:endParaRPr kumimoji="0" lang="en-US" altLang="ko-KR" sz="1600" u="sng" dirty="0"/>
+          </a:p>
+        </p:txBody>
+      </p:sp>
+      <p:sp>
+        <p:nvSpPr>
+          <p:cNvPr id="10" name="모서리가 둥근 직사각형 9"/>
+          <p:cNvSpPr/>
+          <p:nvPr/>
+        </p:nvSpPr>
+        <p:spPr>
+          <a:xfrm>
+            <a:off x="1928794" y="3571876"/>
+            <a:ext cx="5929312" cy="642938"/>
+          </a:xfrm>
+          <a:prstGeom prst="roundRect">
+            <a:avLst>
+              <a:gd name="adj" fmla="val 8204"/>
+            </a:avLst>
+          </a:prstGeom>
+          <a:solidFill>
+            <a:schemeClr val="accent5"/>
+          </a:solidFill>
+          <a:ln>
+            <a:noFill/>
+          </a:ln>
+        </p:spPr>
+        <p:style>
+          <a:lnRef idx="2">
+            <a:schemeClr val="accent1">
+              <a:shade val="50000"/>
+            </a:schemeClr>
+          </a:lnRef>
+          <a:fillRef idx="1">
+            <a:schemeClr val="accent1"/>
+          </a:fillRef>
+          <a:effectRef idx="0">
+            <a:schemeClr val="accent1"/>
+          </a:effectRef>
+          <a:fontRef idx="minor">
+            <a:schemeClr val="lt1"/>
+          </a:fontRef>
+        </p:style>
+        <p:txBody>
+          <a:bodyPr anchor="ctr"/>
+          <a:lstStyle/>
+          <a:p>
+            <a:pPr fontAlgn="auto">
+              <a:spcBef>
+                <a:spcPts val="0"/>
+              </a:spcBef>
+              <a:spcAft>
+                <a:spcPts val="0"/>
+              </a:spcAft>
+              <a:defRPr/>
+            </a:pPr>
+            <a:r>
+              <a:rPr kumimoji="0" lang="en-US" altLang="ko-KR" sz="1600" dirty="0"/>
+              <a:t>- </a:t>
+            </a:r>
+            <a:r>
+              <a:rPr kumimoji="0" lang="ko-KR" altLang="en-US" sz="1600" dirty="0" smtClean="0"/>
+              <a:t>대미지</a:t>
+            </a:r>
+            <a:r>
+              <a:rPr kumimoji="0" lang="en-US" altLang="ko-KR" sz="1600" dirty="0" smtClean="0"/>
+              <a:t> </a:t>
+            </a:r>
+            <a:r>
+              <a:rPr kumimoji="0" lang="ko-KR" altLang="en-US" sz="1600" dirty="0" smtClean="0"/>
+              <a:t>상태</a:t>
+            </a:r>
+            <a:r>
+              <a:rPr kumimoji="0" lang="en-US" altLang="ko-KR" sz="1600" dirty="0" smtClean="0"/>
+              <a:t>. </a:t>
+            </a:r>
+            <a:r>
+              <a:rPr kumimoji="0" lang="ko-KR" altLang="en-US" sz="1600" dirty="0" smtClean="0"/>
+              <a:t>따로 독립된 동작이 있어도 좋고</a:t>
+            </a:r>
+            <a:r>
+              <a:rPr kumimoji="0" lang="en-US" altLang="ko-KR" sz="1600" dirty="0" smtClean="0"/>
+              <a:t>, </a:t>
+            </a:r>
+            <a:r>
+              <a:rPr kumimoji="0" lang="ko-KR" altLang="en-US" sz="1600" dirty="0" smtClean="0"/>
+              <a:t>하얗게 색상변화를 하는 식으로 심플하게 가도 </a:t>
+            </a:r>
+            <a:r>
+              <a:rPr kumimoji="0" lang="en-US" altLang="ko-KR" sz="1600" dirty="0" smtClean="0"/>
+              <a:t>OK.</a:t>
+            </a:r>
+            <a:endParaRPr kumimoji="0" lang="en-US" altLang="ko-KR" sz="1600" u="sng" dirty="0"/>
+          </a:p>
+        </p:txBody>
+      </p:sp>
+    </p:spTree>
+  </p:cSld>
+  <p:clrMapOvr>
+    <a:masterClrMapping/>
+  </p:clrMapOvr>
+</p:sld>
+</file>
+
+<file path=ppt/slides/slide17.xml><?xml version="1.0" encoding="utf-8"?>
+<p:sld xmlns:a="http://schemas.openxmlformats.org/drawingml/2006/main" xmlns:r="http://schemas.openxmlformats.org/officeDocument/2006/relationships" xmlns:p="http://schemas.openxmlformats.org/presentationml/2006/main">
+  <p:cSld>
+    <p:spTree>
+      <p:nvGrpSpPr>
+        <p:cNvPr id="1" name=""/>
+        <p:cNvGrpSpPr/>
+        <p:nvPr/>
+      </p:nvGrpSpPr>
+      <p:grpSpPr>
+        <a:xfrm>
+          <a:off x="0" y="0"/>
+          <a:ext cx="0" cy="0"/>
+          <a:chOff x="0" y="0"/>
+          <a:chExt cx="0" cy="0"/>
+        </a:xfrm>
+      </p:grpSpPr>
+      <p:sp>
+        <p:nvSpPr>
+          <p:cNvPr id="13314" name="제목 1"/>
+          <p:cNvSpPr>
+            <a:spLocks noGrp="1"/>
+          </p:cNvSpPr>
+          <p:nvPr>
+            <p:ph type="title"/>
+          </p:nvPr>
+        </p:nvSpPr>
+        <p:spPr/>
+        <p:txBody>
+          <a:bodyPr/>
+          <a:lstStyle/>
+          <a:p>
+            <a:pPr eaLnBrk="1" hangingPunct="1"/>
+            <a:r>
+              <a:rPr lang="en-US" altLang="ko-KR" dirty="0" smtClean="0"/>
+              <a:t>3. </a:t>
+            </a:r>
+            <a:r>
+              <a:rPr lang="ko-KR" altLang="en-US" dirty="0" smtClean="0"/>
+              <a:t>캐릭터 </a:t>
+            </a:r>
+            <a:r>
+              <a:rPr lang="en-US" altLang="ko-KR" dirty="0" smtClean="0"/>
+              <a:t>(</a:t>
+            </a:r>
+            <a:r>
+              <a:rPr lang="ko-KR" altLang="en-US" dirty="0" smtClean="0"/>
+              <a:t>마녀</a:t>
+            </a:r>
+            <a:r>
+              <a:rPr lang="en-US" altLang="ko-KR" dirty="0" smtClean="0"/>
+              <a:t>)</a:t>
+            </a:r>
+            <a:endParaRPr lang="ko-KR" altLang="en-US" dirty="0" smtClean="0"/>
+          </a:p>
+        </p:txBody>
+      </p:sp>
+      <p:sp>
+        <p:nvSpPr>
+          <p:cNvPr id="8" name="모서리가 둥근 직사각형 7"/>
+          <p:cNvSpPr/>
+          <p:nvPr/>
+        </p:nvSpPr>
+        <p:spPr>
+          <a:xfrm>
+            <a:off x="571472" y="1643050"/>
+            <a:ext cx="7143758" cy="857256"/>
+          </a:xfrm>
+          <a:prstGeom prst="roundRect">
+            <a:avLst>
+              <a:gd name="adj" fmla="val 8204"/>
+            </a:avLst>
+          </a:prstGeom>
+          <a:solidFill>
+            <a:schemeClr val="accent2">
+              <a:lumMod val="75000"/>
+            </a:schemeClr>
+          </a:solidFill>
+          <a:ln>
+            <a:noFill/>
+          </a:ln>
+        </p:spPr>
+        <p:style>
+          <a:lnRef idx="2">
+            <a:schemeClr val="accent1">
+              <a:shade val="50000"/>
+            </a:schemeClr>
+          </a:lnRef>
+          <a:fillRef idx="1">
+            <a:schemeClr val="accent1"/>
+          </a:fillRef>
+          <a:effectRef idx="0">
+            <a:schemeClr val="accent1"/>
+          </a:effectRef>
+          <a:fontRef idx="minor">
+            <a:schemeClr val="lt1"/>
+          </a:fontRef>
+        </p:style>
+        <p:txBody>
+          <a:bodyPr anchor="ctr"/>
+          <a:lstStyle/>
+          <a:p>
+            <a:pPr algn="ctr" fontAlgn="auto">
+              <a:spcBef>
+                <a:spcPts val="0"/>
+              </a:spcBef>
+              <a:spcAft>
+                <a:spcPts val="0"/>
+              </a:spcAft>
+              <a:defRPr/>
+            </a:pPr>
+            <a:r>
+              <a:rPr kumimoji="0" lang="ko-KR" altLang="en-US" sz="1600" dirty="0" smtClean="0"/>
+              <a:t>빗자루를 타고 둥둥 떠다니며 이동한다</a:t>
+            </a:r>
+            <a:r>
+              <a:rPr kumimoji="0" lang="en-US" altLang="ko-KR" sz="1600" dirty="0" smtClean="0"/>
+              <a:t>.</a:t>
+            </a:r>
+          </a:p>
+        </p:txBody>
+      </p:sp>
+      <p:sp>
+        <p:nvSpPr>
+          <p:cNvPr id="7" name="모서리가 둥근 직사각형 6"/>
+          <p:cNvSpPr/>
+          <p:nvPr/>
+        </p:nvSpPr>
+        <p:spPr>
+          <a:xfrm>
+            <a:off x="1928794" y="2714620"/>
+            <a:ext cx="5929312" cy="642938"/>
+          </a:xfrm>
+          <a:prstGeom prst="roundRect">
+            <a:avLst>
+              <a:gd name="adj" fmla="val 8204"/>
+            </a:avLst>
+          </a:prstGeom>
+          <a:solidFill>
+            <a:schemeClr val="accent5"/>
+          </a:solidFill>
+          <a:ln>
+            <a:noFill/>
+          </a:ln>
+        </p:spPr>
+        <p:style>
+          <a:lnRef idx="2">
+            <a:schemeClr val="accent1">
+              <a:shade val="50000"/>
+            </a:schemeClr>
+          </a:lnRef>
+          <a:fillRef idx="1">
+            <a:schemeClr val="accent1"/>
+          </a:fillRef>
+          <a:effectRef idx="0">
+            <a:schemeClr val="accent1"/>
+          </a:effectRef>
+          <a:fontRef idx="minor">
+            <a:schemeClr val="lt1"/>
+          </a:fontRef>
+        </p:style>
+        <p:txBody>
+          <a:bodyPr anchor="ctr"/>
+          <a:lstStyle/>
+          <a:p>
+            <a:pPr fontAlgn="auto">
+              <a:spcBef>
+                <a:spcPts val="0"/>
+              </a:spcBef>
+              <a:spcAft>
+                <a:spcPts val="0"/>
+              </a:spcAft>
+              <a:defRPr/>
+            </a:pPr>
+            <a:r>
+              <a:rPr kumimoji="0" lang="en-US" altLang="ko-KR" sz="1600" dirty="0" smtClean="0"/>
+              <a:t>-stand by. </a:t>
+            </a:r>
+            <a:r>
+              <a:rPr kumimoji="0" lang="ko-KR" altLang="en-US" sz="1600" dirty="0" smtClean="0"/>
+              <a:t>빗자루 위에서 둥둥 떠있다</a:t>
+            </a:r>
+            <a:r>
+              <a:rPr kumimoji="0" lang="en-US" altLang="ko-KR" sz="1600" dirty="0" smtClean="0"/>
+              <a:t>.</a:t>
+            </a:r>
+            <a:endParaRPr kumimoji="0" lang="en-US" altLang="ko-KR" sz="1600" u="sng" dirty="0"/>
+          </a:p>
+        </p:txBody>
+      </p:sp>
+      <p:sp>
+        <p:nvSpPr>
+          <p:cNvPr id="6" name="모서리가 둥근 직사각형 5"/>
+          <p:cNvSpPr/>
+          <p:nvPr/>
+        </p:nvSpPr>
+        <p:spPr>
+          <a:xfrm>
+            <a:off x="1928794" y="3429000"/>
+            <a:ext cx="5929312" cy="642938"/>
+          </a:xfrm>
+          <a:prstGeom prst="roundRect">
+            <a:avLst>
+              <a:gd name="adj" fmla="val 8204"/>
+            </a:avLst>
+          </a:prstGeom>
+          <a:solidFill>
+            <a:schemeClr val="accent5"/>
+          </a:solidFill>
+          <a:ln>
+            <a:noFill/>
+          </a:ln>
+        </p:spPr>
+        <p:style>
+          <a:lnRef idx="2">
+            <a:schemeClr val="accent1">
+              <a:shade val="50000"/>
+            </a:schemeClr>
+          </a:lnRef>
+          <a:fillRef idx="1">
+            <a:schemeClr val="accent1"/>
+          </a:fillRef>
+          <a:effectRef idx="0">
+            <a:schemeClr val="accent1"/>
+          </a:effectRef>
+          <a:fontRef idx="minor">
+            <a:schemeClr val="lt1"/>
+          </a:fontRef>
+        </p:style>
+        <p:txBody>
+          <a:bodyPr anchor="ctr"/>
+          <a:lstStyle/>
+          <a:p>
+            <a:pPr fontAlgn="auto">
+              <a:spcBef>
+                <a:spcPts val="0"/>
+              </a:spcBef>
+              <a:spcAft>
+                <a:spcPts val="0"/>
+              </a:spcAft>
+              <a:defRPr/>
+            </a:pPr>
+            <a:r>
+              <a:rPr kumimoji="0" lang="en-US" altLang="ko-KR" sz="1600" dirty="0" smtClean="0"/>
+              <a:t>-</a:t>
+            </a:r>
+            <a:r>
+              <a:rPr kumimoji="0" lang="ko-KR" altLang="en-US" sz="1600" dirty="0" smtClean="0"/>
+              <a:t>전진</a:t>
+            </a:r>
+            <a:r>
+              <a:rPr kumimoji="0" lang="en-US" altLang="ko-KR" sz="1600" dirty="0" smtClean="0"/>
+              <a:t>. </a:t>
+            </a:r>
+            <a:r>
+              <a:rPr kumimoji="0" lang="ko-KR" altLang="en-US" sz="1600" dirty="0" err="1" smtClean="0"/>
+              <a:t>메인캐릭터</a:t>
+            </a:r>
+            <a:r>
+              <a:rPr kumimoji="0" lang="ko-KR" altLang="en-US" sz="1600" dirty="0" smtClean="0"/>
+              <a:t> 쪽으로 전진한다</a:t>
+            </a:r>
+            <a:r>
+              <a:rPr kumimoji="0" lang="en-US" altLang="ko-KR" sz="1600" dirty="0" smtClean="0"/>
+              <a:t>.</a:t>
+            </a:r>
+            <a:endParaRPr kumimoji="0" lang="en-US" altLang="ko-KR" sz="1600" u="sng" dirty="0"/>
+          </a:p>
+        </p:txBody>
+      </p:sp>
+      <p:sp>
+        <p:nvSpPr>
+          <p:cNvPr id="9" name="모서리가 둥근 직사각형 8"/>
+          <p:cNvSpPr/>
+          <p:nvPr/>
+        </p:nvSpPr>
+        <p:spPr>
+          <a:xfrm>
+            <a:off x="1928794" y="4143380"/>
+            <a:ext cx="5929312" cy="642938"/>
+          </a:xfrm>
+          <a:prstGeom prst="roundRect">
+            <a:avLst>
+              <a:gd name="adj" fmla="val 8204"/>
+            </a:avLst>
+          </a:prstGeom>
+          <a:solidFill>
+            <a:schemeClr val="accent5"/>
+          </a:solidFill>
+          <a:ln>
+            <a:noFill/>
+          </a:ln>
+        </p:spPr>
+        <p:style>
+          <a:lnRef idx="2">
+            <a:schemeClr val="accent1">
+              <a:shade val="50000"/>
+            </a:schemeClr>
+          </a:lnRef>
+          <a:fillRef idx="1">
+            <a:schemeClr val="accent1"/>
+          </a:fillRef>
+          <a:effectRef idx="0">
+            <a:schemeClr val="accent1"/>
+          </a:effectRef>
+          <a:fontRef idx="minor">
+            <a:schemeClr val="lt1"/>
+          </a:fontRef>
+        </p:style>
+        <p:txBody>
+          <a:bodyPr anchor="ctr"/>
+          <a:lstStyle/>
+          <a:p>
+            <a:pPr fontAlgn="auto">
+              <a:spcBef>
+                <a:spcPts val="0"/>
+              </a:spcBef>
+              <a:spcAft>
+                <a:spcPts val="0"/>
+              </a:spcAft>
+              <a:defRPr/>
+            </a:pPr>
+            <a:r>
+              <a:rPr kumimoji="0" lang="en-US" altLang="ko-KR" sz="1600" dirty="0" smtClean="0"/>
+              <a:t>-</a:t>
+            </a:r>
+            <a:r>
+              <a:rPr kumimoji="0" lang="ko-KR" altLang="en-US" sz="1600" dirty="0" err="1" smtClean="0"/>
+              <a:t>횡이동</a:t>
+            </a:r>
+            <a:r>
+              <a:rPr kumimoji="0" lang="en-US" altLang="ko-KR" sz="1600" dirty="0" smtClean="0"/>
+              <a:t>. </a:t>
+            </a:r>
+            <a:r>
+              <a:rPr kumimoji="0" lang="ko-KR" altLang="en-US" sz="1600" dirty="0" smtClean="0"/>
+              <a:t>좌</a:t>
+            </a:r>
+            <a:r>
+              <a:rPr kumimoji="0" lang="en-US" altLang="ko-KR" sz="1600" dirty="0" smtClean="0"/>
+              <a:t>(</a:t>
+            </a:r>
+            <a:r>
+              <a:rPr kumimoji="0" lang="ko-KR" altLang="en-US" sz="1600" dirty="0" smtClean="0"/>
+              <a:t>혹은 우</a:t>
+            </a:r>
+            <a:r>
+              <a:rPr kumimoji="0" lang="en-US" altLang="ko-KR" sz="1600" dirty="0" smtClean="0"/>
+              <a:t>)</a:t>
+            </a:r>
+            <a:r>
+              <a:rPr kumimoji="0" lang="ko-KR" altLang="en-US" sz="1600" dirty="0" smtClean="0"/>
+              <a:t>로 이동한다</a:t>
+            </a:r>
+            <a:r>
+              <a:rPr kumimoji="0" lang="en-US" altLang="ko-KR" sz="1600" dirty="0" smtClean="0"/>
+              <a:t>.</a:t>
+            </a:r>
+            <a:endParaRPr kumimoji="0" lang="en-US" altLang="ko-KR" sz="1600" u="sng" dirty="0"/>
+          </a:p>
+        </p:txBody>
+      </p:sp>
+      <p:sp>
+        <p:nvSpPr>
+          <p:cNvPr id="11" name="모서리가 둥근 직사각형 10"/>
+          <p:cNvSpPr/>
+          <p:nvPr/>
+        </p:nvSpPr>
+        <p:spPr>
+          <a:xfrm>
+            <a:off x="1928794" y="4929198"/>
+            <a:ext cx="5929312" cy="1357322"/>
+          </a:xfrm>
+          <a:prstGeom prst="roundRect">
+            <a:avLst>
+              <a:gd name="adj" fmla="val 8204"/>
+            </a:avLst>
+          </a:prstGeom>
+          <a:solidFill>
+            <a:schemeClr val="accent5"/>
+          </a:solidFill>
+          <a:ln>
+            <a:noFill/>
+          </a:ln>
+        </p:spPr>
+        <p:style>
+          <a:lnRef idx="2">
+            <a:schemeClr val="accent1">
+              <a:shade val="50000"/>
+            </a:schemeClr>
+          </a:lnRef>
+          <a:fillRef idx="1">
+            <a:schemeClr val="accent1"/>
+          </a:fillRef>
+          <a:effectRef idx="0">
+            <a:schemeClr val="accent1"/>
+          </a:effectRef>
+          <a:fontRef idx="minor">
+            <a:schemeClr val="lt1"/>
+          </a:fontRef>
+        </p:style>
+        <p:txBody>
+          <a:bodyPr anchor="ctr"/>
+          <a:lstStyle/>
+          <a:p>
+            <a:pPr fontAlgn="auto">
+              <a:spcBef>
+                <a:spcPts val="0"/>
+              </a:spcBef>
+              <a:spcAft>
+                <a:spcPts val="0"/>
+              </a:spcAft>
+              <a:defRPr/>
+            </a:pPr>
+            <a:r>
+              <a:rPr kumimoji="0" lang="en-US" altLang="ko-KR" sz="1600" dirty="0" smtClean="0"/>
+              <a:t>-</a:t>
+            </a:r>
+            <a:r>
+              <a:rPr kumimoji="0" lang="ko-KR" altLang="en-US" sz="1600" dirty="0" smtClean="0"/>
+              <a:t>공격</a:t>
+            </a:r>
+            <a:r>
+              <a:rPr kumimoji="0" lang="en-US" altLang="ko-KR" sz="1600" dirty="0" smtClean="0"/>
+              <a:t>. </a:t>
+            </a:r>
+            <a:r>
+              <a:rPr kumimoji="0" lang="ko-KR" altLang="en-US" sz="1600" dirty="0" smtClean="0"/>
+              <a:t>제자리에서 손을 위로 들어 주문을 외운다</a:t>
+            </a:r>
+            <a:r>
+              <a:rPr kumimoji="0" lang="en-US" altLang="ko-KR" sz="1600" dirty="0" smtClean="0"/>
+              <a:t>. </a:t>
+            </a:r>
+            <a:r>
+              <a:rPr kumimoji="0" lang="ko-KR" altLang="en-US" sz="1600" dirty="0" smtClean="0"/>
+              <a:t>잠시 후 메인 캐릭터가 서있는 위치에 번개가 친다</a:t>
+            </a:r>
+            <a:r>
+              <a:rPr kumimoji="0" lang="en-US" altLang="ko-KR" sz="1600" dirty="0" smtClean="0"/>
+              <a:t>. </a:t>
+            </a:r>
+            <a:r>
+              <a:rPr kumimoji="0" lang="ko-KR" altLang="en-US" sz="1600" dirty="0" smtClean="0"/>
+              <a:t>이때 먹구름이 등장한다거나</a:t>
+            </a:r>
+            <a:r>
+              <a:rPr kumimoji="0" lang="en-US" altLang="ko-KR" sz="1600" dirty="0" smtClean="0"/>
+              <a:t>, </a:t>
+            </a:r>
+            <a:r>
+              <a:rPr kumimoji="0" lang="ko-KR" altLang="en-US" sz="1600" dirty="0" err="1" smtClean="0"/>
+              <a:t>메인캐릭터</a:t>
+            </a:r>
+            <a:r>
+              <a:rPr kumimoji="0" lang="ko-KR" altLang="en-US" sz="1600" dirty="0" smtClean="0"/>
+              <a:t> 발 아래에 </a:t>
+            </a:r>
+            <a:r>
+              <a:rPr kumimoji="0" lang="ko-KR" altLang="en-US" sz="1600" dirty="0" err="1" smtClean="0"/>
+              <a:t>지직지직</a:t>
+            </a:r>
+            <a:r>
+              <a:rPr kumimoji="0" lang="ko-KR" altLang="en-US" sz="1600" dirty="0" smtClean="0"/>
+              <a:t> </a:t>
+            </a:r>
+            <a:r>
+              <a:rPr kumimoji="0" lang="ko-KR" altLang="en-US" sz="1600" dirty="0" err="1" smtClean="0"/>
+              <a:t>스파크가</a:t>
+            </a:r>
+            <a:r>
+              <a:rPr kumimoji="0" lang="ko-KR" altLang="en-US" sz="1600" dirty="0" smtClean="0"/>
+              <a:t> 인다던가 하는 식으로 공격이 온다는 경고를 미리 표시한다</a:t>
+            </a:r>
+            <a:r>
+              <a:rPr kumimoji="0" lang="en-US" altLang="ko-KR" sz="1600" dirty="0" smtClean="0"/>
+              <a:t>.</a:t>
+            </a:r>
+            <a:endParaRPr kumimoji="0" lang="en-US" altLang="ko-KR" sz="1600" u="sng" dirty="0"/>
           </a:p>
         </p:txBody>
       </p:sp>
@@ -3127,11 +7821,17 @@
         </p:nvSpPr>
         <p:spPr/>
         <p:txBody>
-          <a:bodyPr>
+          <a:bodyPr rtlCol="0">
             <a:normAutofit fontScale="90000"/>
           </a:bodyPr>
           <a:lstStyle/>
           <a:p>
+            <a:pPr eaLnBrk="1" fontAlgn="auto" hangingPunct="1">
+              <a:spcAft>
+                <a:spcPts val="0"/>
+              </a:spcAft>
+              <a:defRPr/>
+            </a:pPr>
             <a:r>
               <a:rPr lang="en-US" altLang="ko-KR" dirty="0" smtClean="0"/>
               <a:t>0. </a:t>
@@ -3144,13 +7844,13 @@
               <a:rPr lang="en-US" altLang="ko-KR" dirty="0" smtClean="0"/>
               <a:t>scheme</a:t>
             </a:r>
-            <a:endParaRPr lang="ko-KR" altLang="en-US" dirty="0"/>
-          </a:p>
-        </p:txBody>
-      </p:sp>
-      <p:sp>
-        <p:nvSpPr>
-          <p:cNvPr id="3" name="내용 개체 틀 2"/>
+            <a:endParaRPr lang="ko-KR" altLang="en-US" dirty="0" smtClean="0"/>
+          </a:p>
+        </p:txBody>
+      </p:sp>
+      <p:sp>
+        <p:nvSpPr>
+          <p:cNvPr id="3075" name="내용 개체 틀 2"/>
           <p:cNvSpPr>
             <a:spLocks noGrp="1"/>
           </p:cNvSpPr>
@@ -3160,142 +7860,131 @@
         </p:nvSpPr>
         <p:spPr/>
         <p:txBody>
-          <a:bodyPr>
-            <a:normAutofit/>
-          </a:bodyPr>
+          <a:bodyPr/>
           <a:lstStyle/>
           <a:p>
-            <a:r>
-              <a:rPr lang="ko-KR" altLang="en-US" sz="1200" dirty="0" err="1" smtClean="0"/>
+            <a:pPr eaLnBrk="1" hangingPunct="1"/>
+            <a:r>
+              <a:rPr lang="ko-KR" altLang="en-US" sz="1200" smtClean="0"/>
               <a:t>동화풍</a:t>
             </a:r>
             <a:r>
-              <a:rPr lang="en-US" altLang="ko-KR" sz="1200" dirty="0" smtClean="0"/>
+              <a:rPr lang="en-US" altLang="ko-KR" sz="1200" smtClean="0"/>
               <a:t>, </a:t>
             </a:r>
             <a:r>
-              <a:rPr lang="ko-KR" altLang="en-US" sz="1200" dirty="0" err="1" smtClean="0"/>
+              <a:rPr lang="ko-KR" altLang="en-US" sz="1200" smtClean="0"/>
               <a:t>파스텔톤</a:t>
             </a:r>
-            <a:endParaRPr lang="en-US" altLang="ko-KR" sz="1200" dirty="0" smtClean="0"/>
-          </a:p>
-          <a:p>
-            <a:r>
-              <a:rPr lang="ko-KR" altLang="en-US" sz="1200" dirty="0" err="1" smtClean="0"/>
-              <a:t>캐쥬얼</a:t>
-            </a:r>
-            <a:r>
-              <a:rPr lang="ko-KR" altLang="en-US" sz="1200" dirty="0" smtClean="0"/>
-              <a:t> 게임</a:t>
-            </a:r>
-            <a:endParaRPr lang="en-US" altLang="ko-KR" sz="1200" dirty="0" smtClean="0"/>
-          </a:p>
-          <a:p>
-            <a:r>
-              <a:rPr lang="ko-KR" altLang="en-US" sz="1200" dirty="0" smtClean="0"/>
+            <a:endParaRPr lang="en-US" altLang="ko-KR" sz="1200" smtClean="0"/>
+          </a:p>
+          <a:p>
+            <a:pPr eaLnBrk="1" hangingPunct="1"/>
+            <a:r>
+              <a:rPr lang="ko-KR" altLang="en-US" sz="1200" smtClean="0"/>
+              <a:t>캐쥬얼 게임</a:t>
+            </a:r>
+            <a:endParaRPr lang="en-US" altLang="ko-KR" sz="1200" smtClean="0"/>
+          </a:p>
+          <a:p>
+            <a:pPr eaLnBrk="1" hangingPunct="1"/>
+            <a:r>
+              <a:rPr lang="ko-KR" altLang="en-US" sz="1200" smtClean="0"/>
               <a:t>주제</a:t>
             </a:r>
             <a:r>
-              <a:rPr lang="en-US" altLang="ko-KR" sz="1200" dirty="0" smtClean="0"/>
+              <a:rPr lang="en-US" altLang="ko-KR" sz="1200" smtClean="0"/>
               <a:t>(</a:t>
             </a:r>
             <a:r>
-              <a:rPr lang="ko-KR" altLang="en-US" sz="1200" dirty="0" err="1" smtClean="0"/>
+              <a:rPr lang="ko-KR" altLang="en-US" sz="1200" smtClean="0"/>
               <a:t>몬스터</a:t>
             </a:r>
             <a:r>
-              <a:rPr lang="en-US" altLang="ko-KR" sz="1200" dirty="0" smtClean="0"/>
+              <a:rPr lang="en-US" altLang="ko-KR" sz="1200" smtClean="0"/>
               <a:t>, </a:t>
             </a:r>
             <a:r>
-              <a:rPr lang="ko-KR" altLang="en-US" sz="1200" dirty="0" smtClean="0"/>
+              <a:rPr lang="ko-KR" altLang="en-US" sz="1200" smtClean="0"/>
               <a:t>마물</a:t>
             </a:r>
             <a:r>
-              <a:rPr lang="en-US" altLang="ko-KR" sz="1200" dirty="0" smtClean="0"/>
+              <a:rPr lang="en-US" altLang="ko-KR" sz="1200" smtClean="0"/>
               <a:t>, </a:t>
             </a:r>
             <a:r>
-              <a:rPr lang="ko-KR" altLang="en-US" sz="1200" dirty="0" smtClean="0"/>
+              <a:rPr lang="ko-KR" altLang="en-US" sz="1200" smtClean="0"/>
               <a:t>악마</a:t>
             </a:r>
             <a:r>
-              <a:rPr lang="en-US" altLang="ko-KR" sz="1200" dirty="0" smtClean="0"/>
+              <a:rPr lang="en-US" altLang="ko-KR" sz="1200" smtClean="0"/>
               <a:t>, </a:t>
             </a:r>
             <a:r>
-              <a:rPr lang="ko-KR" altLang="en-US" sz="1200" dirty="0" err="1" smtClean="0"/>
+              <a:rPr lang="ko-KR" altLang="en-US" sz="1200" smtClean="0"/>
               <a:t>퇴마</a:t>
             </a:r>
             <a:r>
-              <a:rPr lang="en-US" altLang="ko-KR" sz="1200" dirty="0" smtClean="0"/>
+              <a:rPr lang="en-US" altLang="ko-KR" sz="1200" smtClean="0"/>
               <a:t>)</a:t>
             </a:r>
             <a:r>
-              <a:rPr lang="ko-KR" altLang="en-US" sz="1200" dirty="0" smtClean="0"/>
+              <a:rPr lang="ko-KR" altLang="en-US" sz="1200" smtClean="0"/>
               <a:t>는 무겁지만 느낌은 코믹</a:t>
             </a:r>
-            <a:endParaRPr lang="en-US" altLang="ko-KR" sz="1200" dirty="0" smtClean="0"/>
-          </a:p>
-          <a:p>
-            <a:r>
-              <a:rPr lang="ko-KR" altLang="en-US" sz="1200" dirty="0" smtClean="0"/>
-              <a:t>이미지 장당 </a:t>
-            </a:r>
-            <a:r>
-              <a:rPr lang="ko-KR" altLang="en-US" sz="1200" dirty="0" err="1" smtClean="0"/>
-              <a:t>칼라수</a:t>
-            </a:r>
-            <a:r>
-              <a:rPr lang="ko-KR" altLang="en-US" sz="1200" dirty="0" smtClean="0"/>
+            <a:endParaRPr lang="en-US" altLang="ko-KR" sz="1200" smtClean="0"/>
+          </a:p>
+          <a:p>
+            <a:pPr eaLnBrk="1" hangingPunct="1"/>
+            <a:r>
+              <a:rPr lang="ko-KR" altLang="en-US" sz="1200" smtClean="0"/>
+              <a:t>이미지 장당 칼라수 </a:t>
+            </a:r>
+            <a:r>
+              <a:rPr lang="en-US" altLang="ko-KR" sz="1200" smtClean="0"/>
+              <a:t>256</a:t>
+            </a:r>
+            <a:r>
+              <a:rPr lang="ko-KR" altLang="en-US" sz="1200" smtClean="0"/>
+              <a:t>까지</a:t>
+            </a:r>
+            <a:endParaRPr lang="en-US" altLang="ko-KR" sz="1200" smtClean="0"/>
+          </a:p>
+          <a:p>
+            <a:pPr eaLnBrk="1" hangingPunct="1"/>
+            <a:r>
+              <a:rPr lang="ko-KR" altLang="en-US" sz="1200" smtClean="0"/>
+              <a:t>이미지 크기</a:t>
+            </a:r>
+            <a:r>
+              <a:rPr lang="en-US" altLang="ko-KR" sz="1200" smtClean="0"/>
+              <a:t>, </a:t>
+            </a:r>
+            <a:r>
+              <a:rPr lang="ko-KR" altLang="en-US" sz="1200" smtClean="0"/>
+              <a:t>스프라이트 크기</a:t>
+            </a:r>
+            <a:r>
+              <a:rPr lang="en-US" altLang="ko-KR" sz="1200" smtClean="0"/>
               <a:t> </a:t>
             </a:r>
             <a:r>
-              <a:rPr lang="en-US" altLang="ko-KR" sz="1200" dirty="0" smtClean="0"/>
-              <a:t>256</a:t>
-            </a:r>
-            <a:r>
-              <a:rPr lang="ko-KR" altLang="en-US" sz="1200" dirty="0" smtClean="0"/>
-              <a:t>까지</a:t>
-            </a:r>
-            <a:endParaRPr lang="en-US" altLang="ko-KR" sz="1200" dirty="0" smtClean="0"/>
-          </a:p>
-          <a:p>
-            <a:r>
-              <a:rPr lang="ko-KR" altLang="en-US" sz="1200" dirty="0" smtClean="0"/>
-              <a:t>이미지 크기</a:t>
-            </a:r>
-            <a:r>
-              <a:rPr lang="en-US" altLang="ko-KR" sz="1200" dirty="0" smtClean="0"/>
-              <a:t>, </a:t>
-            </a:r>
-            <a:r>
-              <a:rPr lang="ko-KR" altLang="en-US" sz="1200" dirty="0" err="1" smtClean="0"/>
-              <a:t>스프라이트</a:t>
-            </a:r>
-            <a:r>
-              <a:rPr lang="ko-KR" altLang="en-US" sz="1200" dirty="0" smtClean="0"/>
-              <a:t> 크기</a:t>
-            </a:r>
-            <a:r>
-              <a:rPr lang="en-US" altLang="ko-KR" sz="1200" dirty="0"/>
-              <a:t> </a:t>
-            </a:r>
-            <a:r>
-              <a:rPr lang="ko-KR" altLang="en-US" sz="1200" dirty="0" smtClean="0"/>
+              <a:rPr lang="ko-KR" altLang="en-US" sz="1200" smtClean="0"/>
               <a:t>등은 제한 없음</a:t>
             </a:r>
-            <a:endParaRPr lang="en-US" altLang="ko-KR" sz="1200" dirty="0" smtClean="0"/>
-          </a:p>
-          <a:p>
-            <a:r>
-              <a:rPr lang="ko-KR" altLang="en-US" sz="1200" dirty="0" smtClean="0"/>
+            <a:endParaRPr lang="en-US" altLang="ko-KR" sz="1200" smtClean="0"/>
+          </a:p>
+          <a:p>
+            <a:pPr eaLnBrk="1" hangingPunct="1"/>
+            <a:r>
+              <a:rPr lang="ko-KR" altLang="en-US" sz="1200" smtClean="0"/>
               <a:t>용량에 큰 제약을 받지 않음</a:t>
             </a:r>
-            <a:endParaRPr lang="en-US" altLang="ko-KR" sz="1200" dirty="0" smtClean="0"/>
-          </a:p>
-          <a:p>
-            <a:endParaRPr lang="en-US" altLang="ko-KR" sz="1200" dirty="0" smtClean="0"/>
+            <a:endParaRPr lang="en-US" altLang="ko-KR" sz="1200" smtClean="0"/>
+          </a:p>
+          <a:p>
+            <a:pPr eaLnBrk="1" hangingPunct="1"/>
+            <a:endParaRPr lang="en-US" altLang="ko-KR" sz="1200" smtClean="0"/>
           </a:p>
         </p:txBody>
       </p:sp>
@@ -3326,7 +8015,7 @@
       </p:grpSpPr>
       <p:sp>
         <p:nvSpPr>
-          <p:cNvPr id="2" name="제목 1"/>
+          <p:cNvPr id="4098" name="제목 1"/>
           <p:cNvSpPr>
             <a:spLocks noGrp="1"/>
           </p:cNvSpPr>
@@ -3339,33 +8028,34 @@
           <a:bodyPr/>
           <a:lstStyle/>
           <a:p>
-            <a:r>
-              <a:rPr lang="en-US" altLang="ko-KR" dirty="0" smtClean="0"/>
+            <a:pPr eaLnBrk="1" hangingPunct="1"/>
+            <a:r>
+              <a:rPr lang="en-US" altLang="ko-KR" smtClean="0"/>
               <a:t>1. </a:t>
             </a:r>
             <a:r>
-              <a:rPr lang="ko-KR" altLang="en-US" dirty="0" smtClean="0"/>
+              <a:rPr lang="ko-KR" altLang="en-US" smtClean="0"/>
               <a:t>타이틀</a:t>
             </a:r>
             <a:r>
-              <a:rPr lang="en-US" altLang="ko-KR" dirty="0" smtClean="0"/>
+              <a:rPr lang="en-US" altLang="ko-KR" smtClean="0"/>
               <a:t>(</a:t>
             </a:r>
             <a:r>
-              <a:rPr lang="ko-KR" altLang="en-US" dirty="0" smtClean="0"/>
+              <a:rPr lang="ko-KR" altLang="en-US" smtClean="0"/>
               <a:t>배경</a:t>
             </a:r>
             <a:r>
-              <a:rPr lang="en-US" altLang="ko-KR" dirty="0" smtClean="0"/>
+              <a:rPr lang="en-US" altLang="ko-KR" smtClean="0"/>
               <a:t>)</a:t>
             </a:r>
-            <a:endParaRPr lang="ko-KR" altLang="en-US" dirty="0"/>
-          </a:p>
-        </p:txBody>
-      </p:sp>
-      <p:sp>
-        <p:nvSpPr>
-          <p:cNvPr id="3" name="내용 개체 틀 2"/>
+            <a:endParaRPr lang="ko-KR" altLang="en-US" smtClean="0"/>
+          </a:p>
+        </p:txBody>
+      </p:sp>
+      <p:sp>
+        <p:nvSpPr>
+          <p:cNvPr id="4099" name="내용 개체 틀 2"/>
           <p:cNvSpPr>
             <a:spLocks noGrp="1"/>
           </p:cNvSpPr>
@@ -3375,50 +8065,25 @@
         </p:nvSpPr>
         <p:spPr/>
         <p:txBody>
-          <a:bodyPr>
-            <a:normAutofit/>
-          </a:bodyPr>
+          <a:bodyPr/>
           <a:lstStyle/>
           <a:p>
-            <a:r>
-              <a:rPr lang="ko-KR" altLang="en-US" sz="1200" dirty="0" smtClean="0"/>
-              <a:t>타이틀의 배경은 </a:t>
-            </a:r>
-            <a:r>
-              <a:rPr lang="ko-KR" altLang="en-US" sz="1200" dirty="0" err="1" smtClean="0"/>
-              <a:t>메인게임</a:t>
-            </a:r>
-            <a:r>
-              <a:rPr lang="ko-KR" altLang="en-US" sz="1200" dirty="0" smtClean="0"/>
-              <a:t> 배경과 공통으로 사용한다</a:t>
-            </a:r>
-            <a:r>
-              <a:rPr lang="en-US" altLang="ko-KR" sz="1200" dirty="0" smtClean="0"/>
+            <a:pPr eaLnBrk="1" hangingPunct="1"/>
+            <a:r>
+              <a:rPr lang="ko-KR" altLang="en-US" sz="1200" smtClean="0"/>
+              <a:t>타이틀의 배경은 메인게임 배경과 공통으로 사용한다</a:t>
+            </a:r>
+            <a:r>
+              <a:rPr lang="en-US" altLang="ko-KR" sz="1200" smtClean="0"/>
               <a:t>.</a:t>
             </a:r>
           </a:p>
           <a:p>
-            <a:r>
-              <a:rPr lang="ko-KR" altLang="en-US" sz="1200" dirty="0" smtClean="0"/>
-              <a:t>기본적인 </a:t>
-            </a:r>
-            <a:r>
-              <a:rPr lang="ko-KR" altLang="en-US" sz="1200" dirty="0" err="1" smtClean="0"/>
-              <a:t>컨셉은</a:t>
-            </a:r>
-            <a:r>
-              <a:rPr lang="ko-KR" altLang="en-US" sz="1200" dirty="0" smtClean="0"/>
-              <a:t> 깊은 </a:t>
-            </a:r>
-            <a:r>
-              <a:rPr lang="ko-KR" altLang="en-US" sz="1200" dirty="0" err="1" smtClean="0"/>
-              <a:t>숲속에서</a:t>
-            </a:r>
-            <a:r>
-              <a:rPr lang="ko-KR" altLang="en-US" sz="1200" dirty="0" smtClean="0"/>
-              <a:t> 마을로 가는 작은 길</a:t>
-            </a:r>
-            <a:endParaRPr lang="ko-KR" altLang="en-US" sz="1200" dirty="0"/>
+            <a:pPr eaLnBrk="1" hangingPunct="1"/>
+            <a:r>
+              <a:rPr lang="ko-KR" altLang="en-US" sz="1200" smtClean="0"/>
+              <a:t>기본적인 컨셉은 깊은 숲속에서 마을로 가는 작은 길</a:t>
+            </a:r>
           </a:p>
         </p:txBody>
       </p:sp>
@@ -3430,8 +8095,8 @@
         </p:nvSpPr>
         <p:spPr>
           <a:xfrm>
-            <a:off x="3714744" y="2214554"/>
-            <a:ext cx="4714908" cy="500066"/>
+            <a:off x="3714750" y="2214563"/>
+            <a:ext cx="4714875" cy="500062"/>
           </a:xfrm>
           <a:prstGeom prst="roundRect">
             <a:avLst/>
@@ -3454,23 +8119,30 @@
           </a:fontRef>
         </p:style>
         <p:txBody>
-          <a:bodyPr rtlCol="0" anchor="ctr"/>
+          <a:bodyPr anchor="ctr"/>
           <a:lstStyle/>
           <a:p>
-            <a:pPr algn="ctr"/>
-            <a:r>
-              <a:rPr lang="ko-KR" altLang="en-US" sz="1400" dirty="0" smtClean="0"/>
+            <a:pPr algn="ctr" fontAlgn="auto">
+              <a:spcBef>
+                <a:spcPts val="0"/>
+              </a:spcBef>
+              <a:spcAft>
+                <a:spcPts val="0"/>
+              </a:spcAft>
+              <a:defRPr/>
+            </a:pPr>
+            <a:r>
+              <a:rPr kumimoji="0" lang="ko-KR" altLang="en-US" sz="1400" dirty="0"/>
               <a:t>하늘은 </a:t>
             </a:r>
             <a:r>
-              <a:rPr lang="ko-KR" altLang="en-US" sz="1400" dirty="0" err="1" smtClean="0"/>
+              <a:rPr kumimoji="0" lang="ko-KR" altLang="en-US" sz="1400" dirty="0" err="1"/>
               <a:t>그라데이션</a:t>
             </a:r>
             <a:r>
-              <a:rPr lang="ko-KR" altLang="en-US" sz="1400" dirty="0" smtClean="0"/>
+              <a:rPr kumimoji="0" lang="ko-KR" altLang="en-US" sz="1400" dirty="0"/>
               <a:t> 느낌의 패턴으로 표현</a:t>
             </a:r>
-            <a:endParaRPr lang="ko-KR" altLang="en-US" sz="1400" dirty="0"/>
           </a:p>
         </p:txBody>
       </p:sp>
@@ -3482,8 +8154,8 @@
         </p:nvSpPr>
         <p:spPr>
           <a:xfrm>
-            <a:off x="3714744" y="2857496"/>
-            <a:ext cx="4714908" cy="500066"/>
+            <a:off x="3714750" y="2857500"/>
+            <a:ext cx="4714875" cy="500063"/>
           </a:xfrm>
           <a:prstGeom prst="roundRect">
             <a:avLst/>
@@ -3506,19 +8178,27 @@
           </a:fontRef>
         </p:style>
         <p:txBody>
-          <a:bodyPr rtlCol="0" anchor="ctr"/>
+          <a:bodyPr anchor="ctr"/>
           <a:lstStyle/>
           <a:p>
-            <a:pPr algn="ctr"/>
-            <a:r>
-              <a:rPr lang="ko-KR" altLang="en-US" sz="1400" dirty="0" smtClean="0"/>
+            <a:pPr algn="ctr" fontAlgn="auto">
+              <a:spcBef>
+                <a:spcPts val="0"/>
+              </a:spcBef>
+              <a:spcAft>
+                <a:spcPts val="0"/>
+              </a:spcAft>
+              <a:defRPr/>
+            </a:pPr>
+            <a:r>
+              <a:rPr kumimoji="0" lang="ko-KR" altLang="en-US" sz="1400" dirty="0"/>
               <a:t>하늘에 크고 작은 별들이 </a:t>
             </a:r>
             <a:r>
-              <a:rPr lang="ko-KR" altLang="en-US" sz="1400" dirty="0" err="1" smtClean="0"/>
+              <a:rPr kumimoji="0" lang="ko-KR" altLang="en-US" sz="1400" dirty="0" err="1"/>
               <a:t>깜빡거린다</a:t>
             </a:r>
-            <a:endParaRPr lang="ko-KR" altLang="en-US" sz="1400" dirty="0"/>
+            <a:endParaRPr kumimoji="0" lang="ko-KR" altLang="en-US" sz="1400" dirty="0"/>
           </a:p>
         </p:txBody>
       </p:sp>
@@ -3530,8 +8210,8 @@
         </p:nvCxnSpPr>
         <p:spPr>
           <a:xfrm rot="5400000">
-            <a:off x="3107124" y="5607462"/>
-            <a:ext cx="1071570" cy="794"/>
+            <a:off x="3106738" y="5607050"/>
+            <a:ext cx="1071562" cy="1588"/>
           </a:xfrm>
           <a:prstGeom prst="straightConnector1">
             <a:avLst/>
@@ -3564,8 +8244,8 @@
         </p:nvCxnSpPr>
         <p:spPr>
           <a:xfrm>
-            <a:off x="3786182" y="5499908"/>
-            <a:ext cx="428628" cy="1588"/>
+            <a:off x="3786188" y="5500688"/>
+            <a:ext cx="428625" cy="1587"/>
           </a:xfrm>
           <a:prstGeom prst="line">
             <a:avLst/>
@@ -3594,8 +8274,8 @@
         </p:nvSpPr>
         <p:spPr>
           <a:xfrm>
-            <a:off x="4286248" y="4643446"/>
-            <a:ext cx="4429156" cy="1356528"/>
+            <a:off x="4286250" y="4643438"/>
+            <a:ext cx="4429125" cy="1357312"/>
           </a:xfrm>
           <a:prstGeom prst="roundRect">
             <a:avLst/>
@@ -3618,66 +8298,90 @@
           </a:fontRef>
         </p:style>
         <p:txBody>
-          <a:bodyPr rtlCol="0" anchor="ctr"/>
+          <a:bodyPr anchor="ctr"/>
           <a:lstStyle/>
           <a:p>
-            <a:pPr algn="ctr"/>
-            <a:r>
-              <a:rPr lang="ko-KR" altLang="en-US" sz="1400" dirty="0" smtClean="0"/>
+            <a:pPr algn="ctr" fontAlgn="auto">
+              <a:spcBef>
+                <a:spcPts val="0"/>
+              </a:spcBef>
+              <a:spcAft>
+                <a:spcPts val="0"/>
+              </a:spcAft>
+              <a:defRPr/>
+            </a:pPr>
+            <a:r>
+              <a:rPr kumimoji="0" lang="ko-KR" altLang="en-US" sz="1400" dirty="0"/>
               <a:t>길을 표현하는 각각의 </a:t>
             </a:r>
             <a:r>
-              <a:rPr lang="ko-KR" altLang="en-US" sz="1400" dirty="0" err="1" smtClean="0"/>
+              <a:rPr kumimoji="0" lang="ko-KR" altLang="en-US" sz="1400" dirty="0" err="1"/>
               <a:t>투영선은</a:t>
             </a:r>
             <a:r>
-              <a:rPr lang="ko-KR" altLang="en-US" sz="1400" dirty="0" smtClean="0"/>
+              <a:rPr kumimoji="0" lang="ko-KR" altLang="en-US" sz="1400" dirty="0"/>
               <a:t> 바닥에서 </a:t>
             </a:r>
             <a:r>
-              <a:rPr lang="en-US" altLang="ko-KR" sz="1400" dirty="0" smtClean="0"/>
+              <a:rPr kumimoji="0" lang="en-US" altLang="ko-KR" sz="1400" dirty="0"/>
               <a:t>106 </a:t>
             </a:r>
             <a:r>
-              <a:rPr lang="ko-KR" altLang="en-US" sz="1400" dirty="0" smtClean="0"/>
+              <a:rPr kumimoji="0" lang="ko-KR" altLang="en-US" sz="1400" dirty="0"/>
               <a:t>픽셀만큼 떨어진 곳에서 끝난다</a:t>
             </a:r>
             <a:r>
-              <a:rPr lang="en-US" altLang="ko-KR" sz="1400" dirty="0" smtClean="0"/>
+              <a:rPr kumimoji="0" lang="en-US" altLang="ko-KR" sz="1400" dirty="0"/>
               <a:t>. (</a:t>
             </a:r>
             <a:r>
-              <a:rPr lang="ko-KR" altLang="en-US" sz="1400" b="1" dirty="0" smtClean="0"/>
+              <a:rPr kumimoji="0" lang="ko-KR" altLang="en-US" sz="1400" b="1" dirty="0"/>
               <a:t>버튼 </a:t>
             </a:r>
             <a:r>
-              <a:rPr lang="en-US" altLang="ko-KR" sz="1400" b="1" dirty="0" smtClean="0"/>
+              <a:rPr kumimoji="0" lang="en-US" altLang="ko-KR" sz="1400" b="1" dirty="0"/>
               <a:t>UI</a:t>
             </a:r>
             <a:r>
-              <a:rPr lang="ko-KR" altLang="en-US" sz="1400" dirty="0" smtClean="0"/>
+              <a:rPr kumimoji="0" lang="ko-KR" altLang="en-US" sz="1400" dirty="0"/>
               <a:t> 들어갈 자리</a:t>
             </a:r>
             <a:r>
-              <a:rPr lang="en-US" altLang="ko-KR" sz="1400" dirty="0" smtClean="0"/>
+              <a:rPr kumimoji="0" lang="en-US" altLang="ko-KR" sz="1400" dirty="0"/>
               <a:t>)</a:t>
             </a:r>
           </a:p>
           <a:p>
-            <a:pPr algn="ctr"/>
-            <a:endParaRPr lang="en-US" altLang="ko-KR" sz="1400" dirty="0"/>
-          </a:p>
-          <a:p>
-            <a:pPr algn="ctr"/>
-            <a:r>
-              <a:rPr lang="ko-KR" altLang="en-US" sz="1400" dirty="0" smtClean="0"/>
+            <a:pPr algn="ctr" fontAlgn="auto">
+              <a:spcBef>
+                <a:spcPts val="0"/>
+              </a:spcBef>
+              <a:spcAft>
+                <a:spcPts val="0"/>
+              </a:spcAft>
+              <a:defRPr/>
+            </a:pPr>
+            <a:endParaRPr kumimoji="0" lang="en-US" altLang="ko-KR" sz="1400" dirty="0"/>
+          </a:p>
+          <a:p>
+            <a:pPr algn="ctr" fontAlgn="auto">
+              <a:spcBef>
+                <a:spcPts val="0"/>
+              </a:spcBef>
+              <a:spcAft>
+                <a:spcPts val="0"/>
+              </a:spcAft>
+              <a:defRPr/>
+            </a:pPr>
+            <a:r>
+              <a:rPr kumimoji="0" lang="ko-KR" altLang="en-US" sz="1400" dirty="0"/>
               <a:t>먼 쪽에서 이쪽으로 올수록 길은 밝다</a:t>
             </a:r>
             <a:r>
-              <a:rPr lang="en-US" altLang="ko-KR" sz="1400" dirty="0" smtClean="0"/>
+              <a:rPr kumimoji="0" lang="en-US" altLang="ko-KR" sz="1400" dirty="0"/>
               <a:t>.</a:t>
             </a:r>
-            <a:endParaRPr lang="ko-KR" altLang="en-US" sz="1400" dirty="0"/>
+            <a:endParaRPr kumimoji="0" lang="ko-KR" altLang="en-US" sz="1400" dirty="0"/>
           </a:p>
         </p:txBody>
       </p:sp>
@@ -3689,8 +8393,8 @@
         </p:nvSpPr>
         <p:spPr>
           <a:xfrm>
-            <a:off x="3714744" y="3571876"/>
-            <a:ext cx="4714908" cy="500066"/>
+            <a:off x="3714750" y="3571875"/>
+            <a:ext cx="4714875" cy="500063"/>
           </a:xfrm>
           <a:prstGeom prst="roundRect">
             <a:avLst/>
@@ -3713,21 +8417,28 @@
           </a:fontRef>
         </p:style>
         <p:txBody>
-          <a:bodyPr rtlCol="0" anchor="ctr"/>
+          <a:bodyPr anchor="ctr"/>
           <a:lstStyle/>
           <a:p>
-            <a:pPr algn="ctr"/>
-            <a:r>
-              <a:rPr lang="ko-KR" altLang="en-US" sz="1400" dirty="0" smtClean="0"/>
+            <a:pPr algn="ctr" fontAlgn="auto">
+              <a:spcBef>
+                <a:spcPts val="0"/>
+              </a:spcBef>
+              <a:spcAft>
+                <a:spcPts val="0"/>
+              </a:spcAft>
+              <a:defRPr/>
+            </a:pPr>
+            <a:r>
+              <a:rPr kumimoji="0" lang="ko-KR" altLang="en-US" sz="1400" dirty="0"/>
               <a:t>길 옆으로 나무들이 줄지어 서있는 숲</a:t>
             </a:r>
-            <a:endParaRPr lang="ko-KR" altLang="en-US" sz="1400" dirty="0"/>
           </a:p>
         </p:txBody>
       </p:sp>
       <p:pic>
         <p:nvPicPr>
-          <p:cNvPr id="1027" name="Picture 3" descr="C:\Users\Jake\Desktop\bg.jpg"/>
+          <p:cNvPr id="4106" name="Picture 3" descr="C:\Users\Jake\Desktop\bg.jpg"/>
           <p:cNvPicPr>
             <a:picLocks noChangeAspect="1" noChangeArrowheads="1"/>
           </p:cNvPicPr>
@@ -3742,13 +8453,19 @@
         </p:blipFill>
         <p:spPr bwMode="auto">
           <a:xfrm>
-            <a:off x="857224" y="2143116"/>
-            <a:ext cx="2652189" cy="3978284"/>
+            <a:off x="857250" y="2143125"/>
+            <a:ext cx="2652713" cy="3978275"/>
           </a:xfrm>
           <a:prstGeom prst="rect">
             <a:avLst/>
           </a:prstGeom>
           <a:noFill/>
+          <a:ln w="9525">
+            <a:noFill/>
+            <a:miter lim="800000"/>
+            <a:headEnd/>
+            <a:tailEnd/>
+          </a:ln>
         </p:spPr>
       </p:pic>
     </p:spTree>
@@ -3778,7 +8495,7 @@
       </p:grpSpPr>
       <p:sp>
         <p:nvSpPr>
-          <p:cNvPr id="2" name="제목 1"/>
+          <p:cNvPr id="5122" name="제목 1"/>
           <p:cNvSpPr>
             <a:spLocks noGrp="1"/>
           </p:cNvSpPr>
@@ -3791,33 +8508,34 @@
           <a:bodyPr/>
           <a:lstStyle/>
           <a:p>
-            <a:r>
-              <a:rPr lang="en-US" altLang="ko-KR" dirty="0" smtClean="0"/>
+            <a:pPr eaLnBrk="1" hangingPunct="1"/>
+            <a:r>
+              <a:rPr lang="en-US" altLang="ko-KR" smtClean="0"/>
               <a:t>1. </a:t>
             </a:r>
             <a:r>
-              <a:rPr lang="ko-KR" altLang="en-US" dirty="0" smtClean="0"/>
+              <a:rPr lang="ko-KR" altLang="en-US" smtClean="0"/>
               <a:t>타이틀</a:t>
             </a:r>
             <a:r>
-              <a:rPr lang="en-US" altLang="ko-KR" dirty="0" smtClean="0"/>
+              <a:rPr lang="en-US" altLang="ko-KR" smtClean="0"/>
               <a:t>(</a:t>
             </a:r>
             <a:r>
-              <a:rPr lang="ko-KR" altLang="en-US" dirty="0" smtClean="0"/>
+              <a:rPr lang="ko-KR" altLang="en-US" smtClean="0"/>
               <a:t>배경</a:t>
             </a:r>
             <a:r>
-              <a:rPr lang="en-US" altLang="ko-KR" dirty="0" smtClean="0"/>
+              <a:rPr lang="en-US" altLang="ko-KR" smtClean="0"/>
               <a:t>)</a:t>
             </a:r>
-            <a:endParaRPr lang="ko-KR" altLang="en-US" dirty="0"/>
+            <a:endParaRPr lang="ko-KR" altLang="en-US" smtClean="0"/>
           </a:p>
         </p:txBody>
       </p:sp>
       <p:pic>
         <p:nvPicPr>
-          <p:cNvPr id="2054" name="Picture 6" descr="C:\Users\Jake\Desktop\New folder\169136908_91851c414a.jpg"/>
+          <p:cNvPr id="5123" name="Picture 6" descr="C:\Users\Jake\Desktop\New folder\169136908_91851c414a.jpg"/>
           <p:cNvPicPr>
             <a:picLocks noChangeAspect="1" noChangeArrowheads="1"/>
           </p:cNvPicPr>
@@ -3832,18 +8550,24 @@
         </p:blipFill>
         <p:spPr bwMode="auto">
           <a:xfrm>
-            <a:off x="142844" y="1428736"/>
-            <a:ext cx="3270242" cy="2333455"/>
+            <a:off x="142875" y="1428750"/>
+            <a:ext cx="3270250" cy="2333625"/>
           </a:xfrm>
           <a:prstGeom prst="rect">
             <a:avLst/>
           </a:prstGeom>
           <a:noFill/>
+          <a:ln w="9525">
+            <a:noFill/>
+            <a:miter lim="800000"/>
+            <a:headEnd/>
+            <a:tailEnd/>
+          </a:ln>
         </p:spPr>
       </p:pic>
       <p:pic>
         <p:nvPicPr>
-          <p:cNvPr id="2055" name="Picture 7" descr="C:\Users\Jake\Desktop\New folder\2907949195_172f109c45.jpg"/>
+          <p:cNvPr id="5124" name="Picture 7" descr="C:\Users\Jake\Desktop\New folder\2907949195_172f109c45.jpg"/>
           <p:cNvPicPr>
             <a:picLocks noChangeAspect="1" noChangeArrowheads="1"/>
           </p:cNvPicPr>
@@ -3858,18 +8582,24 @@
         </p:blipFill>
         <p:spPr bwMode="auto">
           <a:xfrm>
-            <a:off x="142844" y="3785450"/>
-            <a:ext cx="3929090" cy="3072549"/>
+            <a:off x="142875" y="3786188"/>
+            <a:ext cx="3929063" cy="3071812"/>
           </a:xfrm>
           <a:prstGeom prst="rect">
             <a:avLst/>
           </a:prstGeom>
           <a:noFill/>
+          <a:ln w="9525">
+            <a:noFill/>
+            <a:miter lim="800000"/>
+            <a:headEnd/>
+            <a:tailEnd/>
+          </a:ln>
         </p:spPr>
       </p:pic>
       <p:pic>
         <p:nvPicPr>
-          <p:cNvPr id="2056" name="Picture 8" descr="C:\Users\Jake\Desktop\New folder\2953182835_5857dce794.jpg"/>
+          <p:cNvPr id="5125" name="Picture 8" descr="C:\Users\Jake\Desktop\New folder\2953182835_5857dce794.jpg"/>
           <p:cNvPicPr>
             <a:picLocks noChangeAspect="1" noChangeArrowheads="1"/>
           </p:cNvPicPr>
@@ -3884,18 +8614,24 @@
         </p:blipFill>
         <p:spPr bwMode="auto">
           <a:xfrm>
-            <a:off x="4143372" y="1285860"/>
-            <a:ext cx="2206611" cy="2965875"/>
+            <a:off x="4143375" y="1285875"/>
+            <a:ext cx="2206625" cy="2965450"/>
           </a:xfrm>
           <a:prstGeom prst="rect">
             <a:avLst/>
           </a:prstGeom>
           <a:noFill/>
+          <a:ln w="9525">
+            <a:noFill/>
+            <a:miter lim="800000"/>
+            <a:headEnd/>
+            <a:tailEnd/>
+          </a:ln>
         </p:spPr>
       </p:pic>
       <p:pic>
         <p:nvPicPr>
-          <p:cNvPr id="2057" name="Picture 9" descr="C:\Users\Jake\Desktop\New folder\3169634831_7dc08847f2.jpg"/>
+          <p:cNvPr id="5126" name="Picture 9" descr="C:\Users\Jake\Desktop\New folder\3169634831_7dc08847f2.jpg"/>
           <p:cNvPicPr>
             <a:picLocks noChangeAspect="1" noChangeArrowheads="1"/>
           </p:cNvPicPr>
@@ -3910,15 +8646,81 @@
         </p:blipFill>
         <p:spPr bwMode="auto">
           <a:xfrm>
-            <a:off x="5000628" y="4265270"/>
-            <a:ext cx="3966037" cy="2449853"/>
+            <a:off x="5000625" y="4265613"/>
+            <a:ext cx="3965575" cy="2449512"/>
           </a:xfrm>
           <a:prstGeom prst="rect">
             <a:avLst/>
           </a:prstGeom>
           <a:noFill/>
+          <a:ln w="9525">
+            <a:noFill/>
+            <a:miter lim="800000"/>
+            <a:headEnd/>
+            <a:tailEnd/>
+          </a:ln>
         </p:spPr>
       </p:pic>
+      <p:sp>
+        <p:nvSpPr>
+          <p:cNvPr id="7" name="모서리가 둥근 직사각형 6"/>
+          <p:cNvSpPr/>
+          <p:nvPr/>
+        </p:nvSpPr>
+        <p:spPr>
+          <a:xfrm>
+            <a:off x="6715125" y="1428750"/>
+            <a:ext cx="1571625" cy="500063"/>
+          </a:xfrm>
+          <a:prstGeom prst="roundRect">
+            <a:avLst/>
+          </a:prstGeom>
+        </p:spPr>
+        <p:style>
+          <a:lnRef idx="2">
+            <a:schemeClr val="accent1">
+              <a:shade val="50000"/>
+            </a:schemeClr>
+          </a:lnRef>
+          <a:fillRef idx="1">
+            <a:schemeClr val="accent1"/>
+          </a:fillRef>
+          <a:effectRef idx="0">
+            <a:schemeClr val="accent1"/>
+          </a:effectRef>
+          <a:fontRef idx="minor">
+            <a:schemeClr val="lt1"/>
+          </a:fontRef>
+        </p:style>
+        <p:txBody>
+          <a:bodyPr anchor="ctr"/>
+          <a:lstStyle/>
+          <a:p>
+            <a:pPr algn="ctr" fontAlgn="auto">
+              <a:spcBef>
+                <a:spcPts val="0"/>
+              </a:spcBef>
+              <a:spcAft>
+                <a:spcPts val="0"/>
+              </a:spcAft>
+              <a:defRPr/>
+            </a:pPr>
+            <a:r>
+              <a:rPr kumimoji="0" lang="ko-KR" altLang="en-US" sz="1400"/>
+              <a:t>컨셉</a:t>
+            </a:r>
+            <a:r>
+              <a:rPr kumimoji="0" lang="ko-KR" altLang="en-US" sz="1400" dirty="0"/>
+              <a:t> </a:t>
+            </a:r>
+            <a:r>
+              <a:rPr kumimoji="0" lang="ko-KR" altLang="en-US" sz="1400" dirty="0" err="1"/>
+              <a:t>레퍼런스</a:t>
+            </a:r>
+            <a:endParaRPr kumimoji="0" lang="ko-KR" altLang="en-US" sz="1400" dirty="0"/>
+          </a:p>
+        </p:txBody>
+      </p:sp>
     </p:spTree>
   </p:cSld>
   <p:clrMapOvr>
@@ -3946,7 +8748,7 @@
       </p:grpSpPr>
       <p:sp>
         <p:nvSpPr>
-          <p:cNvPr id="2" name="제목 1"/>
+          <p:cNvPr id="6146" name="제목 1"/>
           <p:cNvSpPr>
             <a:spLocks noGrp="1"/>
           </p:cNvSpPr>
@@ -3959,21 +8761,21 @@
           <a:bodyPr/>
           <a:lstStyle/>
           <a:p>
-            <a:r>
-              <a:rPr lang="en-US" altLang="ko-KR" dirty="0" smtClean="0"/>
+            <a:pPr eaLnBrk="1" hangingPunct="1"/>
+            <a:r>
+              <a:rPr lang="en-US" altLang="ko-KR" smtClean="0"/>
               <a:t>1. </a:t>
             </a:r>
             <a:r>
-              <a:rPr lang="ko-KR" altLang="en-US" dirty="0" smtClean="0"/>
+              <a:rPr lang="ko-KR" altLang="en-US" smtClean="0"/>
               <a:t>타이틀</a:t>
             </a:r>
-            <a:endParaRPr lang="ko-KR" altLang="en-US" dirty="0"/>
           </a:p>
         </p:txBody>
       </p:sp>
       <p:pic>
         <p:nvPicPr>
-          <p:cNvPr id="5" name="Picture 3" descr="C:\Users\Jake\Desktop\bg.jpg"/>
+          <p:cNvPr id="6147" name="Picture 3" descr="C:\Users\Jake\Desktop\bg.jpg"/>
           <p:cNvPicPr>
             <a:picLocks noChangeAspect="1" noChangeArrowheads="1"/>
           </p:cNvPicPr>
@@ -3988,18 +8790,24 @@
         </p:blipFill>
         <p:spPr bwMode="auto">
           <a:xfrm>
-            <a:off x="857224" y="2143116"/>
-            <a:ext cx="2652189" cy="3978284"/>
+            <a:off x="857250" y="2143125"/>
+            <a:ext cx="2652713" cy="3978275"/>
           </a:xfrm>
           <a:prstGeom prst="rect">
             <a:avLst/>
           </a:prstGeom>
           <a:noFill/>
+          <a:ln w="9525">
+            <a:noFill/>
+            <a:miter lim="800000"/>
+            <a:headEnd/>
+            <a:tailEnd/>
+          </a:ln>
         </p:spPr>
       </p:pic>
       <p:sp>
         <p:nvSpPr>
-          <p:cNvPr id="6" name="내용 개체 틀 5"/>
+          <p:cNvPr id="6148" name="내용 개체 틀 5"/>
           <p:cNvSpPr>
             <a:spLocks noGrp="1"/>
           </p:cNvSpPr>
@@ -4009,69 +8817,68 @@
         </p:nvSpPr>
         <p:spPr/>
         <p:txBody>
-          <a:bodyPr>
-            <a:normAutofit/>
-          </a:bodyPr>
+          <a:bodyPr/>
           <a:lstStyle/>
           <a:p>
-            <a:pPr>
+            <a:pPr eaLnBrk="1" hangingPunct="1">
+              <a:buFont typeface="Arial" charset="0"/>
               <a:buNone/>
             </a:pPr>
             <a:r>
-              <a:rPr lang="ko-KR" altLang="en-US" sz="1100" dirty="0" smtClean="0"/>
+              <a:rPr lang="ko-KR" altLang="en-US" sz="1100" smtClean="0"/>
               <a:t>배경 위에 </a:t>
             </a:r>
             <a:r>
-              <a:rPr lang="en-US" altLang="ko-KR" sz="1100" dirty="0" smtClean="0"/>
+              <a:rPr lang="en-US" altLang="ko-KR" sz="1100" smtClean="0"/>
               <a:t>MC</a:t>
             </a:r>
             <a:r>
-              <a:rPr lang="ko-KR" altLang="en-US" sz="1100" dirty="0" smtClean="0"/>
+              <a:rPr lang="ko-KR" altLang="en-US" sz="1100" smtClean="0"/>
               <a:t>실루엣</a:t>
             </a:r>
             <a:r>
-              <a:rPr lang="en-US" altLang="ko-KR" sz="1100" dirty="0" smtClean="0"/>
+              <a:rPr lang="en-US" altLang="ko-KR" sz="1100" smtClean="0"/>
               <a:t>, </a:t>
             </a:r>
             <a:r>
-              <a:rPr lang="ko-KR" altLang="en-US" sz="1100" dirty="0" smtClean="0"/>
+              <a:rPr lang="ko-KR" altLang="en-US" sz="1100" smtClean="0"/>
               <a:t>그림자</a:t>
             </a:r>
             <a:r>
-              <a:rPr lang="en-US" altLang="ko-KR" sz="1100" dirty="0" smtClean="0"/>
+              <a:rPr lang="en-US" altLang="ko-KR" sz="1100" smtClean="0"/>
               <a:t>, </a:t>
             </a:r>
             <a:r>
-              <a:rPr lang="ko-KR" altLang="en-US" sz="1100" dirty="0" smtClean="0"/>
+              <a:rPr lang="ko-KR" altLang="en-US" sz="1100" smtClean="0"/>
               <a:t>타이틀 제목</a:t>
             </a:r>
             <a:r>
-              <a:rPr lang="en-US" altLang="ko-KR" sz="1100" dirty="0" smtClean="0"/>
+              <a:rPr lang="en-US" altLang="ko-KR" sz="1100" smtClean="0"/>
               <a:t>, </a:t>
             </a:r>
             <a:r>
-              <a:rPr lang="ko-KR" altLang="en-US" sz="1100" dirty="0" smtClean="0"/>
+              <a:rPr lang="ko-KR" altLang="en-US" sz="1100" smtClean="0"/>
               <a:t>그리고 </a:t>
             </a:r>
             <a:r>
-              <a:rPr lang="en-US" altLang="ko-KR" sz="1100" dirty="0" smtClean="0"/>
+              <a:rPr lang="en-US" altLang="ko-KR" sz="1100" smtClean="0"/>
               <a:t>touch to start </a:t>
             </a:r>
             <a:r>
-              <a:rPr lang="ko-KR" altLang="en-US" sz="1100" dirty="0" smtClean="0"/>
+              <a:rPr lang="ko-KR" altLang="en-US" sz="1100" smtClean="0"/>
               <a:t>가 그려진다</a:t>
             </a:r>
             <a:r>
-              <a:rPr lang="en-US" altLang="ko-KR" sz="1100" dirty="0" smtClean="0"/>
+              <a:rPr lang="en-US" altLang="ko-KR" sz="1100" smtClean="0"/>
               <a:t>.</a:t>
             </a:r>
-            <a:endParaRPr lang="ko-KR" altLang="en-US" sz="1100" dirty="0"/>
+            <a:endParaRPr lang="ko-KR" altLang="en-US" sz="1100" smtClean="0"/>
           </a:p>
         </p:txBody>
       </p:sp>
       <p:pic>
         <p:nvPicPr>
-          <p:cNvPr id="3075" name="Picture 3" descr="C:\Users\Jake\Desktop\Untitled-4.png"/>
+          <p:cNvPr id="6149" name="Picture 3" descr="C:\Users\Jake\Desktop\Untitled-4.png"/>
           <p:cNvPicPr>
             <a:picLocks noChangeAspect="1" noChangeArrowheads="1"/>
           </p:cNvPicPr>
@@ -4086,13 +8893,19 @@
         </p:blipFill>
         <p:spPr bwMode="auto">
           <a:xfrm>
-            <a:off x="881053" y="2143140"/>
-            <a:ext cx="2619377" cy="3929066"/>
+            <a:off x="881063" y="2143125"/>
+            <a:ext cx="2619375" cy="3929063"/>
           </a:xfrm>
           <a:prstGeom prst="rect">
             <a:avLst/>
           </a:prstGeom>
           <a:noFill/>
+          <a:ln w="9525">
+            <a:noFill/>
+            <a:miter lim="800000"/>
+            <a:headEnd/>
+            <a:tailEnd/>
+          </a:ln>
         </p:spPr>
       </p:pic>
       <p:sp>
@@ -4103,8 +8916,8 @@
         </p:nvSpPr>
         <p:spPr>
           <a:xfrm>
-            <a:off x="2928926" y="5572140"/>
-            <a:ext cx="4714908" cy="500066"/>
+            <a:off x="2928938" y="5572125"/>
+            <a:ext cx="4714875" cy="500063"/>
           </a:xfrm>
           <a:prstGeom prst="roundRect">
             <a:avLst/>
@@ -4127,39 +8940,47 @@
           </a:fontRef>
         </p:style>
         <p:txBody>
-          <a:bodyPr rtlCol="0" anchor="ctr"/>
+          <a:bodyPr anchor="ctr"/>
           <a:lstStyle/>
           <a:p>
-            <a:pPr algn="ctr"/>
-            <a:r>
-              <a:rPr lang="ko-KR" altLang="en-US" sz="1400" dirty="0" smtClean="0"/>
+            <a:pPr algn="ctr" fontAlgn="auto">
+              <a:spcBef>
+                <a:spcPts val="0"/>
+              </a:spcBef>
+              <a:spcAft>
+                <a:spcPts val="0"/>
+              </a:spcAft>
+              <a:defRPr/>
+            </a:pPr>
+            <a:r>
+              <a:rPr kumimoji="0" lang="ko-KR" altLang="en-US" sz="1400" dirty="0"/>
               <a:t>늘씬한 미녀</a:t>
             </a:r>
             <a:r>
-              <a:rPr lang="en-US" altLang="ko-KR" sz="1400" dirty="0" smtClean="0"/>
+              <a:rPr kumimoji="0" lang="en-US" altLang="ko-KR" sz="1400" dirty="0"/>
               <a:t>. </a:t>
             </a:r>
             <a:r>
-              <a:rPr lang="ko-KR" altLang="en-US" sz="1400" dirty="0" smtClean="0"/>
+              <a:rPr kumimoji="0" lang="ko-KR" altLang="en-US" sz="1400" dirty="0"/>
               <a:t>짧은 단발</a:t>
             </a:r>
             <a:r>
-              <a:rPr lang="en-US" altLang="ko-KR" sz="1400" dirty="0" smtClean="0"/>
+              <a:rPr kumimoji="0" lang="en-US" altLang="ko-KR" sz="1400" dirty="0"/>
               <a:t>. </a:t>
             </a:r>
             <a:r>
-              <a:rPr lang="ko-KR" altLang="en-US" sz="1400" dirty="0" err="1" smtClean="0"/>
+              <a:rPr kumimoji="0" lang="ko-KR" altLang="en-US" sz="1400" dirty="0" err="1"/>
               <a:t>뒷</a:t>
             </a:r>
             <a:r>
-              <a:rPr lang="ko-KR" altLang="en-US" sz="1400" dirty="0" smtClean="0"/>
+              <a:rPr kumimoji="0" lang="ko-KR" altLang="en-US" sz="1400" dirty="0"/>
               <a:t> 트임 초미니 스커트</a:t>
             </a:r>
             <a:r>
-              <a:rPr lang="en-US" altLang="ko-KR" sz="1400" dirty="0" smtClean="0"/>
+              <a:rPr kumimoji="0" lang="en-US" altLang="ko-KR" sz="1400" dirty="0"/>
               <a:t>.</a:t>
             </a:r>
-            <a:endParaRPr lang="ko-KR" altLang="en-US" sz="1400" dirty="0"/>
+            <a:endParaRPr kumimoji="0" lang="ko-KR" altLang="en-US" sz="1400" dirty="0"/>
           </a:p>
         </p:txBody>
       </p:sp>
@@ -4171,8 +8992,8 @@
         </p:nvSpPr>
         <p:spPr>
           <a:xfrm>
-            <a:off x="1142976" y="2786058"/>
-            <a:ext cx="2428892" cy="584775"/>
+            <a:off x="1143000" y="2786063"/>
+            <a:ext cx="2428875" cy="584200"/>
           </a:xfrm>
           <a:prstGeom prst="rect">
             <a:avLst/>
@@ -4180,13 +9001,22 @@
           <a:noFill/>
         </p:spPr>
         <p:txBody>
-          <a:bodyPr wrap="square" rtlCol="0">
+          <a:bodyPr>
             <a:spAutoFit/>
           </a:bodyPr>
           <a:lstStyle/>
           <a:p>
-            <a:r>
-              <a:rPr lang="ko-KR" altLang="en-US" sz="3200" b="1" dirty="0" smtClean="0">
+            <a:pPr fontAlgn="auto">
+              <a:spcBef>
+                <a:spcPts val="0"/>
+              </a:spcBef>
+              <a:spcAft>
+                <a:spcPts val="0"/>
+              </a:spcAft>
+              <a:defRPr/>
+            </a:pPr>
+            <a:r>
+              <a:rPr kumimoji="0" lang="ko-KR" altLang="en-US" sz="3200" b="1" dirty="0">
                 <a:solidFill>
                   <a:schemeClr val="accent2"/>
                 </a:solidFill>
@@ -4197,21 +9027,11 @@
                     </a:srgbClr>
                   </a:outerShdw>
                 </a:effectLst>
+                <a:latin typeface="+mn-lt"/>
+                <a:ea typeface="+mn-ea"/>
               </a:rPr>
               <a:t>게임타이틀</a:t>
             </a:r>
-            <a:endParaRPr lang="ko-KR" altLang="en-US" sz="3200" b="1" dirty="0">
-              <a:solidFill>
-                <a:schemeClr val="accent2"/>
-              </a:solidFill>
-              <a:effectLst>
-                <a:outerShdw blurRad="38100" dist="38100" dir="2700000" algn="tl">
-                  <a:srgbClr val="000000">
-                    <a:alpha val="43137"/>
-                  </a:srgbClr>
-                </a:outerShdw>
-              </a:effectLst>
-            </a:endParaRPr>
           </a:p>
         </p:txBody>
       </p:sp>
@@ -4223,8 +9043,8 @@
         </p:nvSpPr>
         <p:spPr>
           <a:xfrm>
-            <a:off x="1285852" y="4786322"/>
-            <a:ext cx="1785950" cy="338554"/>
+            <a:off x="1285875" y="4786313"/>
+            <a:ext cx="1785938" cy="338137"/>
           </a:xfrm>
           <a:prstGeom prst="rect">
             <a:avLst/>
@@ -4232,13 +9052,22 @@
           <a:noFill/>
         </p:spPr>
         <p:txBody>
-          <a:bodyPr wrap="square" rtlCol="0">
+          <a:bodyPr>
             <a:spAutoFit/>
           </a:bodyPr>
           <a:lstStyle/>
           <a:p>
-            <a:r>
-              <a:rPr lang="en-US" altLang="ko-KR" sz="1600" b="1" dirty="0" smtClean="0">
+            <a:pPr fontAlgn="auto">
+              <a:spcBef>
+                <a:spcPts val="0"/>
+              </a:spcBef>
+              <a:spcAft>
+                <a:spcPts val="0"/>
+              </a:spcAft>
+              <a:defRPr/>
+            </a:pPr>
+            <a:r>
+              <a:rPr kumimoji="0" lang="en-US" altLang="ko-KR" sz="1600" b="1" dirty="0">
                 <a:solidFill>
                   <a:schemeClr val="tx2">
                     <a:lumMod val="40000"/>
@@ -4252,10 +9081,12 @@
                     </a:srgbClr>
                   </a:outerShdw>
                 </a:effectLst>
+                <a:latin typeface="+mn-lt"/>
+                <a:ea typeface="+mn-ea"/>
               </a:rPr>
               <a:t>TOUCH to start</a:t>
             </a:r>
-            <a:endParaRPr lang="ko-KR" altLang="en-US" sz="1600" b="1" dirty="0">
+            <a:endParaRPr kumimoji="0" lang="ko-KR" altLang="en-US" sz="1600" b="1" dirty="0">
               <a:solidFill>
                 <a:schemeClr val="tx2">
                   <a:lumMod val="40000"/>
@@ -4269,6 +9100,8 @@
                   </a:srgbClr>
                 </a:outerShdw>
               </a:effectLst>
+              <a:latin typeface="+mn-lt"/>
+              <a:ea typeface="+mn-ea"/>
             </a:endParaRPr>
           </a:p>
         </p:txBody>
@@ -4300,7 +9133,7 @@
       </p:grpSpPr>
       <p:sp>
         <p:nvSpPr>
-          <p:cNvPr id="2" name="제목 1"/>
+          <p:cNvPr id="7170" name="제목 1"/>
           <p:cNvSpPr>
             <a:spLocks noGrp="1"/>
           </p:cNvSpPr>
@@ -4313,25 +9146,26 @@
           <a:bodyPr/>
           <a:lstStyle/>
           <a:p>
-            <a:r>
-              <a:rPr lang="en-US" altLang="ko-KR" dirty="0" smtClean="0"/>
+            <a:pPr eaLnBrk="1" hangingPunct="1"/>
+            <a:r>
+              <a:rPr lang="en-US" altLang="ko-KR" smtClean="0"/>
               <a:t>2. </a:t>
             </a:r>
             <a:r>
-              <a:rPr lang="ko-KR" altLang="en-US" dirty="0" err="1" smtClean="0"/>
+              <a:rPr lang="ko-KR" altLang="en-US" smtClean="0"/>
               <a:t>메인게임</a:t>
             </a:r>
             <a:r>
-              <a:rPr lang="en-US" altLang="ko-KR" dirty="0" smtClean="0"/>
+              <a:rPr lang="en-US" altLang="ko-KR" smtClean="0"/>
               <a:t>(overview)</a:t>
             </a:r>
-            <a:endParaRPr lang="ko-KR" altLang="en-US" dirty="0"/>
-          </a:p>
-        </p:txBody>
-      </p:sp>
-      <p:sp>
-        <p:nvSpPr>
-          <p:cNvPr id="3" name="내용 개체 틀 2"/>
+            <a:endParaRPr lang="ko-KR" altLang="en-US" smtClean="0"/>
+          </a:p>
+        </p:txBody>
+      </p:sp>
+      <p:sp>
+        <p:nvSpPr>
+          <p:cNvPr id="7171" name="내용 개체 틀 2"/>
           <p:cNvSpPr>
             <a:spLocks noGrp="1"/>
           </p:cNvSpPr>
@@ -4341,22 +9175,20 @@
         </p:nvSpPr>
         <p:spPr/>
         <p:txBody>
-          <a:bodyPr>
-            <a:normAutofit/>
-          </a:bodyPr>
+          <a:bodyPr/>
           <a:lstStyle/>
           <a:p>
-            <a:r>
-              <a:rPr lang="ko-KR" altLang="en-US" sz="1200" dirty="0" smtClean="0"/>
+            <a:pPr eaLnBrk="1" hangingPunct="1"/>
+            <a:r>
+              <a:rPr lang="ko-KR" altLang="en-US" sz="1200" smtClean="0"/>
               <a:t>게임의 전체적인 모습은 다음과 같다</a:t>
             </a:r>
-            <a:endParaRPr lang="ko-KR" altLang="en-US" sz="1200" dirty="0"/>
           </a:p>
         </p:txBody>
       </p:sp>
       <p:pic>
         <p:nvPicPr>
-          <p:cNvPr id="4" name="Picture 3" descr="C:\Users\Jake\Desktop\bg.jpg"/>
+          <p:cNvPr id="7172" name="Picture 3" descr="C:\Users\Jake\Desktop\bg.jpg"/>
           <p:cNvPicPr>
             <a:picLocks noChangeAspect="1" noChangeArrowheads="1"/>
           </p:cNvPicPr>
@@ -4371,18 +9203,24 @@
         </p:blipFill>
         <p:spPr bwMode="auto">
           <a:xfrm>
-            <a:off x="714348" y="1928802"/>
-            <a:ext cx="2652189" cy="3978284"/>
+            <a:off x="714375" y="1928813"/>
+            <a:ext cx="2652713" cy="3978275"/>
           </a:xfrm>
           <a:prstGeom prst="rect">
             <a:avLst/>
           </a:prstGeom>
           <a:noFill/>
+          <a:ln w="9525">
+            <a:noFill/>
+            <a:miter lim="800000"/>
+            <a:headEnd/>
+            <a:tailEnd/>
+          </a:ln>
         </p:spPr>
       </p:pic>
       <p:pic>
         <p:nvPicPr>
-          <p:cNvPr id="4099" name="Picture 3"/>
+          <p:cNvPr id="7173" name="Picture 3"/>
           <p:cNvPicPr>
             <a:picLocks noChangeAspect="1" noChangeArrowheads="1"/>
           </p:cNvPicPr>
@@ -4397,8 +9235,8 @@
         </p:blipFill>
         <p:spPr bwMode="auto">
           <a:xfrm>
-            <a:off x="2000232" y="4500570"/>
-            <a:ext cx="357266" cy="404886"/>
+            <a:off x="2000250" y="4500563"/>
+            <a:ext cx="357188" cy="404812"/>
           </a:xfrm>
           <a:prstGeom prst="rect">
             <a:avLst/>
@@ -4414,7 +9252,7 @@
       </p:pic>
       <p:pic>
         <p:nvPicPr>
-          <p:cNvPr id="4100" name="Picture 4"/>
+          <p:cNvPr id="7174" name="Picture 4"/>
           <p:cNvPicPr>
             <a:picLocks noChangeAspect="1" noChangeArrowheads="1"/>
           </p:cNvPicPr>
@@ -4429,8 +9267,8 @@
         </p:blipFill>
         <p:spPr bwMode="auto">
           <a:xfrm>
-            <a:off x="1643042" y="3571876"/>
-            <a:ext cx="271463" cy="336097"/>
+            <a:off x="1643063" y="3571875"/>
+            <a:ext cx="271462" cy="336550"/>
           </a:xfrm>
           <a:prstGeom prst="rect">
             <a:avLst/>
@@ -4446,7 +9284,7 @@
       </p:pic>
       <p:pic>
         <p:nvPicPr>
-          <p:cNvPr id="4101" name="Picture 5" descr="C:\Users\Jake\Desktop\caption.png"/>
+          <p:cNvPr id="7175" name="Picture 5" descr="C:\Users\Jake\Desktop\caption.png"/>
           <p:cNvPicPr>
             <a:picLocks noChangeAspect="1" noChangeArrowheads="1"/>
           </p:cNvPicPr>
@@ -4461,13 +9299,19 @@
         </p:blipFill>
         <p:spPr bwMode="auto">
           <a:xfrm>
-            <a:off x="1000100" y="1928802"/>
-            <a:ext cx="2654253" cy="4000528"/>
+            <a:off x="1000125" y="1928813"/>
+            <a:ext cx="2654300" cy="4000500"/>
           </a:xfrm>
           <a:prstGeom prst="rect">
             <a:avLst/>
           </a:prstGeom>
           <a:noFill/>
+          <a:ln w="9525">
+            <a:noFill/>
+            <a:miter lim="800000"/>
+            <a:headEnd/>
+            <a:tailEnd/>
+          </a:ln>
         </p:spPr>
       </p:pic>
       <p:sp>
@@ -4478,8 +9322,8 @@
         </p:nvSpPr>
         <p:spPr>
           <a:xfrm>
-            <a:off x="2571736" y="5143512"/>
-            <a:ext cx="642942" cy="571504"/>
+            <a:off x="2571750" y="5143500"/>
+            <a:ext cx="642938" cy="571500"/>
           </a:xfrm>
           <a:prstGeom prst="chevron">
             <a:avLst/>
@@ -4502,11 +9346,19 @@
           </a:fontRef>
         </p:style>
         <p:txBody>
-          <a:bodyPr rtlCol="0" anchor="ctr"/>
+          <a:bodyPr anchor="ctr"/>
           <a:lstStyle/>
           <a:p>
-            <a:pPr algn="ctr"/>
-            <a:endParaRPr lang="ko-KR" altLang="en-US">
+            <a:pPr algn="ctr" fontAlgn="auto">
+              <a:spcBef>
+                <a:spcPts val="0"/>
+              </a:spcBef>
+              <a:spcAft>
+                <a:spcPts val="0"/>
+              </a:spcAft>
+              <a:defRPr/>
+            </a:pPr>
+            <a:endParaRPr kumimoji="0" lang="ko-KR" altLang="en-US">
               <a:solidFill>
                 <a:schemeClr val="tx1"/>
               </a:solidFill>
@@ -4552,11 +9404,19 @@
           </a:fontRef>
         </p:style>
         <p:txBody>
-          <a:bodyPr rtlCol="0" anchor="ctr"/>
+          <a:bodyPr anchor="ctr"/>
           <a:lstStyle/>
           <a:p>
-            <a:pPr algn="ctr"/>
-            <a:endParaRPr lang="ko-KR" altLang="en-US">
+            <a:pPr algn="ctr" fontAlgn="auto">
+              <a:spcBef>
+                <a:spcPts val="0"/>
+              </a:spcBef>
+              <a:spcAft>
+                <a:spcPts val="0"/>
+              </a:spcAft>
+              <a:defRPr/>
+            </a:pPr>
+            <a:endParaRPr kumimoji="0" lang="ko-KR" altLang="en-US">
               <a:solidFill>
                 <a:schemeClr val="tx1"/>
               </a:solidFill>
@@ -4572,8 +9432,8 @@
         </p:nvSpPr>
         <p:spPr>
           <a:xfrm>
-            <a:off x="1785918" y="5143512"/>
-            <a:ext cx="642942" cy="571504"/>
+            <a:off x="1785938" y="5143500"/>
+            <a:ext cx="642937" cy="571500"/>
           </a:xfrm>
           <a:prstGeom prst="ellipse">
             <a:avLst/>
@@ -4596,11 +9456,19 @@
           </a:fontRef>
         </p:style>
         <p:txBody>
-          <a:bodyPr rtlCol="0" anchor="ctr"/>
+          <a:bodyPr anchor="ctr"/>
           <a:lstStyle/>
           <a:p>
-            <a:pPr algn="ctr"/>
-            <a:endParaRPr lang="ko-KR" altLang="en-US"/>
+            <a:pPr algn="ctr" fontAlgn="auto">
+              <a:spcBef>
+                <a:spcPts val="0"/>
+              </a:spcBef>
+              <a:spcAft>
+                <a:spcPts val="0"/>
+              </a:spcAft>
+              <a:defRPr/>
+            </a:pPr>
+            <a:endParaRPr kumimoji="0" lang="ko-KR" altLang="en-US"/>
           </a:p>
         </p:txBody>
       </p:sp>
@@ -4631,7 +9499,7 @@
       </p:grpSpPr>
       <p:sp>
         <p:nvSpPr>
-          <p:cNvPr id="2" name="제목 1"/>
+          <p:cNvPr id="8194" name="제목 1"/>
           <p:cNvSpPr>
             <a:spLocks noGrp="1"/>
           </p:cNvSpPr>
@@ -4644,33 +9512,34 @@
           <a:bodyPr/>
           <a:lstStyle/>
           <a:p>
-            <a:r>
-              <a:rPr lang="en-US" altLang="ko-KR" dirty="0" smtClean="0"/>
+            <a:pPr eaLnBrk="1" hangingPunct="1"/>
+            <a:r>
+              <a:rPr lang="en-US" altLang="ko-KR" smtClean="0"/>
               <a:t>2. </a:t>
             </a:r>
             <a:r>
-              <a:rPr lang="ko-KR" altLang="en-US" dirty="0" err="1" smtClean="0"/>
+              <a:rPr lang="ko-KR" altLang="en-US" smtClean="0"/>
               <a:t>메인게임</a:t>
             </a:r>
             <a:r>
-              <a:rPr lang="en-US" altLang="ko-KR" dirty="0" smtClean="0"/>
+              <a:rPr lang="en-US" altLang="ko-KR" smtClean="0"/>
               <a:t>(</a:t>
             </a:r>
             <a:r>
-              <a:rPr lang="ko-KR" altLang="en-US" dirty="0" smtClean="0"/>
+              <a:rPr lang="ko-KR" altLang="en-US" smtClean="0"/>
               <a:t>배경</a:t>
             </a:r>
             <a:r>
-              <a:rPr lang="en-US" altLang="ko-KR" dirty="0" smtClean="0"/>
+              <a:rPr lang="en-US" altLang="ko-KR" smtClean="0"/>
               <a:t>)</a:t>
             </a:r>
-            <a:endParaRPr lang="ko-KR" altLang="en-US" dirty="0"/>
-          </a:p>
-        </p:txBody>
-      </p:sp>
-      <p:sp>
-        <p:nvSpPr>
-          <p:cNvPr id="3" name="내용 개체 틀 2"/>
+            <a:endParaRPr lang="ko-KR" altLang="en-US" smtClean="0"/>
+          </a:p>
+        </p:txBody>
+      </p:sp>
+      <p:sp>
+        <p:nvSpPr>
+          <p:cNvPr id="8195" name="내용 개체 틀 2"/>
           <p:cNvSpPr>
             <a:spLocks noGrp="1"/>
           </p:cNvSpPr>
@@ -4680,13 +9549,12 @@
         </p:nvSpPr>
         <p:spPr/>
         <p:txBody>
-          <a:bodyPr>
-            <a:normAutofit/>
-          </a:bodyPr>
+          <a:bodyPr/>
           <a:lstStyle/>
           <a:p>
-            <a:r>
-              <a:rPr lang="en-US" altLang="ko-KR" sz="1200" b="1" dirty="0" smtClean="0">
+            <a:pPr eaLnBrk="1" hangingPunct="1"/>
+            <a:r>
+              <a:rPr lang="en-US" altLang="ko-KR" sz="1200" b="1" smtClean="0">
                 <a:solidFill>
                   <a:schemeClr val="accent2"/>
                 </a:solidFill>
@@ -4694,7 +9562,7 @@
               <a:t>1. </a:t>
             </a:r>
             <a:r>
-              <a:rPr lang="ko-KR" altLang="en-US" sz="1200" b="1" dirty="0" smtClean="0">
+              <a:rPr lang="ko-KR" altLang="en-US" sz="1200" b="1" smtClean="0">
                 <a:solidFill>
                   <a:schemeClr val="accent2"/>
                 </a:solidFill>
@@ -4702,7 +9570,7 @@
               <a:t>타이틀</a:t>
             </a:r>
             <a:r>
-              <a:rPr lang="en-US" altLang="ko-KR" sz="1200" b="1" dirty="0" smtClean="0">
+              <a:rPr lang="en-US" altLang="ko-KR" sz="1200" b="1" smtClean="0">
                 <a:solidFill>
                   <a:schemeClr val="accent2"/>
                 </a:solidFill>
@@ -4710,7 +9578,7 @@
               <a:t>(</a:t>
             </a:r>
             <a:r>
-              <a:rPr lang="ko-KR" altLang="en-US" sz="1200" b="1" dirty="0" smtClean="0">
+              <a:rPr lang="ko-KR" altLang="en-US" sz="1200" b="1" smtClean="0">
                 <a:solidFill>
                   <a:schemeClr val="accent2"/>
                 </a:solidFill>
@@ -4718,7 +9586,7 @@
               <a:t>배경</a:t>
             </a:r>
             <a:r>
-              <a:rPr lang="en-US" altLang="ko-KR" sz="1200" b="1" dirty="0" smtClean="0">
+              <a:rPr lang="en-US" altLang="ko-KR" sz="1200" b="1" smtClean="0">
                 <a:solidFill>
                   <a:schemeClr val="accent2"/>
                 </a:solidFill>
@@ -4726,20 +9594,20 @@
               <a:t>)</a:t>
             </a:r>
             <a:r>
-              <a:rPr lang="ko-KR" altLang="en-US" sz="1200" dirty="0" smtClean="0"/>
+              <a:rPr lang="ko-KR" altLang="en-US" sz="1200" smtClean="0"/>
               <a:t>에서 만든 배경을 그대로 가져온다</a:t>
             </a:r>
             <a:r>
-              <a:rPr lang="en-US" altLang="ko-KR" sz="1200" dirty="0" smtClean="0"/>
+              <a:rPr lang="en-US" altLang="ko-KR" sz="1200" smtClean="0"/>
               <a:t>.</a:t>
             </a:r>
-            <a:endParaRPr lang="ko-KR" altLang="en-US" sz="1200" dirty="0"/>
+            <a:endParaRPr lang="ko-KR" altLang="en-US" sz="1200" smtClean="0"/>
           </a:p>
         </p:txBody>
       </p:sp>
       <p:pic>
         <p:nvPicPr>
-          <p:cNvPr id="4" name="Picture 3" descr="C:\Users\Jake\Desktop\bg.jpg"/>
+          <p:cNvPr id="8196" name="Picture 3" descr="C:\Users\Jake\Desktop\bg.jpg"/>
           <p:cNvPicPr>
             <a:picLocks noChangeAspect="1" noChangeArrowheads="1"/>
           </p:cNvPicPr>
@@ -4754,13 +9622,19 @@
         </p:blipFill>
         <p:spPr bwMode="auto">
           <a:xfrm>
-            <a:off x="714348" y="1928802"/>
-            <a:ext cx="2652189" cy="3978284"/>
+            <a:off x="714375" y="1928813"/>
+            <a:ext cx="2652713" cy="3978275"/>
           </a:xfrm>
           <a:prstGeom prst="rect">
             <a:avLst/>
           </a:prstGeom>
           <a:noFill/>
+          <a:ln w="9525">
+            <a:noFill/>
+            <a:miter lim="800000"/>
+            <a:headEnd/>
+            <a:tailEnd/>
+          </a:ln>
         </p:spPr>
       </p:pic>
     </p:spTree>
@@ -4790,7 +9664,7 @@
       </p:grpSpPr>
       <p:sp>
         <p:nvSpPr>
-          <p:cNvPr id="2" name="제목 1"/>
+          <p:cNvPr id="9218" name="제목 1"/>
           <p:cNvSpPr>
             <a:spLocks noGrp="1"/>
           </p:cNvSpPr>
@@ -4803,25 +9677,26 @@
           <a:bodyPr/>
           <a:lstStyle/>
           <a:p>
-            <a:r>
-              <a:rPr lang="en-US" altLang="ko-KR" dirty="0" smtClean="0"/>
+            <a:pPr eaLnBrk="1" hangingPunct="1"/>
+            <a:r>
+              <a:rPr lang="en-US" altLang="ko-KR" smtClean="0"/>
               <a:t>2. </a:t>
             </a:r>
             <a:r>
-              <a:rPr lang="ko-KR" altLang="en-US" dirty="0" err="1" smtClean="0"/>
+              <a:rPr lang="ko-KR" altLang="en-US" smtClean="0"/>
               <a:t>메인게임</a:t>
             </a:r>
             <a:r>
-              <a:rPr lang="en-US" altLang="ko-KR" dirty="0" smtClean="0"/>
+              <a:rPr lang="en-US" altLang="ko-KR" smtClean="0"/>
               <a:t>(UI)</a:t>
             </a:r>
-            <a:endParaRPr lang="ko-KR" altLang="en-US" dirty="0"/>
-          </a:p>
-        </p:txBody>
-      </p:sp>
-      <p:sp>
-        <p:nvSpPr>
-          <p:cNvPr id="3" name="내용 개체 틀 2"/>
+            <a:endParaRPr lang="ko-KR" altLang="en-US" smtClean="0"/>
+          </a:p>
+        </p:txBody>
+      </p:sp>
+      <p:sp>
+        <p:nvSpPr>
+          <p:cNvPr id="9219" name="내용 개체 틀 2"/>
           <p:cNvSpPr>
             <a:spLocks noGrp="1"/>
           </p:cNvSpPr>
@@ -4831,37 +9706,31 @@
         </p:nvSpPr>
         <p:spPr/>
         <p:txBody>
-          <a:bodyPr>
-            <a:normAutofit/>
-          </a:bodyPr>
+          <a:bodyPr/>
           <a:lstStyle/>
           <a:p>
-            <a:pPr>
+            <a:pPr eaLnBrk="1" hangingPunct="1">
+              <a:buFont typeface="Arial" charset="0"/>
               <a:buNone/>
             </a:pPr>
             <a:r>
-              <a:rPr lang="ko-KR" altLang="en-US" sz="1200" dirty="0" err="1" smtClean="0"/>
-              <a:t>메인게임의</a:t>
-            </a:r>
-            <a:r>
-              <a:rPr lang="ko-KR" altLang="en-US" sz="1200" dirty="0" smtClean="0"/>
-              <a:t> </a:t>
-            </a:r>
-            <a:r>
-              <a:rPr lang="en-US" altLang="ko-KR" sz="1200" dirty="0" smtClean="0"/>
+              <a:rPr lang="ko-KR" altLang="en-US" sz="1200" smtClean="0"/>
+              <a:t>메인게임의 </a:t>
+            </a:r>
+            <a:r>
+              <a:rPr lang="en-US" altLang="ko-KR" sz="1200" smtClean="0"/>
               <a:t>UI </a:t>
             </a:r>
             <a:r>
-              <a:rPr lang="ko-KR" altLang="en-US" sz="1200" dirty="0" smtClean="0"/>
+              <a:rPr lang="ko-KR" altLang="en-US" sz="1200" smtClean="0"/>
               <a:t>구성</a:t>
             </a:r>
-            <a:endParaRPr lang="ko-KR" altLang="en-US" sz="1200" dirty="0"/>
           </a:p>
         </p:txBody>
       </p:sp>
       <p:pic>
         <p:nvPicPr>
-          <p:cNvPr id="4" name="Picture 3" descr="C:\Users\Jake\Desktop\bg.jpg"/>
+          <p:cNvPr id="9220" name="Picture 3" descr="C:\Users\Jake\Desktop\bg.jpg"/>
           <p:cNvPicPr>
             <a:picLocks noChangeAspect="1" noChangeArrowheads="1"/>
           </p:cNvPicPr>
@@ -4876,18 +9745,24 @@
         </p:blipFill>
         <p:spPr bwMode="auto">
           <a:xfrm>
-            <a:off x="714348" y="1928802"/>
-            <a:ext cx="2652189" cy="3978284"/>
+            <a:off x="714375" y="1928813"/>
+            <a:ext cx="2652713" cy="3978275"/>
           </a:xfrm>
           <a:prstGeom prst="rect">
             <a:avLst/>
           </a:prstGeom>
           <a:noFill/>
+          <a:ln w="9525">
+            <a:noFill/>
+            <a:miter lim="800000"/>
+            <a:headEnd/>
+            <a:tailEnd/>
+          </a:ln>
         </p:spPr>
       </p:pic>
       <p:pic>
         <p:nvPicPr>
-          <p:cNvPr id="5" name="Picture 5" descr="C:\Users\Jake\Desktop\caption.png"/>
+          <p:cNvPr id="9221" name="Picture 5" descr="C:\Users\Jake\Desktop\caption.png"/>
           <p:cNvPicPr>
             <a:picLocks noChangeAspect="1" noChangeArrowheads="1"/>
           </p:cNvPicPr>
@@ -4902,13 +9777,19 @@
         </p:blipFill>
         <p:spPr bwMode="auto">
           <a:xfrm>
-            <a:off x="1000100" y="1928802"/>
-            <a:ext cx="2654253" cy="4000528"/>
+            <a:off x="1000125" y="1928813"/>
+            <a:ext cx="2654300" cy="4000500"/>
           </a:xfrm>
           <a:prstGeom prst="rect">
             <a:avLst/>
           </a:prstGeom>
           <a:noFill/>
+          <a:ln w="9525">
+            <a:noFill/>
+            <a:miter lim="800000"/>
+            <a:headEnd/>
+            <a:tailEnd/>
+          </a:ln>
         </p:spPr>
       </p:pic>
       <p:sp>
@@ -4919,8 +9800,8 @@
         </p:nvSpPr>
         <p:spPr>
           <a:xfrm>
-            <a:off x="2571736" y="5143512"/>
-            <a:ext cx="642942" cy="571504"/>
+            <a:off x="2571750" y="5143500"/>
+            <a:ext cx="642938" cy="571500"/>
           </a:xfrm>
           <a:prstGeom prst="chevron">
             <a:avLst/>
@@ -4943,11 +9824,19 @@
           </a:fontRef>
         </p:style>
         <p:txBody>
-          <a:bodyPr rtlCol="0" anchor="ctr"/>
+          <a:bodyPr anchor="ctr"/>
           <a:lstStyle/>
           <a:p>
-            <a:pPr algn="ctr"/>
-            <a:endParaRPr lang="ko-KR" altLang="en-US">
+            <a:pPr algn="ctr" fontAlgn="auto">
+              <a:spcBef>
+                <a:spcPts val="0"/>
+              </a:spcBef>
+              <a:spcAft>
+                <a:spcPts val="0"/>
+              </a:spcAft>
+              <a:defRPr/>
+            </a:pPr>
+            <a:endParaRPr kumimoji="0" lang="ko-KR" altLang="en-US">
               <a:solidFill>
                 <a:schemeClr val="tx1"/>
               </a:solidFill>
@@ -4993,11 +9882,19 @@
           </a:fontRef>
         </p:style>
         <p:txBody>
-          <a:bodyPr rtlCol="0" anchor="ctr"/>
+          <a:bodyPr anchor="ctr"/>
           <a:lstStyle/>
           <a:p>
-            <a:pPr algn="ctr"/>
-            <a:endParaRPr lang="ko-KR" altLang="en-US">
+            <a:pPr algn="ctr" fontAlgn="auto">
+              <a:spcBef>
+                <a:spcPts val="0"/>
+              </a:spcBef>
+              <a:spcAft>
+                <a:spcPts val="0"/>
+              </a:spcAft>
+              <a:defRPr/>
+            </a:pPr>
+            <a:endParaRPr kumimoji="0" lang="ko-KR" altLang="en-US">
               <a:solidFill>
                 <a:schemeClr val="tx1"/>
               </a:solidFill>
@@ -5013,8 +9910,8 @@
         </p:nvSpPr>
         <p:spPr>
           <a:xfrm>
-            <a:off x="1785918" y="5143512"/>
-            <a:ext cx="642942" cy="571504"/>
+            <a:off x="1785938" y="5143500"/>
+            <a:ext cx="642937" cy="571500"/>
           </a:xfrm>
           <a:prstGeom prst="ellipse">
             <a:avLst/>
@@ -5037,11 +9934,19 @@
           </a:fontRef>
         </p:style>
         <p:txBody>
-          <a:bodyPr rtlCol="0" anchor="ctr"/>
+          <a:bodyPr anchor="ctr"/>
           <a:lstStyle/>
           <a:p>
-            <a:pPr algn="ctr"/>
-            <a:endParaRPr lang="ko-KR" altLang="en-US"/>
+            <a:pPr algn="ctr" fontAlgn="auto">
+              <a:spcBef>
+                <a:spcPts val="0"/>
+              </a:spcBef>
+              <a:spcAft>
+                <a:spcPts val="0"/>
+              </a:spcAft>
+              <a:defRPr/>
+            </a:pPr>
+            <a:endParaRPr kumimoji="0" lang="ko-KR" altLang="en-US"/>
           </a:p>
         </p:txBody>
       </p:sp>
@@ -5053,8 +9958,8 @@
         </p:nvSpPr>
         <p:spPr>
           <a:xfrm>
-            <a:off x="3714744" y="2071678"/>
-            <a:ext cx="4714908" cy="1143008"/>
+            <a:off x="3714750" y="2071688"/>
+            <a:ext cx="4714875" cy="1143000"/>
           </a:xfrm>
           <a:prstGeom prst="roundRect">
             <a:avLst/>
@@ -5077,50 +9982,65 @@
           </a:fontRef>
         </p:style>
         <p:txBody>
-          <a:bodyPr rtlCol="0" anchor="ctr"/>
+          <a:bodyPr anchor="ctr"/>
           <a:lstStyle/>
           <a:p>
-            <a:pPr algn="ctr"/>
-            <a:r>
-              <a:rPr lang="en-US" altLang="ko-KR" sz="1400" dirty="0" smtClean="0"/>
+            <a:pPr algn="ctr" fontAlgn="auto">
+              <a:spcBef>
+                <a:spcPts val="0"/>
+              </a:spcBef>
+              <a:spcAft>
+                <a:spcPts val="0"/>
+              </a:spcAft>
+              <a:defRPr/>
+            </a:pPr>
+            <a:r>
+              <a:rPr kumimoji="0" lang="en-US" altLang="ko-KR" sz="1400" dirty="0"/>
               <a:t>Caption UI</a:t>
             </a:r>
             <a:r>
-              <a:rPr lang="ko-KR" altLang="en-US" sz="1400" dirty="0" smtClean="0"/>
+              <a:rPr kumimoji="0" lang="ko-KR" altLang="en-US" sz="1400" dirty="0"/>
               <a:t>는 화면 상단 우측에 정렬된다</a:t>
             </a:r>
             <a:r>
-              <a:rPr lang="en-US" altLang="ko-KR" sz="1400" dirty="0" smtClean="0"/>
+              <a:rPr kumimoji="0" lang="en-US" altLang="ko-KR" sz="1400" dirty="0"/>
               <a:t>.</a:t>
             </a:r>
           </a:p>
           <a:p>
-            <a:pPr algn="ctr"/>
-            <a:r>
-              <a:rPr lang="ko-KR" altLang="en-US" sz="1400" dirty="0" smtClean="0"/>
+            <a:pPr algn="ctr" fontAlgn="auto">
+              <a:spcBef>
+                <a:spcPts val="0"/>
+              </a:spcBef>
+              <a:spcAft>
+                <a:spcPts val="0"/>
+              </a:spcAft>
+              <a:defRPr/>
+            </a:pPr>
+            <a:r>
+              <a:rPr kumimoji="0" lang="ko-KR" altLang="en-US" sz="1400" dirty="0"/>
               <a:t>이 뒤에 </a:t>
             </a:r>
             <a:r>
-              <a:rPr lang="ko-KR" altLang="en-US" sz="1400" dirty="0" err="1" smtClean="0"/>
+              <a:rPr kumimoji="0" lang="ko-KR" altLang="en-US" sz="1400" dirty="0" err="1"/>
               <a:t>그라데이션</a:t>
             </a:r>
             <a:r>
-              <a:rPr lang="en-US" altLang="ko-KR" sz="1400" dirty="0" smtClean="0"/>
+              <a:rPr kumimoji="0" lang="en-US" altLang="ko-KR" sz="1400" dirty="0"/>
               <a:t>+</a:t>
             </a:r>
             <a:r>
-              <a:rPr lang="ko-KR" altLang="en-US" sz="1400" dirty="0" smtClean="0"/>
+              <a:rPr kumimoji="0" lang="ko-KR" altLang="en-US" sz="1400" dirty="0"/>
               <a:t>알파 먹인 </a:t>
             </a:r>
             <a:r>
-              <a:rPr lang="en-US" altLang="ko-KR" sz="1400" dirty="0" err="1" smtClean="0"/>
+              <a:rPr kumimoji="0" lang="en-US" altLang="ko-KR" sz="1400" dirty="0" err="1"/>
               <a:t>rect</a:t>
             </a:r>
             <a:r>
-              <a:rPr lang="ko-KR" altLang="en-US" sz="1400" dirty="0" smtClean="0"/>
+              <a:rPr kumimoji="0" lang="ko-KR" altLang="en-US" sz="1400" dirty="0"/>
               <a:t>를 깔아도 좋을 것임</a:t>
             </a:r>
-            <a:endParaRPr lang="ko-KR" altLang="en-US" sz="1400" dirty="0"/>
           </a:p>
         </p:txBody>
       </p:sp>
@@ -5132,8 +10052,8 @@
         </p:nvSpPr>
         <p:spPr>
           <a:xfrm>
-            <a:off x="3714744" y="4857760"/>
-            <a:ext cx="4714908" cy="1214446"/>
+            <a:off x="3714750" y="4857750"/>
+            <a:ext cx="4714875" cy="1214438"/>
           </a:xfrm>
           <a:prstGeom prst="roundRect">
             <a:avLst/>
@@ -5156,59 +10076,1091 @@
           </a:fontRef>
         </p:style>
         <p:txBody>
-          <a:bodyPr rtlCol="0" anchor="ctr"/>
+          <a:bodyPr anchor="ctr"/>
           <a:lstStyle/>
           <a:p>
-            <a:pPr algn="ctr"/>
-            <a:r>
-              <a:rPr lang="ko-KR" altLang="en-US" sz="1400" dirty="0" smtClean="0"/>
+            <a:pPr algn="ctr" fontAlgn="auto">
+              <a:spcBef>
+                <a:spcPts val="0"/>
+              </a:spcBef>
+              <a:spcAft>
+                <a:spcPts val="0"/>
+              </a:spcAft>
+              <a:defRPr/>
+            </a:pPr>
+            <a:r>
+              <a:rPr kumimoji="0" lang="ko-KR" altLang="en-US" sz="1400" dirty="0"/>
               <a:t>화면 하단에 좌우 화살표</a:t>
             </a:r>
             <a:r>
-              <a:rPr lang="en-US" altLang="ko-KR" sz="1400" dirty="0" smtClean="0"/>
+              <a:rPr kumimoji="0" lang="en-US" altLang="ko-KR" sz="1400" dirty="0"/>
               <a:t>, </a:t>
             </a:r>
             <a:r>
-              <a:rPr lang="ko-KR" altLang="en-US" sz="1400" dirty="0" smtClean="0"/>
+              <a:rPr kumimoji="0" lang="ko-KR" altLang="en-US" sz="1400" dirty="0"/>
               <a:t>그리고 발사 버튼 </a:t>
             </a:r>
             <a:r>
-              <a:rPr lang="en-US" altLang="ko-KR" sz="1400" dirty="0" smtClean="0"/>
+              <a:rPr kumimoji="0" lang="en-US" altLang="ko-KR" sz="1400" dirty="0"/>
               <a:t>UI.</a:t>
             </a:r>
           </a:p>
           <a:p>
-            <a:pPr algn="ctr"/>
-            <a:r>
-              <a:rPr lang="ko-KR" altLang="en-US" sz="1400" dirty="0" smtClean="0"/>
+            <a:pPr algn="ctr" fontAlgn="auto">
+              <a:spcBef>
+                <a:spcPts val="0"/>
+              </a:spcBef>
+              <a:spcAft>
+                <a:spcPts val="0"/>
+              </a:spcAft>
+              <a:defRPr/>
+            </a:pPr>
+            <a:r>
+              <a:rPr kumimoji="0" lang="ko-KR" altLang="en-US" sz="1400" dirty="0"/>
               <a:t>이것들이 눌렸을 때와 그렇지 않을 때 각각의</a:t>
             </a:r>
-            <a:endParaRPr lang="en-US" altLang="ko-KR" sz="1400" dirty="0" smtClean="0"/>
-          </a:p>
-          <a:p>
-            <a:pPr algn="ctr"/>
-            <a:r>
-              <a:rPr lang="ko-KR" altLang="en-US" sz="1400" dirty="0" smtClean="0"/>
+            <a:endParaRPr kumimoji="0" lang="en-US" altLang="ko-KR" sz="1400" dirty="0"/>
+          </a:p>
+          <a:p>
+            <a:pPr algn="ctr" fontAlgn="auto">
+              <a:spcBef>
+                <a:spcPts val="0"/>
+              </a:spcBef>
+              <a:spcAft>
+                <a:spcPts val="0"/>
+              </a:spcAft>
+              <a:defRPr/>
+            </a:pPr>
+            <a:r>
+              <a:rPr kumimoji="0" lang="ko-KR" altLang="en-US" sz="1400" dirty="0"/>
               <a:t>애니메이션이 있어야 한다</a:t>
             </a:r>
             <a:r>
-              <a:rPr lang="en-US" altLang="ko-KR" sz="1400" dirty="0" smtClean="0"/>
+              <a:rPr kumimoji="0" lang="en-US" altLang="ko-KR" sz="1400" dirty="0"/>
               <a:t>.</a:t>
             </a:r>
           </a:p>
           <a:p>
-            <a:pPr algn="ctr"/>
-            <a:endParaRPr lang="en-US" altLang="ko-KR" sz="1400" dirty="0" smtClean="0"/>
-          </a:p>
-          <a:p>
-            <a:pPr algn="ctr"/>
-            <a:r>
-              <a:rPr lang="ko-KR" altLang="en-US" sz="1400" dirty="0" smtClean="0"/>
+            <a:pPr algn="ctr" fontAlgn="auto">
+              <a:spcBef>
+                <a:spcPts val="0"/>
+              </a:spcBef>
+              <a:spcAft>
+                <a:spcPts val="0"/>
+              </a:spcAft>
+              <a:defRPr/>
+            </a:pPr>
+            <a:endParaRPr kumimoji="0" lang="en-US" altLang="ko-KR" sz="1400" dirty="0"/>
+          </a:p>
+          <a:p>
+            <a:pPr algn="ctr" fontAlgn="auto">
+              <a:spcBef>
+                <a:spcPts val="0"/>
+              </a:spcBef>
+              <a:spcAft>
+                <a:spcPts val="0"/>
+              </a:spcAft>
+              <a:defRPr/>
+            </a:pPr>
+            <a:r>
+              <a:rPr kumimoji="0" lang="ko-KR" altLang="en-US" sz="1400" dirty="0"/>
               <a:t>각각의 버튼이 눌리는 영역은 </a:t>
             </a:r>
             <a:r>
-              <a:rPr lang="en-US" altLang="ko-KR" sz="1400" dirty="0" smtClean="0"/>
+              <a:rPr kumimoji="0" lang="en-US" altLang="ko-KR" sz="1400" dirty="0"/>
               <a:t>106 * 106</a:t>
+            </a:r>
+          </a:p>
+        </p:txBody>
+      </p:sp>
+    </p:spTree>
+  </p:cSld>
+  <p:clrMapOvr>
+    <a:masterClrMapping/>
+  </p:clrMapOvr>
+</p:sld>
+</file>
+
+<file path=ppt/slides/slide9.xml><?xml version="1.0" encoding="utf-8"?>
+<p:sld xmlns:a="http://schemas.openxmlformats.org/drawingml/2006/main" xmlns:r="http://schemas.openxmlformats.org/officeDocument/2006/relationships" xmlns:p="http://schemas.openxmlformats.org/presentationml/2006/main">
+  <p:cSld>
+    <p:spTree>
+      <p:nvGrpSpPr>
+        <p:cNvPr id="1" name=""/>
+        <p:cNvGrpSpPr/>
+        <p:nvPr/>
+      </p:nvGrpSpPr>
+      <p:grpSpPr>
+        <a:xfrm>
+          <a:off x="0" y="0"/>
+          <a:ext cx="0" cy="0"/>
+          <a:chOff x="0" y="0"/>
+          <a:chExt cx="0" cy="0"/>
+        </a:xfrm>
+      </p:grpSpPr>
+      <p:pic>
+        <p:nvPicPr>
+          <p:cNvPr id="10242" name="Picture 3"/>
+          <p:cNvPicPr>
+            <a:picLocks noChangeAspect="1" noChangeArrowheads="1"/>
+          </p:cNvPicPr>
+          <p:nvPr/>
+        </p:nvPicPr>
+        <p:blipFill>
+          <a:blip r:embed="rId2"/>
+          <a:srcRect/>
+          <a:stretch>
+            <a:fillRect/>
+          </a:stretch>
+        </p:blipFill>
+        <p:spPr bwMode="auto">
+          <a:xfrm>
+            <a:off x="1714500" y="1214438"/>
+            <a:ext cx="6013450" cy="5470525"/>
+          </a:xfrm>
+          <a:prstGeom prst="rect">
+            <a:avLst/>
+          </a:prstGeom>
+          <a:noFill/>
+          <a:ln w="9525">
+            <a:noFill/>
+            <a:miter lim="800000"/>
+            <a:headEnd/>
+            <a:tailEnd/>
+          </a:ln>
+        </p:spPr>
+      </p:pic>
+      <p:sp>
+        <p:nvSpPr>
+          <p:cNvPr id="10243" name="제목 1"/>
+          <p:cNvSpPr>
+            <a:spLocks noGrp="1"/>
+          </p:cNvSpPr>
+          <p:nvPr>
+            <p:ph type="title"/>
+          </p:nvPr>
+        </p:nvSpPr>
+        <p:spPr/>
+        <p:txBody>
+          <a:bodyPr/>
+          <a:lstStyle/>
+          <a:p>
+            <a:pPr eaLnBrk="1" hangingPunct="1"/>
+            <a:r>
+              <a:rPr lang="en-US" altLang="ko-KR" smtClean="0"/>
+              <a:t>3. </a:t>
+            </a:r>
+            <a:r>
+              <a:rPr lang="ko-KR" altLang="en-US" smtClean="0"/>
+              <a:t>캐릭터 </a:t>
+            </a:r>
+            <a:r>
+              <a:rPr lang="en-US" altLang="ko-KR" smtClean="0"/>
+              <a:t>(overview)</a:t>
+            </a:r>
+            <a:endParaRPr lang="ko-KR" altLang="en-US" smtClean="0"/>
+          </a:p>
+        </p:txBody>
+      </p:sp>
+      <p:pic>
+        <p:nvPicPr>
+          <p:cNvPr id="10244" name="Picture 2"/>
+          <p:cNvPicPr>
+            <a:picLocks noChangeAspect="1" noChangeArrowheads="1"/>
+          </p:cNvPicPr>
+          <p:nvPr/>
+        </p:nvPicPr>
+        <p:blipFill>
+          <a:blip r:embed="rId3"/>
+          <a:srcRect/>
+          <a:stretch>
+            <a:fillRect/>
+          </a:stretch>
+        </p:blipFill>
+        <p:spPr bwMode="auto">
+          <a:xfrm>
+            <a:off x="3214688" y="1571625"/>
+            <a:ext cx="409575" cy="357188"/>
+          </a:xfrm>
+          <a:prstGeom prst="rect">
+            <a:avLst/>
+          </a:prstGeom>
+          <a:noFill/>
+          <a:ln w="9525">
+            <a:noFill/>
+            <a:miter lim="800000"/>
+            <a:headEnd/>
+            <a:tailEnd/>
+          </a:ln>
+        </p:spPr>
+      </p:pic>
+      <p:pic>
+        <p:nvPicPr>
+          <p:cNvPr id="10245" name="Picture 2"/>
+          <p:cNvPicPr>
+            <a:picLocks noChangeAspect="1" noChangeArrowheads="1"/>
+          </p:cNvPicPr>
+          <p:nvPr/>
+        </p:nvPicPr>
+        <p:blipFill>
+          <a:blip r:embed="rId3"/>
+          <a:srcRect/>
+          <a:stretch>
+            <a:fillRect/>
+          </a:stretch>
+        </p:blipFill>
+        <p:spPr bwMode="auto">
+          <a:xfrm>
+            <a:off x="3571875" y="1571625"/>
+            <a:ext cx="409575" cy="357188"/>
+          </a:xfrm>
+          <a:prstGeom prst="rect">
+            <a:avLst/>
+          </a:prstGeom>
+          <a:noFill/>
+          <a:ln w="9525">
+            <a:noFill/>
+            <a:miter lim="800000"/>
+            <a:headEnd/>
+            <a:tailEnd/>
+          </a:ln>
+        </p:spPr>
+      </p:pic>
+      <p:pic>
+        <p:nvPicPr>
+          <p:cNvPr id="10246" name="Picture 2"/>
+          <p:cNvPicPr>
+            <a:picLocks noChangeAspect="1" noChangeArrowheads="1"/>
+          </p:cNvPicPr>
+          <p:nvPr/>
+        </p:nvPicPr>
+        <p:blipFill>
+          <a:blip r:embed="rId3"/>
+          <a:srcRect/>
+          <a:stretch>
+            <a:fillRect/>
+          </a:stretch>
+        </p:blipFill>
+        <p:spPr bwMode="auto">
+          <a:xfrm>
+            <a:off x="4000500" y="1571625"/>
+            <a:ext cx="409575" cy="357188"/>
+          </a:xfrm>
+          <a:prstGeom prst="rect">
+            <a:avLst/>
+          </a:prstGeom>
+          <a:noFill/>
+          <a:ln w="9525">
+            <a:noFill/>
+            <a:miter lim="800000"/>
+            <a:headEnd/>
+            <a:tailEnd/>
+          </a:ln>
+        </p:spPr>
+      </p:pic>
+      <p:pic>
+        <p:nvPicPr>
+          <p:cNvPr id="10247" name="Picture 2"/>
+          <p:cNvPicPr>
+            <a:picLocks noChangeAspect="1" noChangeArrowheads="1"/>
+          </p:cNvPicPr>
+          <p:nvPr/>
+        </p:nvPicPr>
+        <p:blipFill>
+          <a:blip r:embed="rId3"/>
+          <a:srcRect/>
+          <a:stretch>
+            <a:fillRect/>
+          </a:stretch>
+        </p:blipFill>
+        <p:spPr bwMode="auto">
+          <a:xfrm>
+            <a:off x="4429125" y="1571625"/>
+            <a:ext cx="409575" cy="357188"/>
+          </a:xfrm>
+          <a:prstGeom prst="rect">
+            <a:avLst/>
+          </a:prstGeom>
+          <a:noFill/>
+          <a:ln w="9525">
+            <a:noFill/>
+            <a:miter lim="800000"/>
+            <a:headEnd/>
+            <a:tailEnd/>
+          </a:ln>
+        </p:spPr>
+      </p:pic>
+      <p:pic>
+        <p:nvPicPr>
+          <p:cNvPr id="10248" name="Picture 2"/>
+          <p:cNvPicPr>
+            <a:picLocks noChangeAspect="1" noChangeArrowheads="1"/>
+          </p:cNvPicPr>
+          <p:nvPr/>
+        </p:nvPicPr>
+        <p:blipFill>
+          <a:blip r:embed="rId3"/>
+          <a:srcRect/>
+          <a:stretch>
+            <a:fillRect/>
+          </a:stretch>
+        </p:blipFill>
+        <p:spPr bwMode="auto">
+          <a:xfrm>
+            <a:off x="4786313" y="1571625"/>
+            <a:ext cx="409575" cy="357188"/>
+          </a:xfrm>
+          <a:prstGeom prst="rect">
+            <a:avLst/>
+          </a:prstGeom>
+          <a:noFill/>
+          <a:ln w="9525">
+            <a:noFill/>
+            <a:miter lim="800000"/>
+            <a:headEnd/>
+            <a:tailEnd/>
+          </a:ln>
+        </p:spPr>
+      </p:pic>
+      <p:pic>
+        <p:nvPicPr>
+          <p:cNvPr id="10249" name="Picture 2"/>
+          <p:cNvPicPr>
+            <a:picLocks noChangeAspect="1" noChangeArrowheads="1"/>
+          </p:cNvPicPr>
+          <p:nvPr/>
+        </p:nvPicPr>
+        <p:blipFill>
+          <a:blip r:embed="rId3"/>
+          <a:srcRect/>
+          <a:stretch>
+            <a:fillRect/>
+          </a:stretch>
+        </p:blipFill>
+        <p:spPr bwMode="auto">
+          <a:xfrm>
+            <a:off x="5214938" y="1571625"/>
+            <a:ext cx="409575" cy="357188"/>
+          </a:xfrm>
+          <a:prstGeom prst="rect">
+            <a:avLst/>
+          </a:prstGeom>
+          <a:noFill/>
+          <a:ln w="9525">
+            <a:noFill/>
+            <a:miter lim="800000"/>
+            <a:headEnd/>
+            <a:tailEnd/>
+          </a:ln>
+        </p:spPr>
+      </p:pic>
+      <p:pic>
+        <p:nvPicPr>
+          <p:cNvPr id="10250" name="Picture 2"/>
+          <p:cNvPicPr>
+            <a:picLocks noChangeAspect="1" noChangeArrowheads="1"/>
+          </p:cNvPicPr>
+          <p:nvPr/>
+        </p:nvPicPr>
+        <p:blipFill>
+          <a:blip r:embed="rId3"/>
+          <a:srcRect/>
+          <a:stretch>
+            <a:fillRect/>
+          </a:stretch>
+        </p:blipFill>
+        <p:spPr bwMode="auto">
+          <a:xfrm>
+            <a:off x="5643563" y="1571625"/>
+            <a:ext cx="409575" cy="357188"/>
+          </a:xfrm>
+          <a:prstGeom prst="rect">
+            <a:avLst/>
+          </a:prstGeom>
+          <a:noFill/>
+          <a:ln w="9525">
+            <a:noFill/>
+            <a:miter lim="800000"/>
+            <a:headEnd/>
+            <a:tailEnd/>
+          </a:ln>
+        </p:spPr>
+      </p:pic>
+      <p:pic>
+        <p:nvPicPr>
+          <p:cNvPr id="10251" name="Picture 2"/>
+          <p:cNvPicPr>
+            <a:picLocks noChangeAspect="1" noChangeArrowheads="1"/>
+          </p:cNvPicPr>
+          <p:nvPr/>
+        </p:nvPicPr>
+        <p:blipFill>
+          <a:blip r:embed="rId3"/>
+          <a:srcRect/>
+          <a:stretch>
+            <a:fillRect/>
+          </a:stretch>
+        </p:blipFill>
+        <p:spPr bwMode="auto">
+          <a:xfrm>
+            <a:off x="6000750" y="1571625"/>
+            <a:ext cx="409575" cy="357188"/>
+          </a:xfrm>
+          <a:prstGeom prst="rect">
+            <a:avLst/>
+          </a:prstGeom>
+          <a:noFill/>
+          <a:ln w="9525">
+            <a:noFill/>
+            <a:miter lim="800000"/>
+            <a:headEnd/>
+            <a:tailEnd/>
+          </a:ln>
+        </p:spPr>
+      </p:pic>
+      <p:pic>
+        <p:nvPicPr>
+          <p:cNvPr id="10252" name="Picture 2"/>
+          <p:cNvPicPr>
+            <a:picLocks noChangeAspect="1" noChangeArrowheads="1"/>
+          </p:cNvPicPr>
+          <p:nvPr/>
+        </p:nvPicPr>
+        <p:blipFill>
+          <a:blip r:embed="rId3"/>
+          <a:srcRect/>
+          <a:stretch>
+            <a:fillRect/>
+          </a:stretch>
+        </p:blipFill>
+        <p:spPr bwMode="auto">
+          <a:xfrm>
+            <a:off x="2857500" y="1571625"/>
+            <a:ext cx="409575" cy="357188"/>
+          </a:xfrm>
+          <a:prstGeom prst="rect">
+            <a:avLst/>
+          </a:prstGeom>
+          <a:noFill/>
+          <a:ln w="9525">
+            <a:noFill/>
+            <a:miter lim="800000"/>
+            <a:headEnd/>
+            <a:tailEnd/>
+          </a:ln>
+        </p:spPr>
+      </p:pic>
+      <p:pic>
+        <p:nvPicPr>
+          <p:cNvPr id="10253" name="Picture 2"/>
+          <p:cNvPicPr>
+            <a:picLocks noChangeAspect="1" noChangeArrowheads="1"/>
+          </p:cNvPicPr>
+          <p:nvPr/>
+        </p:nvPicPr>
+        <p:blipFill>
+          <a:blip r:embed="rId3"/>
+          <a:srcRect/>
+          <a:stretch>
+            <a:fillRect/>
+          </a:stretch>
+        </p:blipFill>
+        <p:spPr bwMode="auto">
+          <a:xfrm>
+            <a:off x="6429375" y="1571625"/>
+            <a:ext cx="409575" cy="357188"/>
+          </a:xfrm>
+          <a:prstGeom prst="rect">
+            <a:avLst/>
+          </a:prstGeom>
+          <a:noFill/>
+          <a:ln w="9525">
+            <a:noFill/>
+            <a:miter lim="800000"/>
+            <a:headEnd/>
+            <a:tailEnd/>
+          </a:ln>
+        </p:spPr>
+      </p:pic>
+      <p:pic>
+        <p:nvPicPr>
+          <p:cNvPr id="10254" name="Picture 2"/>
+          <p:cNvPicPr>
+            <a:picLocks noChangeAspect="1" noChangeArrowheads="1"/>
+          </p:cNvPicPr>
+          <p:nvPr/>
+        </p:nvPicPr>
+        <p:blipFill>
+          <a:blip r:embed="rId3"/>
+          <a:srcRect/>
+          <a:stretch>
+            <a:fillRect/>
+          </a:stretch>
+        </p:blipFill>
+        <p:spPr bwMode="auto">
+          <a:xfrm>
+            <a:off x="2500313" y="1571625"/>
+            <a:ext cx="409575" cy="357188"/>
+          </a:xfrm>
+          <a:prstGeom prst="rect">
+            <a:avLst/>
+          </a:prstGeom>
+          <a:noFill/>
+          <a:ln w="9525">
+            <a:noFill/>
+            <a:miter lim="800000"/>
+            <a:headEnd/>
+            <a:tailEnd/>
+          </a:ln>
+        </p:spPr>
+      </p:pic>
+      <p:cxnSp>
+        <p:nvCxnSpPr>
+          <p:cNvPr id="23" name="직선 연결선 22"/>
+          <p:cNvCxnSpPr/>
+          <p:nvPr/>
+        </p:nvCxnSpPr>
+        <p:spPr>
+          <a:xfrm rot="5400000">
+            <a:off x="1357312" y="2357438"/>
+            <a:ext cx="1643063" cy="928688"/>
+          </a:xfrm>
+          <a:prstGeom prst="line">
+            <a:avLst/>
+          </a:prstGeom>
+          <a:ln w="117475" cmpd="sng">
+            <a:solidFill>
+              <a:schemeClr val="tx1"/>
+            </a:solidFill>
+          </a:ln>
+        </p:spPr>
+        <p:style>
+          <a:lnRef idx="1">
+            <a:schemeClr val="accent1"/>
+          </a:lnRef>
+          <a:fillRef idx="0">
+            <a:schemeClr val="accent1"/>
+          </a:fillRef>
+          <a:effectRef idx="0">
+            <a:schemeClr val="accent1"/>
+          </a:effectRef>
+          <a:fontRef idx="minor">
+            <a:schemeClr val="tx1"/>
+          </a:fontRef>
+        </p:style>
+      </p:cxnSp>
+      <p:cxnSp>
+        <p:nvCxnSpPr>
+          <p:cNvPr id="24" name="직선 연결선 23"/>
+          <p:cNvCxnSpPr/>
+          <p:nvPr/>
+        </p:nvCxnSpPr>
+        <p:spPr>
+          <a:xfrm rot="16200000" flipH="1">
+            <a:off x="6393656" y="2464594"/>
+            <a:ext cx="1785938" cy="857250"/>
+          </a:xfrm>
+          <a:prstGeom prst="line">
+            <a:avLst/>
+          </a:prstGeom>
+          <a:ln w="117475" cmpd="sng">
+            <a:solidFill>
+              <a:schemeClr val="tx1"/>
+            </a:solidFill>
+          </a:ln>
+        </p:spPr>
+        <p:style>
+          <a:lnRef idx="1">
+            <a:schemeClr val="accent1"/>
+          </a:lnRef>
+          <a:fillRef idx="0">
+            <a:schemeClr val="accent1"/>
+          </a:fillRef>
+          <a:effectRef idx="0">
+            <a:schemeClr val="accent1"/>
+          </a:effectRef>
+          <a:fontRef idx="minor">
+            <a:schemeClr val="tx1"/>
+          </a:fontRef>
+        </p:style>
+      </p:cxnSp>
+      <p:cxnSp>
+        <p:nvCxnSpPr>
+          <p:cNvPr id="26" name="직선 연결선 25"/>
+          <p:cNvCxnSpPr/>
+          <p:nvPr/>
+        </p:nvCxnSpPr>
+        <p:spPr>
+          <a:xfrm>
+            <a:off x="2643188" y="2000250"/>
+            <a:ext cx="4143375" cy="1588"/>
+          </a:xfrm>
+          <a:prstGeom prst="line">
+            <a:avLst/>
+          </a:prstGeom>
+          <a:ln w="117475" cmpd="sng">
+            <a:solidFill>
+              <a:schemeClr val="tx1"/>
+            </a:solidFill>
+          </a:ln>
+        </p:spPr>
+        <p:style>
+          <a:lnRef idx="1">
+            <a:schemeClr val="accent1"/>
+          </a:lnRef>
+          <a:fillRef idx="0">
+            <a:schemeClr val="accent1"/>
+          </a:fillRef>
+          <a:effectRef idx="0">
+            <a:schemeClr val="accent1"/>
+          </a:effectRef>
+          <a:fontRef idx="minor">
+            <a:schemeClr val="tx1"/>
+          </a:fontRef>
+        </p:style>
+      </p:cxnSp>
+      <p:sp>
+        <p:nvSpPr>
+          <p:cNvPr id="28" name="모서리가 둥근 직사각형 27"/>
+          <p:cNvSpPr/>
+          <p:nvPr/>
+        </p:nvSpPr>
+        <p:spPr>
+          <a:xfrm>
+            <a:off x="2786063" y="2214563"/>
+            <a:ext cx="3643312" cy="714375"/>
+          </a:xfrm>
+          <a:prstGeom prst="roundRect">
+            <a:avLst/>
+          </a:prstGeom>
+        </p:spPr>
+        <p:style>
+          <a:lnRef idx="2">
+            <a:schemeClr val="accent1">
+              <a:shade val="50000"/>
+            </a:schemeClr>
+          </a:lnRef>
+          <a:fillRef idx="1">
+            <a:schemeClr val="accent1"/>
+          </a:fillRef>
+          <a:effectRef idx="0">
+            <a:schemeClr val="accent1"/>
+          </a:effectRef>
+          <a:fontRef idx="minor">
+            <a:schemeClr val="lt1"/>
+          </a:fontRef>
+        </p:style>
+        <p:txBody>
+          <a:bodyPr anchor="ctr"/>
+          <a:lstStyle/>
+          <a:p>
+            <a:pPr algn="ctr" fontAlgn="auto">
+              <a:spcBef>
+                <a:spcPts val="0"/>
+              </a:spcBef>
+              <a:spcAft>
+                <a:spcPts val="0"/>
+              </a:spcAft>
+              <a:defRPr/>
+            </a:pPr>
+            <a:r>
+              <a:rPr kumimoji="0" lang="ko-KR" altLang="en-US" sz="1400" dirty="0"/>
+              <a:t>기본적으로</a:t>
+            </a:r>
+            <a:r>
+              <a:rPr kumimoji="0" lang="en-US" altLang="ko-KR" sz="1400" dirty="0"/>
+              <a:t>, </a:t>
+            </a:r>
+            <a:r>
+              <a:rPr kumimoji="0" lang="ko-KR" altLang="en-US" sz="1400" dirty="0"/>
+              <a:t>먼 쪽</a:t>
+            </a:r>
+            <a:r>
+              <a:rPr kumimoji="0" lang="en-US" altLang="ko-KR" sz="1400" dirty="0"/>
+              <a:t>(</a:t>
+            </a:r>
+            <a:r>
+              <a:rPr kumimoji="0" lang="ko-KR" altLang="en-US" sz="1400" dirty="0"/>
+              <a:t>안쪽</a:t>
+            </a:r>
+            <a:r>
+              <a:rPr kumimoji="0" lang="en-US" altLang="ko-KR" sz="1400" dirty="0"/>
+              <a:t>) </a:t>
+            </a:r>
+            <a:r>
+              <a:rPr kumimoji="0" lang="ko-KR" altLang="en-US" sz="1400" dirty="0"/>
+              <a:t>기준으로 </a:t>
+            </a:r>
+            <a:r>
+              <a:rPr kumimoji="0" lang="ko-KR" altLang="en-US" sz="1400" dirty="0" err="1"/>
+              <a:t>몬스터</a:t>
+            </a:r>
+            <a:r>
+              <a:rPr kumimoji="0" lang="ko-KR" altLang="en-US" sz="1400" dirty="0"/>
+              <a:t> 캐릭터 </a:t>
+            </a:r>
+            <a:r>
+              <a:rPr kumimoji="0" lang="en-US" altLang="ko-KR" sz="1400" dirty="0"/>
+              <a:t>11</a:t>
+            </a:r>
+            <a:r>
+              <a:rPr kumimoji="0" lang="ko-KR" altLang="en-US" sz="1400" dirty="0"/>
+              <a:t>개가 들어간다</a:t>
+            </a:r>
+            <a:r>
+              <a:rPr kumimoji="0" lang="en-US" altLang="ko-KR" sz="1400" dirty="0"/>
+              <a:t>.</a:t>
+            </a:r>
+          </a:p>
+        </p:txBody>
+      </p:sp>
+      <p:pic>
+        <p:nvPicPr>
+          <p:cNvPr id="10259" name="Picture 2"/>
+          <p:cNvPicPr>
+            <a:picLocks noChangeAspect="1" noChangeArrowheads="1"/>
+          </p:cNvPicPr>
+          <p:nvPr/>
+        </p:nvPicPr>
+        <p:blipFill>
+          <a:blip r:embed="rId3"/>
+          <a:srcRect/>
+          <a:stretch>
+            <a:fillRect/>
+          </a:stretch>
+        </p:blipFill>
+        <p:spPr bwMode="auto">
+          <a:xfrm>
+            <a:off x="1714500" y="3714750"/>
+            <a:ext cx="409575" cy="357188"/>
+          </a:xfrm>
+          <a:prstGeom prst="rect">
+            <a:avLst/>
+          </a:prstGeom>
+          <a:noFill/>
+          <a:ln w="9525">
+            <a:noFill/>
+            <a:miter lim="800000"/>
+            <a:headEnd/>
+            <a:tailEnd/>
+          </a:ln>
+        </p:spPr>
+      </p:pic>
+      <p:cxnSp>
+        <p:nvCxnSpPr>
+          <p:cNvPr id="31" name="직선 연결선 30"/>
+          <p:cNvCxnSpPr/>
+          <p:nvPr/>
+        </p:nvCxnSpPr>
+        <p:spPr>
+          <a:xfrm rot="5400000">
+            <a:off x="1535906" y="2678907"/>
+            <a:ext cx="1571625" cy="500062"/>
+          </a:xfrm>
+          <a:prstGeom prst="line">
+            <a:avLst/>
+          </a:prstGeom>
+          <a:ln w="28575" cap="sq">
+            <a:solidFill>
+              <a:srgbClr val="FF0000"/>
+            </a:solidFill>
+          </a:ln>
+          <a:effectLst>
+            <a:outerShdw blurRad="50800" dist="50800" dir="5400000" algn="ctr" rotWithShape="0">
+              <a:srgbClr val="000000">
+                <a:alpha val="91000"/>
+              </a:srgbClr>
+            </a:outerShdw>
+          </a:effectLst>
+        </p:spPr>
+        <p:style>
+          <a:lnRef idx="1">
+            <a:schemeClr val="accent1"/>
+          </a:lnRef>
+          <a:fillRef idx="0">
+            <a:schemeClr val="accent1"/>
+          </a:fillRef>
+          <a:effectRef idx="0">
+            <a:schemeClr val="accent1"/>
+          </a:effectRef>
+          <a:fontRef idx="minor">
+            <a:schemeClr val="tx1"/>
+          </a:fontRef>
+        </p:style>
+      </p:cxnSp>
+      <p:sp>
+        <p:nvSpPr>
+          <p:cNvPr id="37" name="직사각형 36"/>
+          <p:cNvSpPr/>
+          <p:nvPr/>
+        </p:nvSpPr>
+        <p:spPr>
+          <a:xfrm>
+            <a:off x="1928794" y="4643446"/>
+            <a:ext cx="5572164" cy="1857388"/>
+          </a:xfrm>
+          <a:prstGeom prst="rect">
+            <a:avLst/>
+          </a:prstGeom>
+          <a:solidFill>
+            <a:schemeClr val="accent6">
+              <a:alpha val="30000"/>
+            </a:schemeClr>
+          </a:solidFill>
+          <a:ln>
+            <a:noFill/>
+          </a:ln>
+          <a:effectLst>
+            <a:outerShdw blurRad="50800" dist="50800" dir="5400000" algn="ctr" rotWithShape="0">
+              <a:srgbClr val="000000">
+                <a:alpha val="68000"/>
+              </a:srgbClr>
+            </a:outerShdw>
+          </a:effectLst>
+        </p:spPr>
+        <p:style>
+          <a:lnRef idx="2">
+            <a:schemeClr val="accent1">
+              <a:shade val="50000"/>
+            </a:schemeClr>
+          </a:lnRef>
+          <a:fillRef idx="1">
+            <a:schemeClr val="accent1"/>
+          </a:fillRef>
+          <a:effectRef idx="0">
+            <a:schemeClr val="accent1"/>
+          </a:effectRef>
+          <a:fontRef idx="minor">
+            <a:schemeClr val="lt1"/>
+          </a:fontRef>
+        </p:style>
+        <p:txBody>
+          <a:bodyPr anchor="ctr"/>
+          <a:lstStyle/>
+          <a:p>
+            <a:pPr algn="ctr">
+              <a:defRPr/>
+            </a:pPr>
+            <a:r>
+              <a:rPr lang="ko-KR" altLang="en-US" dirty="0">
+                <a:ln w="18415" cmpd="sng">
+                  <a:solidFill>
+                    <a:srgbClr val="FFFFFF"/>
+                  </a:solidFill>
+                  <a:prstDash val="solid"/>
+                </a:ln>
+                <a:solidFill>
+                  <a:srgbClr val="FFFFFF"/>
+                </a:solidFill>
+                <a:effectLst>
+                  <a:outerShdw blurRad="63500" dir="3600000" algn="tl" rotWithShape="0">
+                    <a:srgbClr val="000000">
+                      <a:alpha val="70000"/>
+                    </a:srgbClr>
+                  </a:outerShdw>
+                </a:effectLst>
+              </a:rPr>
+              <a:t>버튼영역</a:t>
+            </a:r>
+          </a:p>
+        </p:txBody>
+      </p:sp>
+      <p:sp>
+        <p:nvSpPr>
+          <p:cNvPr id="32" name="모서리가 둥근 직사각형 31"/>
+          <p:cNvSpPr/>
+          <p:nvPr/>
+        </p:nvSpPr>
+        <p:spPr>
+          <a:xfrm>
+            <a:off x="428625" y="4286250"/>
+            <a:ext cx="3643313" cy="714375"/>
+          </a:xfrm>
+          <a:prstGeom prst="roundRect">
+            <a:avLst/>
+          </a:prstGeom>
+        </p:spPr>
+        <p:style>
+          <a:lnRef idx="2">
+            <a:schemeClr val="accent1">
+              <a:shade val="50000"/>
+            </a:schemeClr>
+          </a:lnRef>
+          <a:fillRef idx="1">
+            <a:schemeClr val="accent1"/>
+          </a:fillRef>
+          <a:effectRef idx="0">
+            <a:schemeClr val="accent1"/>
+          </a:effectRef>
+          <a:fontRef idx="minor">
+            <a:schemeClr val="lt1"/>
+          </a:fontRef>
+        </p:style>
+        <p:txBody>
+          <a:bodyPr anchor="ctr"/>
+          <a:lstStyle/>
+          <a:p>
+            <a:pPr algn="ctr" fontAlgn="auto">
+              <a:spcBef>
+                <a:spcPts val="0"/>
+              </a:spcBef>
+              <a:spcAft>
+                <a:spcPts val="0"/>
+              </a:spcAft>
+              <a:defRPr/>
+            </a:pPr>
+            <a:r>
+              <a:rPr kumimoji="0" lang="ko-KR" altLang="en-US" sz="1400" dirty="0" err="1"/>
+              <a:t>몬스터는</a:t>
+            </a:r>
+            <a:r>
+              <a:rPr kumimoji="0" lang="ko-KR" altLang="en-US" sz="1400" dirty="0"/>
+              <a:t> 단계적으로 화면 쪽으로 전진한다</a:t>
+            </a:r>
+            <a:r>
+              <a:rPr kumimoji="0" lang="en-US" altLang="ko-KR" sz="1400" dirty="0"/>
+              <a:t>. </a:t>
+            </a:r>
+            <a:r>
+              <a:rPr kumimoji="0" lang="ko-KR" altLang="en-US" sz="1400" dirty="0"/>
+              <a:t>이때 </a:t>
+            </a:r>
+            <a:r>
+              <a:rPr kumimoji="0" lang="ko-KR" altLang="en-US" sz="1400" u="sng" dirty="0"/>
+              <a:t>크기 변화는 </a:t>
+            </a:r>
+            <a:r>
+              <a:rPr kumimoji="0" lang="ko-KR" altLang="en-US" sz="1400" b="1" u="sng" dirty="0"/>
+              <a:t>없다</a:t>
+            </a:r>
+            <a:r>
+              <a:rPr kumimoji="0" lang="en-US" altLang="ko-KR" sz="1400" u="sng" dirty="0"/>
+              <a:t>.</a:t>
+            </a:r>
+          </a:p>
+        </p:txBody>
+      </p:sp>
+      <p:pic>
+        <p:nvPicPr>
+          <p:cNvPr id="10263" name="Picture 4"/>
+          <p:cNvPicPr>
+            <a:picLocks noChangeAspect="1" noChangeArrowheads="1"/>
+          </p:cNvPicPr>
+          <p:nvPr/>
+        </p:nvPicPr>
+        <p:blipFill>
+          <a:blip r:embed="rId4"/>
+          <a:srcRect/>
+          <a:stretch>
+            <a:fillRect/>
+          </a:stretch>
+        </p:blipFill>
+        <p:spPr bwMode="auto">
+          <a:xfrm>
+            <a:off x="6286500" y="3571875"/>
+            <a:ext cx="517525" cy="585788"/>
+          </a:xfrm>
+          <a:prstGeom prst="rect">
+            <a:avLst/>
+          </a:prstGeom>
+          <a:noFill/>
+          <a:ln w="9525">
+            <a:noFill/>
+            <a:miter lim="800000"/>
+            <a:headEnd/>
+            <a:tailEnd/>
+          </a:ln>
+        </p:spPr>
+      </p:pic>
+      <p:cxnSp>
+        <p:nvCxnSpPr>
+          <p:cNvPr id="35" name="직선 연결선 34"/>
+          <p:cNvCxnSpPr/>
+          <p:nvPr/>
+        </p:nvCxnSpPr>
+        <p:spPr>
+          <a:xfrm rot="10800000">
+            <a:off x="2357438" y="4143375"/>
+            <a:ext cx="5072062" cy="1588"/>
+          </a:xfrm>
+          <a:prstGeom prst="line">
+            <a:avLst/>
+          </a:prstGeom>
+        </p:spPr>
+        <p:style>
+          <a:lnRef idx="1">
+            <a:schemeClr val="accent1"/>
+          </a:lnRef>
+          <a:fillRef idx="0">
+            <a:schemeClr val="accent1"/>
+          </a:fillRef>
+          <a:effectRef idx="0">
+            <a:schemeClr val="accent1"/>
+          </a:effectRef>
+          <a:fontRef idx="minor">
+            <a:schemeClr val="tx1"/>
+          </a:fontRef>
+        </p:style>
+      </p:cxnSp>
+      <p:sp>
+        <p:nvSpPr>
+          <p:cNvPr id="36" name="모서리가 둥근 직사각형 35"/>
+          <p:cNvSpPr/>
+          <p:nvPr/>
+        </p:nvSpPr>
+        <p:spPr>
+          <a:xfrm>
+            <a:off x="5286375" y="4286250"/>
+            <a:ext cx="3071813" cy="714375"/>
+          </a:xfrm>
+          <a:prstGeom prst="roundRect">
+            <a:avLst/>
+          </a:prstGeom>
+        </p:spPr>
+        <p:style>
+          <a:lnRef idx="2">
+            <a:schemeClr val="accent1">
+              <a:shade val="50000"/>
+            </a:schemeClr>
+          </a:lnRef>
+          <a:fillRef idx="1">
+            <a:schemeClr val="accent1"/>
+          </a:fillRef>
+          <a:effectRef idx="0">
+            <a:schemeClr val="accent1"/>
+          </a:effectRef>
+          <a:fontRef idx="minor">
+            <a:schemeClr val="lt1"/>
+          </a:fontRef>
+        </p:style>
+        <p:txBody>
+          <a:bodyPr anchor="ctr"/>
+          <a:lstStyle/>
+          <a:p>
+            <a:pPr algn="ctr" fontAlgn="auto">
+              <a:spcBef>
+                <a:spcPts val="0"/>
+              </a:spcBef>
+              <a:spcAft>
+                <a:spcPts val="0"/>
+              </a:spcAft>
+              <a:defRPr/>
+            </a:pPr>
+            <a:r>
+              <a:rPr kumimoji="0" lang="ko-KR" altLang="en-US" sz="1400" u="sng" dirty="0" err="1"/>
+              <a:t>메인캐릭터는</a:t>
+            </a:r>
+            <a:r>
+              <a:rPr kumimoji="0" lang="ko-KR" altLang="en-US" sz="1400" u="sng" dirty="0"/>
+              <a:t> 수평선상으로만 </a:t>
+            </a:r>
+            <a:r>
+              <a:rPr kumimoji="0" lang="ko-KR" altLang="en-US" sz="1400" u="sng" dirty="0" err="1"/>
+              <a:t>이동가능하다</a:t>
+            </a:r>
+            <a:r>
+              <a:rPr kumimoji="0" lang="en-US" altLang="ko-KR" sz="1400" u="sng" dirty="0"/>
+              <a:t>. </a:t>
             </a:r>
           </a:p>
         </p:txBody>
